--- a/notes/image/doubly-indirect.pptx
+++ b/notes/image/doubly-indirect.pptx
@@ -6,6 +6,15 @@
   </p:sldMasterIdLst>
   <p:sldIdLst>
     <p:sldId id="256" r:id="rId2"/>
+    <p:sldId id="258" r:id="rId3"/>
+    <p:sldId id="259" r:id="rId4"/>
+    <p:sldId id="260" r:id="rId5"/>
+    <p:sldId id="261" r:id="rId6"/>
+    <p:sldId id="257" r:id="rId7"/>
+    <p:sldId id="262" r:id="rId8"/>
+    <p:sldId id="263" r:id="rId9"/>
+    <p:sldId id="265" r:id="rId10"/>
+    <p:sldId id="264" r:id="rId11"/>
   </p:sldIdLst>
   <p:sldSz cx="12192000" cy="6858000"/>
   <p:notesSz cx="6858000" cy="9144000"/>
@@ -104,6 +113,11 @@
       </a:defRPr>
     </a:lvl9pPr>
   </p:defaultTextStyle>
+  <p:extLst>
+    <p:ext uri="{EFAFB233-063F-42B5-8137-9DF3F51BA10A}">
+      <p15:sldGuideLst xmlns:p15="http://schemas.microsoft.com/office/powerpoint/2012/main"/>
+    </p:ext>
+  </p:extLst>
 </p:presentation>
 </file>
 
@@ -238,7 +252,7 @@
           <a:p>
             <a:fld id="{62B1A74D-2BE4-42E6-8CBF-CF780F32100D}" type="datetimeFigureOut">
               <a:rPr lang="zh-CN" altLang="en-US" smtClean="0"/>
-              <a:t>2019/8/24</a:t>
+              <a:t>2019/11/25</a:t>
             </a:fld>
             <a:endParaRPr lang="zh-CN" altLang="en-US"/>
           </a:p>
@@ -408,7 +422,7 @@
           <a:p>
             <a:fld id="{62B1A74D-2BE4-42E6-8CBF-CF780F32100D}" type="datetimeFigureOut">
               <a:rPr lang="zh-CN" altLang="en-US" smtClean="0"/>
-              <a:t>2019/8/24</a:t>
+              <a:t>2019/11/25</a:t>
             </a:fld>
             <a:endParaRPr lang="zh-CN" altLang="en-US"/>
           </a:p>
@@ -588,7 +602,7 @@
           <a:p>
             <a:fld id="{62B1A74D-2BE4-42E6-8CBF-CF780F32100D}" type="datetimeFigureOut">
               <a:rPr lang="zh-CN" altLang="en-US" smtClean="0"/>
-              <a:t>2019/8/24</a:t>
+              <a:t>2019/11/25</a:t>
             </a:fld>
             <a:endParaRPr lang="zh-CN" altLang="en-US"/>
           </a:p>
@@ -758,7 +772,7 @@
           <a:p>
             <a:fld id="{62B1A74D-2BE4-42E6-8CBF-CF780F32100D}" type="datetimeFigureOut">
               <a:rPr lang="zh-CN" altLang="en-US" smtClean="0"/>
-              <a:t>2019/8/24</a:t>
+              <a:t>2019/11/25</a:t>
             </a:fld>
             <a:endParaRPr lang="zh-CN" altLang="en-US"/>
           </a:p>
@@ -1004,7 +1018,7 @@
           <a:p>
             <a:fld id="{62B1A74D-2BE4-42E6-8CBF-CF780F32100D}" type="datetimeFigureOut">
               <a:rPr lang="zh-CN" altLang="en-US" smtClean="0"/>
-              <a:t>2019/8/24</a:t>
+              <a:t>2019/11/25</a:t>
             </a:fld>
             <a:endParaRPr lang="zh-CN" altLang="en-US"/>
           </a:p>
@@ -1236,7 +1250,7 @@
           <a:p>
             <a:fld id="{62B1A74D-2BE4-42E6-8CBF-CF780F32100D}" type="datetimeFigureOut">
               <a:rPr lang="zh-CN" altLang="en-US" smtClean="0"/>
-              <a:t>2019/8/24</a:t>
+              <a:t>2019/11/25</a:t>
             </a:fld>
             <a:endParaRPr lang="zh-CN" altLang="en-US"/>
           </a:p>
@@ -1603,7 +1617,7 @@
           <a:p>
             <a:fld id="{62B1A74D-2BE4-42E6-8CBF-CF780F32100D}" type="datetimeFigureOut">
               <a:rPr lang="zh-CN" altLang="en-US" smtClean="0"/>
-              <a:t>2019/8/24</a:t>
+              <a:t>2019/11/25</a:t>
             </a:fld>
             <a:endParaRPr lang="zh-CN" altLang="en-US"/>
           </a:p>
@@ -1721,7 +1735,7 @@
           <a:p>
             <a:fld id="{62B1A74D-2BE4-42E6-8CBF-CF780F32100D}" type="datetimeFigureOut">
               <a:rPr lang="zh-CN" altLang="en-US" smtClean="0"/>
-              <a:t>2019/8/24</a:t>
+              <a:t>2019/11/25</a:t>
             </a:fld>
             <a:endParaRPr lang="zh-CN" altLang="en-US"/>
           </a:p>
@@ -1816,7 +1830,7 @@
           <a:p>
             <a:fld id="{62B1A74D-2BE4-42E6-8CBF-CF780F32100D}" type="datetimeFigureOut">
               <a:rPr lang="zh-CN" altLang="en-US" smtClean="0"/>
-              <a:t>2019/8/24</a:t>
+              <a:t>2019/11/25</a:t>
             </a:fld>
             <a:endParaRPr lang="zh-CN" altLang="en-US"/>
           </a:p>
@@ -2093,7 +2107,7 @@
           <a:p>
             <a:fld id="{62B1A74D-2BE4-42E6-8CBF-CF780F32100D}" type="datetimeFigureOut">
               <a:rPr lang="zh-CN" altLang="en-US" smtClean="0"/>
-              <a:t>2019/8/24</a:t>
+              <a:t>2019/11/25</a:t>
             </a:fld>
             <a:endParaRPr lang="zh-CN" altLang="en-US"/>
           </a:p>
@@ -2346,7 +2360,7 @@
           <a:p>
             <a:fld id="{62B1A74D-2BE4-42E6-8CBF-CF780F32100D}" type="datetimeFigureOut">
               <a:rPr lang="zh-CN" altLang="en-US" smtClean="0"/>
-              <a:t>2019/8/24</a:t>
+              <a:t>2019/11/25</a:t>
             </a:fld>
             <a:endParaRPr lang="zh-CN" altLang="en-US"/>
           </a:p>
@@ -2559,7 +2573,7 @@
           <a:p>
             <a:fld id="{62B1A74D-2BE4-42E6-8CBF-CF780F32100D}" type="datetimeFigureOut">
               <a:rPr lang="zh-CN" altLang="en-US" smtClean="0"/>
-              <a:t>2019/8/24</a:t>
+              <a:t>2019/11/25</a:t>
             </a:fld>
             <a:endParaRPr lang="zh-CN" altLang="en-US"/>
           </a:p>
@@ -6273,6 +6287,5575 @@
 </p:sld>
 </file>
 
+<file path=ppt/slides/slide10.xml><?xml version="1.0" encoding="utf-8"?>
+<p:sld xmlns:a="http://schemas.openxmlformats.org/drawingml/2006/main" xmlns:r="http://schemas.openxmlformats.org/officeDocument/2006/relationships" xmlns:p="http://schemas.openxmlformats.org/presentationml/2006/main">
+  <p:cSld>
+    <p:spTree>
+      <p:nvGrpSpPr>
+        <p:cNvPr id="1" name=""/>
+        <p:cNvGrpSpPr/>
+        <p:nvPr/>
+      </p:nvGrpSpPr>
+      <p:grpSpPr>
+        <a:xfrm>
+          <a:off x="0" y="0"/>
+          <a:ext cx="0" cy="0"/>
+          <a:chOff x="0" y="0"/>
+          <a:chExt cx="0" cy="0"/>
+        </a:xfrm>
+      </p:grpSpPr>
+      <p:sp>
+        <p:nvSpPr>
+          <p:cNvPr id="85" name="文本框 84"/>
+          <p:cNvSpPr txBox="1"/>
+          <p:nvPr/>
+        </p:nvSpPr>
+        <p:spPr>
+          <a:xfrm>
+            <a:off x="1669514" y="417761"/>
+            <a:ext cx="792205" cy="338554"/>
+          </a:xfrm>
+          <a:prstGeom prst="rect">
+            <a:avLst/>
+          </a:prstGeom>
+          <a:noFill/>
+        </p:spPr>
+        <p:txBody>
+          <a:bodyPr wrap="none" rtlCol="0">
+            <a:spAutoFit/>
+          </a:bodyPr>
+          <a:lstStyle/>
+          <a:p>
+            <a:pPr algn="ctr"/>
+            <a:r>
+              <a:rPr lang="en-US" altLang="zh-CN" sz="1600" b="1" dirty="0" err="1" smtClean="0"/>
+              <a:t>e</a:t>
+            </a:r>
+            <a:r>
+              <a:rPr lang="en-US" altLang="zh-CN" sz="1600" b="1" dirty="0" err="1"/>
+              <a:t>b</a:t>
+            </a:r>
+            <a:r>
+              <a:rPr lang="en-US" altLang="zh-CN" sz="1600" b="1" dirty="0" err="1" smtClean="0"/>
+              <a:t>p</a:t>
+            </a:r>
+            <a:r>
+              <a:rPr lang="en-US" altLang="zh-CN" sz="1600" b="1" dirty="0" smtClean="0"/>
+              <a:t>(0)</a:t>
+            </a:r>
+            <a:endParaRPr lang="zh-CN" altLang="en-US" sz="1600" b="1" dirty="0"/>
+          </a:p>
+        </p:txBody>
+      </p:sp>
+      <p:sp>
+        <p:nvSpPr>
+          <p:cNvPr id="2" name="矩形 1"/>
+          <p:cNvSpPr/>
+          <p:nvPr/>
+        </p:nvSpPr>
+        <p:spPr>
+          <a:xfrm>
+            <a:off x="870438" y="369277"/>
+            <a:ext cx="2400300" cy="5662246"/>
+          </a:xfrm>
+          <a:prstGeom prst="rect">
+            <a:avLst/>
+          </a:prstGeom>
+          <a:noFill/>
+          <a:ln w="38100">
+            <a:solidFill>
+              <a:schemeClr val="tx1"/>
+            </a:solidFill>
+          </a:ln>
+        </p:spPr>
+        <p:style>
+          <a:lnRef idx="2">
+            <a:schemeClr val="accent1">
+              <a:shade val="50000"/>
+            </a:schemeClr>
+          </a:lnRef>
+          <a:fillRef idx="1">
+            <a:schemeClr val="accent1"/>
+          </a:fillRef>
+          <a:effectRef idx="0">
+            <a:schemeClr val="accent1"/>
+          </a:effectRef>
+          <a:fontRef idx="minor">
+            <a:schemeClr val="lt1"/>
+          </a:fontRef>
+        </p:style>
+        <p:txBody>
+          <a:bodyPr rtlCol="0" anchor="ctr"/>
+          <a:lstStyle/>
+          <a:p>
+            <a:pPr algn="ctr"/>
+            <a:endParaRPr lang="zh-CN" altLang="en-US"/>
+          </a:p>
+        </p:txBody>
+      </p:sp>
+      <p:cxnSp>
+        <p:nvCxnSpPr>
+          <p:cNvPr id="4" name="直接连接符 3"/>
+          <p:cNvCxnSpPr/>
+          <p:nvPr/>
+        </p:nvCxnSpPr>
+        <p:spPr>
+          <a:xfrm>
+            <a:off x="870438" y="861650"/>
+            <a:ext cx="2400300" cy="0"/>
+          </a:xfrm>
+          <a:prstGeom prst="line">
+            <a:avLst/>
+          </a:prstGeom>
+          <a:ln w="38100">
+            <a:solidFill>
+              <a:schemeClr val="tx1"/>
+            </a:solidFill>
+          </a:ln>
+        </p:spPr>
+        <p:style>
+          <a:lnRef idx="1">
+            <a:schemeClr val="accent1"/>
+          </a:lnRef>
+          <a:fillRef idx="0">
+            <a:schemeClr val="accent1"/>
+          </a:fillRef>
+          <a:effectRef idx="0">
+            <a:schemeClr val="accent1"/>
+          </a:effectRef>
+          <a:fontRef idx="minor">
+            <a:schemeClr val="tx1"/>
+          </a:fontRef>
+        </p:style>
+      </p:cxnSp>
+      <p:cxnSp>
+        <p:nvCxnSpPr>
+          <p:cNvPr id="92" name="直接箭头连接符 91"/>
+          <p:cNvCxnSpPr/>
+          <p:nvPr/>
+        </p:nvCxnSpPr>
+        <p:spPr>
+          <a:xfrm flipH="1">
+            <a:off x="3411415" y="3214435"/>
+            <a:ext cx="712177" cy="0"/>
+          </a:xfrm>
+          <a:prstGeom prst="straightConnector1">
+            <a:avLst/>
+          </a:prstGeom>
+          <a:ln w="50800" cap="flat" cmpd="sng" algn="ctr">
+            <a:solidFill>
+              <a:schemeClr val="dk1"/>
+            </a:solidFill>
+            <a:prstDash val="solid"/>
+            <a:round/>
+            <a:headEnd type="none" w="med" len="med"/>
+            <a:tailEnd type="arrow" w="med" len="med"/>
+          </a:ln>
+        </p:spPr>
+        <p:style>
+          <a:lnRef idx="0">
+            <a:scrgbClr r="0" g="0" b="0"/>
+          </a:lnRef>
+          <a:fillRef idx="0">
+            <a:scrgbClr r="0" g="0" b="0"/>
+          </a:fillRef>
+          <a:effectRef idx="0">
+            <a:scrgbClr r="0" g="0" b="0"/>
+          </a:effectRef>
+          <a:fontRef idx="minor">
+            <a:schemeClr val="tx1"/>
+          </a:fontRef>
+        </p:style>
+      </p:cxnSp>
+      <p:cxnSp>
+        <p:nvCxnSpPr>
+          <p:cNvPr id="97" name="直接连接符 96"/>
+          <p:cNvCxnSpPr/>
+          <p:nvPr/>
+        </p:nvCxnSpPr>
+        <p:spPr>
+          <a:xfrm>
+            <a:off x="870438" y="1356950"/>
+            <a:ext cx="2400300" cy="0"/>
+          </a:xfrm>
+          <a:prstGeom prst="line">
+            <a:avLst/>
+          </a:prstGeom>
+          <a:ln w="38100">
+            <a:solidFill>
+              <a:schemeClr val="tx1"/>
+            </a:solidFill>
+          </a:ln>
+        </p:spPr>
+        <p:style>
+          <a:lnRef idx="1">
+            <a:schemeClr val="accent1"/>
+          </a:lnRef>
+          <a:fillRef idx="0">
+            <a:schemeClr val="accent1"/>
+          </a:fillRef>
+          <a:effectRef idx="0">
+            <a:schemeClr val="accent1"/>
+          </a:effectRef>
+          <a:fontRef idx="minor">
+            <a:schemeClr val="tx1"/>
+          </a:fontRef>
+        </p:style>
+      </p:cxnSp>
+      <p:sp>
+        <p:nvSpPr>
+          <p:cNvPr id="98" name="文本框 97"/>
+          <p:cNvSpPr txBox="1"/>
+          <p:nvPr/>
+        </p:nvSpPr>
+        <p:spPr>
+          <a:xfrm>
+            <a:off x="1890806" y="938556"/>
+            <a:ext cx="298479" cy="338554"/>
+          </a:xfrm>
+          <a:prstGeom prst="rect">
+            <a:avLst/>
+          </a:prstGeom>
+          <a:noFill/>
+        </p:spPr>
+        <p:txBody>
+          <a:bodyPr wrap="none" rtlCol="0">
+            <a:spAutoFit/>
+          </a:bodyPr>
+          <a:lstStyle/>
+          <a:p>
+            <a:pPr algn="ctr"/>
+            <a:r>
+              <a:rPr lang="en-US" altLang="zh-CN" sz="1600" b="1" dirty="0" smtClean="0"/>
+              <a:t>2</a:t>
+            </a:r>
+            <a:endParaRPr lang="zh-CN" altLang="en-US" sz="1600" b="1" dirty="0"/>
+          </a:p>
+        </p:txBody>
+      </p:sp>
+      <p:cxnSp>
+        <p:nvCxnSpPr>
+          <p:cNvPr id="100" name="直接连接符 99"/>
+          <p:cNvCxnSpPr/>
+          <p:nvPr/>
+        </p:nvCxnSpPr>
+        <p:spPr>
+          <a:xfrm>
+            <a:off x="870438" y="1790704"/>
+            <a:ext cx="2400300" cy="0"/>
+          </a:xfrm>
+          <a:prstGeom prst="line">
+            <a:avLst/>
+          </a:prstGeom>
+          <a:ln w="38100">
+            <a:solidFill>
+              <a:schemeClr val="tx1"/>
+            </a:solidFill>
+          </a:ln>
+        </p:spPr>
+        <p:style>
+          <a:lnRef idx="1">
+            <a:schemeClr val="accent1"/>
+          </a:lnRef>
+          <a:fillRef idx="0">
+            <a:schemeClr val="accent1"/>
+          </a:fillRef>
+          <a:effectRef idx="0">
+            <a:schemeClr val="accent1"/>
+          </a:effectRef>
+          <a:fontRef idx="minor">
+            <a:schemeClr val="tx1"/>
+          </a:fontRef>
+        </p:style>
+      </p:cxnSp>
+      <p:sp>
+        <p:nvSpPr>
+          <p:cNvPr id="102" name="文本框 101"/>
+          <p:cNvSpPr txBox="1"/>
+          <p:nvPr/>
+        </p:nvSpPr>
+        <p:spPr>
+          <a:xfrm>
+            <a:off x="1887525" y="1354015"/>
+            <a:ext cx="301760" cy="338554"/>
+          </a:xfrm>
+          <a:prstGeom prst="rect">
+            <a:avLst/>
+          </a:prstGeom>
+          <a:noFill/>
+        </p:spPr>
+        <p:txBody>
+          <a:bodyPr wrap="square" rtlCol="0">
+            <a:spAutoFit/>
+          </a:bodyPr>
+          <a:lstStyle/>
+          <a:p>
+            <a:pPr algn="ctr"/>
+            <a:r>
+              <a:rPr lang="en-US" altLang="zh-CN" sz="1600" b="1" dirty="0"/>
+              <a:t>1</a:t>
+            </a:r>
+            <a:endParaRPr lang="zh-CN" altLang="en-US" sz="1600" b="1" dirty="0"/>
+          </a:p>
+        </p:txBody>
+      </p:sp>
+      <p:sp>
+        <p:nvSpPr>
+          <p:cNvPr id="133" name="文本框 132"/>
+          <p:cNvSpPr txBox="1"/>
+          <p:nvPr/>
+        </p:nvSpPr>
+        <p:spPr>
+          <a:xfrm>
+            <a:off x="4219189" y="2983602"/>
+            <a:ext cx="667170" cy="461665"/>
+          </a:xfrm>
+          <a:prstGeom prst="rect">
+            <a:avLst/>
+          </a:prstGeom>
+          <a:noFill/>
+        </p:spPr>
+        <p:txBody>
+          <a:bodyPr wrap="none" rtlCol="0">
+            <a:spAutoFit/>
+          </a:bodyPr>
+          <a:lstStyle/>
+          <a:p>
+            <a:r>
+              <a:rPr lang="en-US" altLang="zh-CN" sz="2400" b="1" dirty="0" err="1"/>
+              <a:t>esp</a:t>
+            </a:r>
+            <a:endParaRPr lang="zh-CN" altLang="en-US" sz="2400" b="1" dirty="0"/>
+          </a:p>
+        </p:txBody>
+      </p:sp>
+      <p:cxnSp>
+        <p:nvCxnSpPr>
+          <p:cNvPr id="13" name="直接连接符 12"/>
+          <p:cNvCxnSpPr/>
+          <p:nvPr/>
+        </p:nvCxnSpPr>
+        <p:spPr>
+          <a:xfrm>
+            <a:off x="870438" y="2267797"/>
+            <a:ext cx="2400300" cy="0"/>
+          </a:xfrm>
+          <a:prstGeom prst="line">
+            <a:avLst/>
+          </a:prstGeom>
+          <a:ln w="38100">
+            <a:solidFill>
+              <a:schemeClr val="tx1"/>
+            </a:solidFill>
+          </a:ln>
+        </p:spPr>
+        <p:style>
+          <a:lnRef idx="1">
+            <a:schemeClr val="accent1"/>
+          </a:lnRef>
+          <a:fillRef idx="0">
+            <a:schemeClr val="accent1"/>
+          </a:fillRef>
+          <a:effectRef idx="0">
+            <a:schemeClr val="accent1"/>
+          </a:effectRef>
+          <a:fontRef idx="minor">
+            <a:schemeClr val="tx1"/>
+          </a:fontRef>
+        </p:style>
+      </p:cxnSp>
+      <p:sp>
+        <p:nvSpPr>
+          <p:cNvPr id="14" name="文本框 13"/>
+          <p:cNvSpPr txBox="1"/>
+          <p:nvPr/>
+        </p:nvSpPr>
+        <p:spPr>
+          <a:xfrm>
+            <a:off x="517362" y="1859974"/>
+            <a:ext cx="3096513" cy="338554"/>
+          </a:xfrm>
+          <a:prstGeom prst="rect">
+            <a:avLst/>
+          </a:prstGeom>
+          <a:noFill/>
+        </p:spPr>
+        <p:txBody>
+          <a:bodyPr wrap="square" rtlCol="0">
+            <a:spAutoFit/>
+          </a:bodyPr>
+          <a:lstStyle/>
+          <a:p>
+            <a:pPr algn="ctr"/>
+            <a:r>
+              <a:rPr lang="en-US" altLang="zh-CN" sz="1600" b="1" dirty="0" err="1" smtClean="0"/>
+              <a:t>eip</a:t>
+            </a:r>
+            <a:r>
+              <a:rPr lang="en-US" altLang="zh-CN" sz="1600" b="1" dirty="0" smtClean="0"/>
+              <a:t>(</a:t>
+            </a:r>
+            <a:r>
+              <a:rPr lang="en-US" altLang="zh-CN" sz="1600" b="1" dirty="0" err="1" smtClean="0"/>
+              <a:t>addl</a:t>
+            </a:r>
+            <a:r>
+              <a:rPr lang="en-US" altLang="zh-CN" sz="1600" b="1" dirty="0" smtClean="0"/>
+              <a:t> $8, %</a:t>
+            </a:r>
+            <a:r>
+              <a:rPr lang="en-US" altLang="zh-CN" sz="1600" b="1" dirty="0" err="1" smtClean="0"/>
+              <a:t>esp</a:t>
+            </a:r>
+            <a:r>
+              <a:rPr lang="zh-CN" altLang="en-US" sz="1600" b="1" dirty="0" smtClean="0"/>
+              <a:t>的地址</a:t>
+            </a:r>
+            <a:r>
+              <a:rPr lang="en-US" altLang="zh-CN" sz="1600" b="1" dirty="0" smtClean="0"/>
+              <a:t>)</a:t>
+            </a:r>
+            <a:endParaRPr lang="zh-CN" altLang="en-US" sz="1600" b="1" dirty="0"/>
+          </a:p>
+        </p:txBody>
+      </p:sp>
+      <p:cxnSp>
+        <p:nvCxnSpPr>
+          <p:cNvPr id="15" name="直接箭头连接符 14"/>
+          <p:cNvCxnSpPr/>
+          <p:nvPr/>
+        </p:nvCxnSpPr>
+        <p:spPr>
+          <a:xfrm flipH="1">
+            <a:off x="3366335" y="2736720"/>
+            <a:ext cx="712177" cy="0"/>
+          </a:xfrm>
+          <a:prstGeom prst="straightConnector1">
+            <a:avLst/>
+          </a:prstGeom>
+          <a:ln w="50800" cap="flat" cmpd="sng" algn="ctr">
+            <a:solidFill>
+              <a:schemeClr val="dk1"/>
+            </a:solidFill>
+            <a:prstDash val="solid"/>
+            <a:round/>
+            <a:headEnd type="none" w="med" len="med"/>
+            <a:tailEnd type="arrow" w="med" len="med"/>
+          </a:ln>
+        </p:spPr>
+        <p:style>
+          <a:lnRef idx="0">
+            <a:scrgbClr r="0" g="0" b="0"/>
+          </a:lnRef>
+          <a:fillRef idx="0">
+            <a:scrgbClr r="0" g="0" b="0"/>
+          </a:fillRef>
+          <a:effectRef idx="0">
+            <a:scrgbClr r="0" g="0" b="0"/>
+          </a:effectRef>
+          <a:fontRef idx="minor">
+            <a:schemeClr val="tx1"/>
+          </a:fontRef>
+        </p:style>
+      </p:cxnSp>
+      <p:sp>
+        <p:nvSpPr>
+          <p:cNvPr id="16" name="文本框 15"/>
+          <p:cNvSpPr txBox="1"/>
+          <p:nvPr/>
+        </p:nvSpPr>
+        <p:spPr>
+          <a:xfrm>
+            <a:off x="4219189" y="2505887"/>
+            <a:ext cx="1561646" cy="461665"/>
+          </a:xfrm>
+          <a:prstGeom prst="rect">
+            <a:avLst/>
+          </a:prstGeom>
+          <a:noFill/>
+        </p:spPr>
+        <p:txBody>
+          <a:bodyPr wrap="none" rtlCol="0">
+            <a:spAutoFit/>
+          </a:bodyPr>
+          <a:lstStyle/>
+          <a:p>
+            <a:r>
+              <a:rPr lang="en-US" altLang="zh-CN" sz="2400" b="1" dirty="0" err="1" smtClean="0"/>
+              <a:t>ebp</a:t>
+            </a:r>
+            <a:r>
+              <a:rPr lang="en-US" altLang="zh-CN" sz="2400" b="1" dirty="0" smtClean="0"/>
+              <a:t>(fun1)</a:t>
+            </a:r>
+            <a:endParaRPr lang="zh-CN" altLang="en-US" sz="2400" b="1" dirty="0"/>
+          </a:p>
+        </p:txBody>
+      </p:sp>
+      <p:cxnSp>
+        <p:nvCxnSpPr>
+          <p:cNvPr id="18" name="直接连接符 17"/>
+          <p:cNvCxnSpPr/>
+          <p:nvPr/>
+        </p:nvCxnSpPr>
+        <p:spPr>
+          <a:xfrm>
+            <a:off x="870438" y="2736720"/>
+            <a:ext cx="2400300" cy="0"/>
+          </a:xfrm>
+          <a:prstGeom prst="line">
+            <a:avLst/>
+          </a:prstGeom>
+          <a:ln w="38100">
+            <a:solidFill>
+              <a:schemeClr val="tx1"/>
+            </a:solidFill>
+          </a:ln>
+        </p:spPr>
+        <p:style>
+          <a:lnRef idx="1">
+            <a:schemeClr val="accent1"/>
+          </a:lnRef>
+          <a:fillRef idx="0">
+            <a:schemeClr val="accent1"/>
+          </a:fillRef>
+          <a:effectRef idx="0">
+            <a:schemeClr val="accent1"/>
+          </a:effectRef>
+          <a:fontRef idx="minor">
+            <a:schemeClr val="tx1"/>
+          </a:fontRef>
+        </p:style>
+      </p:cxnSp>
+      <p:sp>
+        <p:nvSpPr>
+          <p:cNvPr id="19" name="文本框 18"/>
+          <p:cNvSpPr txBox="1"/>
+          <p:nvPr/>
+        </p:nvSpPr>
+        <p:spPr>
+          <a:xfrm>
+            <a:off x="517361" y="2337067"/>
+            <a:ext cx="3096513" cy="338554"/>
+          </a:xfrm>
+          <a:prstGeom prst="rect">
+            <a:avLst/>
+          </a:prstGeom>
+          <a:noFill/>
+        </p:spPr>
+        <p:txBody>
+          <a:bodyPr wrap="square" rtlCol="0">
+            <a:spAutoFit/>
+          </a:bodyPr>
+          <a:lstStyle/>
+          <a:p>
+            <a:pPr algn="ctr"/>
+            <a:r>
+              <a:rPr lang="en-US" altLang="zh-CN" sz="1600" b="1" dirty="0" err="1" smtClean="0"/>
+              <a:t>e</a:t>
+            </a:r>
+            <a:r>
+              <a:rPr lang="en-US" altLang="zh-CN" sz="1600" b="1" dirty="0" err="1" smtClean="0"/>
+              <a:t>bp</a:t>
+            </a:r>
+            <a:r>
+              <a:rPr lang="en-US" altLang="zh-CN" sz="1600" b="1" dirty="0" smtClean="0"/>
+              <a:t>(main)</a:t>
+            </a:r>
+            <a:endParaRPr lang="zh-CN" altLang="en-US" sz="1600" b="1" dirty="0"/>
+          </a:p>
+        </p:txBody>
+      </p:sp>
+      <p:cxnSp>
+        <p:nvCxnSpPr>
+          <p:cNvPr id="21" name="直接连接符 20"/>
+          <p:cNvCxnSpPr/>
+          <p:nvPr/>
+        </p:nvCxnSpPr>
+        <p:spPr>
+          <a:xfrm>
+            <a:off x="870438" y="3214435"/>
+            <a:ext cx="2400300" cy="0"/>
+          </a:xfrm>
+          <a:prstGeom prst="line">
+            <a:avLst/>
+          </a:prstGeom>
+          <a:ln w="38100">
+            <a:solidFill>
+              <a:schemeClr val="tx1"/>
+            </a:solidFill>
+          </a:ln>
+        </p:spPr>
+        <p:style>
+          <a:lnRef idx="1">
+            <a:schemeClr val="accent1"/>
+          </a:lnRef>
+          <a:fillRef idx="0">
+            <a:schemeClr val="accent1"/>
+          </a:fillRef>
+          <a:effectRef idx="0">
+            <a:schemeClr val="accent1"/>
+          </a:effectRef>
+          <a:fontRef idx="minor">
+            <a:schemeClr val="tx1"/>
+          </a:fontRef>
+        </p:style>
+      </p:cxnSp>
+      <p:sp>
+        <p:nvSpPr>
+          <p:cNvPr id="22" name="文本框 21"/>
+          <p:cNvSpPr txBox="1"/>
+          <p:nvPr/>
+        </p:nvSpPr>
+        <p:spPr>
+          <a:xfrm>
+            <a:off x="490148" y="2821033"/>
+            <a:ext cx="3096513" cy="338554"/>
+          </a:xfrm>
+          <a:prstGeom prst="rect">
+            <a:avLst/>
+          </a:prstGeom>
+          <a:noFill/>
+        </p:spPr>
+        <p:txBody>
+          <a:bodyPr wrap="square" rtlCol="0">
+            <a:spAutoFit/>
+          </a:bodyPr>
+          <a:lstStyle/>
+          <a:p>
+            <a:pPr algn="ctr"/>
+            <a:r>
+              <a:rPr lang="en-US" altLang="zh-CN" sz="1600" b="1" dirty="0" smtClean="0"/>
+              <a:t>2</a:t>
+            </a:r>
+            <a:endParaRPr lang="zh-CN" altLang="en-US" sz="1600" b="1" dirty="0"/>
+          </a:p>
+        </p:txBody>
+      </p:sp>
+      <p:sp>
+        <p:nvSpPr>
+          <p:cNvPr id="23" name="文本框 84"/>
+          <p:cNvSpPr txBox="1"/>
+          <p:nvPr/>
+        </p:nvSpPr>
+        <p:spPr>
+          <a:xfrm>
+            <a:off x="6020713" y="2770433"/>
+            <a:ext cx="4644357" cy="461665"/>
+          </a:xfrm>
+          <a:prstGeom prst="rect">
+            <a:avLst/>
+          </a:prstGeom>
+          <a:noFill/>
+        </p:spPr>
+        <p:txBody>
+          <a:bodyPr wrap="square" rtlCol="0">
+            <a:spAutoFit/>
+          </a:bodyPr>
+          <a:lstStyle>
+            <a:defPPr>
+              <a:defRPr lang="zh-CN"/>
+            </a:defPPr>
+            <a:lvl1pPr marL="0" algn="l" defTabSz="914400" rtl="0" eaLnBrk="1" latinLnBrk="0" hangingPunct="1">
+              <a:defRPr sz="1800" kern="1200">
+                <a:solidFill>
+                  <a:schemeClr val="tx1"/>
+                </a:solidFill>
+                <a:latin typeface="+mn-lt"/>
+                <a:ea typeface="+mn-ea"/>
+                <a:cs typeface="+mn-cs"/>
+              </a:defRPr>
+            </a:lvl1pPr>
+            <a:lvl2pPr marL="457200" algn="l" defTabSz="914400" rtl="0" eaLnBrk="1" latinLnBrk="0" hangingPunct="1">
+              <a:defRPr sz="1800" kern="1200">
+                <a:solidFill>
+                  <a:schemeClr val="tx1"/>
+                </a:solidFill>
+                <a:latin typeface="+mn-lt"/>
+                <a:ea typeface="+mn-ea"/>
+                <a:cs typeface="+mn-cs"/>
+              </a:defRPr>
+            </a:lvl2pPr>
+            <a:lvl3pPr marL="914400" algn="l" defTabSz="914400" rtl="0" eaLnBrk="1" latinLnBrk="0" hangingPunct="1">
+              <a:defRPr sz="1800" kern="1200">
+                <a:solidFill>
+                  <a:schemeClr val="tx1"/>
+                </a:solidFill>
+                <a:latin typeface="+mn-lt"/>
+                <a:ea typeface="+mn-ea"/>
+                <a:cs typeface="+mn-cs"/>
+              </a:defRPr>
+            </a:lvl3pPr>
+            <a:lvl4pPr marL="1371600" algn="l" defTabSz="914400" rtl="0" eaLnBrk="1" latinLnBrk="0" hangingPunct="1">
+              <a:defRPr sz="1800" kern="1200">
+                <a:solidFill>
+                  <a:schemeClr val="tx1"/>
+                </a:solidFill>
+                <a:latin typeface="+mn-lt"/>
+                <a:ea typeface="+mn-ea"/>
+                <a:cs typeface="+mn-cs"/>
+              </a:defRPr>
+            </a:lvl4pPr>
+            <a:lvl5pPr marL="1828800" algn="l" defTabSz="914400" rtl="0" eaLnBrk="1" latinLnBrk="0" hangingPunct="1">
+              <a:defRPr sz="1800" kern="1200">
+                <a:solidFill>
+                  <a:schemeClr val="tx1"/>
+                </a:solidFill>
+                <a:latin typeface="+mn-lt"/>
+                <a:ea typeface="+mn-ea"/>
+                <a:cs typeface="+mn-cs"/>
+              </a:defRPr>
+            </a:lvl5pPr>
+            <a:lvl6pPr marL="2286000" algn="l" defTabSz="914400" rtl="0" eaLnBrk="1" latinLnBrk="0" hangingPunct="1">
+              <a:defRPr sz="1800" kern="1200">
+                <a:solidFill>
+                  <a:schemeClr val="tx1"/>
+                </a:solidFill>
+                <a:latin typeface="+mn-lt"/>
+                <a:ea typeface="+mn-ea"/>
+                <a:cs typeface="+mn-cs"/>
+              </a:defRPr>
+            </a:lvl6pPr>
+            <a:lvl7pPr marL="2743200" algn="l" defTabSz="914400" rtl="0" eaLnBrk="1" latinLnBrk="0" hangingPunct="1">
+              <a:defRPr sz="1800" kern="1200">
+                <a:solidFill>
+                  <a:schemeClr val="tx1"/>
+                </a:solidFill>
+                <a:latin typeface="+mn-lt"/>
+                <a:ea typeface="+mn-ea"/>
+                <a:cs typeface="+mn-cs"/>
+              </a:defRPr>
+            </a:lvl7pPr>
+            <a:lvl8pPr marL="3200400" algn="l" defTabSz="914400" rtl="0" eaLnBrk="1" latinLnBrk="0" hangingPunct="1">
+              <a:defRPr sz="1800" kern="1200">
+                <a:solidFill>
+                  <a:schemeClr val="tx1"/>
+                </a:solidFill>
+                <a:latin typeface="+mn-lt"/>
+                <a:ea typeface="+mn-ea"/>
+                <a:cs typeface="+mn-cs"/>
+              </a:defRPr>
+            </a:lvl8pPr>
+            <a:lvl9pPr marL="3657600" algn="l" defTabSz="914400" rtl="0" eaLnBrk="1" latinLnBrk="0" hangingPunct="1">
+              <a:defRPr sz="1800" kern="1200">
+                <a:solidFill>
+                  <a:schemeClr val="tx1"/>
+                </a:solidFill>
+                <a:latin typeface="+mn-lt"/>
+                <a:ea typeface="+mn-ea"/>
+                <a:cs typeface="+mn-cs"/>
+              </a:defRPr>
+            </a:lvl9pPr>
+          </a:lstStyle>
+          <a:p>
+            <a:r>
+              <a:rPr lang="zh-CN" altLang="en-US" sz="2400" b="1" dirty="0" smtClean="0">
+                <a:solidFill>
+                  <a:srgbClr val="FF0000"/>
+                </a:solidFill>
+              </a:rPr>
+              <a:t>执行指令：</a:t>
+            </a:r>
+            <a:r>
+              <a:rPr lang="en-US" altLang="zh-CN" sz="2400" b="1" dirty="0" err="1" smtClean="0">
+                <a:solidFill>
+                  <a:srgbClr val="FF0000"/>
+                </a:solidFill>
+              </a:rPr>
+              <a:t>pushl</a:t>
+            </a:r>
+            <a:r>
+              <a:rPr lang="en-US" altLang="zh-CN" sz="2400" b="1" dirty="0" smtClean="0">
+                <a:solidFill>
+                  <a:srgbClr val="FF0000"/>
+                </a:solidFill>
+              </a:rPr>
+              <a:t> 12(%</a:t>
+            </a:r>
+            <a:r>
+              <a:rPr lang="en-US" altLang="zh-CN" sz="2400" b="1" dirty="0" err="1" smtClean="0">
+                <a:solidFill>
+                  <a:srgbClr val="FF0000"/>
+                </a:solidFill>
+              </a:rPr>
+              <a:t>ebp</a:t>
+            </a:r>
+            <a:r>
+              <a:rPr lang="en-US" altLang="zh-CN" sz="2400" b="1" dirty="0" smtClean="0">
+                <a:solidFill>
+                  <a:srgbClr val="FF0000"/>
+                </a:solidFill>
+              </a:rPr>
+              <a:t>)</a:t>
+            </a:r>
+            <a:endParaRPr lang="en-US" altLang="zh-CN" sz="2400" b="1" dirty="0">
+              <a:solidFill>
+                <a:srgbClr val="FF0000"/>
+              </a:solidFill>
+            </a:endParaRPr>
+          </a:p>
+        </p:txBody>
+      </p:sp>
+    </p:spTree>
+    <p:extLst>
+      <p:ext uri="{BB962C8B-B14F-4D97-AF65-F5344CB8AC3E}">
+        <p14:creationId xmlns:p14="http://schemas.microsoft.com/office/powerpoint/2010/main" val="812437737"/>
+      </p:ext>
+    </p:extLst>
+  </p:cSld>
+  <p:clrMapOvr>
+    <a:masterClrMapping/>
+  </p:clrMapOvr>
+  <p:timing>
+    <p:tnLst>
+      <p:par>
+        <p:cTn id="1" dur="indefinite" restart="never" nodeType="tmRoot"/>
+      </p:par>
+    </p:tnLst>
+  </p:timing>
+</p:sld>
+</file>
+
+<file path=ppt/slides/slide2.xml><?xml version="1.0" encoding="utf-8"?>
+<p:sld xmlns:a="http://schemas.openxmlformats.org/drawingml/2006/main" xmlns:r="http://schemas.openxmlformats.org/officeDocument/2006/relationships" xmlns:p="http://schemas.openxmlformats.org/presentationml/2006/main">
+  <p:cSld>
+    <p:spTree>
+      <p:nvGrpSpPr>
+        <p:cNvPr id="1" name=""/>
+        <p:cNvGrpSpPr/>
+        <p:nvPr/>
+      </p:nvGrpSpPr>
+      <p:grpSpPr>
+        <a:xfrm>
+          <a:off x="0" y="0"/>
+          <a:ext cx="0" cy="0"/>
+          <a:chOff x="0" y="0"/>
+          <a:chExt cx="0" cy="0"/>
+        </a:xfrm>
+      </p:grpSpPr>
+      <p:sp>
+        <p:nvSpPr>
+          <p:cNvPr id="2" name="矩形 1"/>
+          <p:cNvSpPr/>
+          <p:nvPr/>
+        </p:nvSpPr>
+        <p:spPr>
+          <a:xfrm>
+            <a:off x="870438" y="369277"/>
+            <a:ext cx="2400300" cy="5662246"/>
+          </a:xfrm>
+          <a:prstGeom prst="rect">
+            <a:avLst/>
+          </a:prstGeom>
+          <a:noFill/>
+          <a:ln w="38100">
+            <a:solidFill>
+              <a:schemeClr val="tx1"/>
+            </a:solidFill>
+          </a:ln>
+        </p:spPr>
+        <p:style>
+          <a:lnRef idx="2">
+            <a:schemeClr val="accent1">
+              <a:shade val="50000"/>
+            </a:schemeClr>
+          </a:lnRef>
+          <a:fillRef idx="1">
+            <a:schemeClr val="accent1"/>
+          </a:fillRef>
+          <a:effectRef idx="0">
+            <a:schemeClr val="accent1"/>
+          </a:effectRef>
+          <a:fontRef idx="minor">
+            <a:schemeClr val="lt1"/>
+          </a:fontRef>
+        </p:style>
+        <p:txBody>
+          <a:bodyPr rtlCol="0" anchor="ctr"/>
+          <a:lstStyle/>
+          <a:p>
+            <a:pPr algn="ctr"/>
+            <a:endParaRPr lang="zh-CN" altLang="en-US"/>
+          </a:p>
+        </p:txBody>
+      </p:sp>
+      <p:cxnSp>
+        <p:nvCxnSpPr>
+          <p:cNvPr id="73" name="直接箭头连接符 72"/>
+          <p:cNvCxnSpPr/>
+          <p:nvPr/>
+        </p:nvCxnSpPr>
+        <p:spPr>
+          <a:xfrm flipH="1">
+            <a:off x="3411415" y="369277"/>
+            <a:ext cx="712177" cy="0"/>
+          </a:xfrm>
+          <a:prstGeom prst="straightConnector1">
+            <a:avLst/>
+          </a:prstGeom>
+          <a:ln w="50800" cap="flat" cmpd="sng" algn="ctr">
+            <a:solidFill>
+              <a:schemeClr val="dk1"/>
+            </a:solidFill>
+            <a:prstDash val="solid"/>
+            <a:round/>
+            <a:headEnd type="none" w="med" len="med"/>
+            <a:tailEnd type="arrow" w="med" len="med"/>
+          </a:ln>
+        </p:spPr>
+        <p:style>
+          <a:lnRef idx="0">
+            <a:scrgbClr r="0" g="0" b="0"/>
+          </a:lnRef>
+          <a:fillRef idx="0">
+            <a:scrgbClr r="0" g="0" b="0"/>
+          </a:fillRef>
+          <a:effectRef idx="0">
+            <a:scrgbClr r="0" g="0" b="0"/>
+          </a:effectRef>
+          <a:fontRef idx="minor">
+            <a:schemeClr val="tx1"/>
+          </a:fontRef>
+        </p:style>
+      </p:cxnSp>
+      <p:sp>
+        <p:nvSpPr>
+          <p:cNvPr id="84" name="文本框 83"/>
+          <p:cNvSpPr txBox="1"/>
+          <p:nvPr/>
+        </p:nvSpPr>
+        <p:spPr>
+          <a:xfrm>
+            <a:off x="4264269" y="138444"/>
+            <a:ext cx="667170" cy="461665"/>
+          </a:xfrm>
+          <a:prstGeom prst="rect">
+            <a:avLst/>
+          </a:prstGeom>
+          <a:noFill/>
+        </p:spPr>
+        <p:txBody>
+          <a:bodyPr wrap="none" rtlCol="0">
+            <a:spAutoFit/>
+          </a:bodyPr>
+          <a:lstStyle/>
+          <a:p>
+            <a:r>
+              <a:rPr lang="en-US" altLang="zh-CN" sz="2400" b="1" dirty="0" err="1" smtClean="0"/>
+              <a:t>esp</a:t>
+            </a:r>
+            <a:endParaRPr lang="zh-CN" altLang="en-US" sz="2400" b="1" dirty="0"/>
+          </a:p>
+        </p:txBody>
+      </p:sp>
+      <p:sp>
+        <p:nvSpPr>
+          <p:cNvPr id="89" name="文本框 84"/>
+          <p:cNvSpPr txBox="1"/>
+          <p:nvPr/>
+        </p:nvSpPr>
+        <p:spPr>
+          <a:xfrm>
+            <a:off x="5587743" y="509952"/>
+            <a:ext cx="2488182" cy="461665"/>
+          </a:xfrm>
+          <a:prstGeom prst="rect">
+            <a:avLst/>
+          </a:prstGeom>
+          <a:noFill/>
+        </p:spPr>
+        <p:txBody>
+          <a:bodyPr wrap="none" rtlCol="0">
+            <a:spAutoFit/>
+          </a:bodyPr>
+          <a:lstStyle>
+            <a:defPPr>
+              <a:defRPr lang="zh-CN"/>
+            </a:defPPr>
+            <a:lvl1pPr marL="0" algn="l" defTabSz="914400" rtl="0" eaLnBrk="1" latinLnBrk="0" hangingPunct="1">
+              <a:defRPr sz="1800" kern="1200">
+                <a:solidFill>
+                  <a:schemeClr val="tx1"/>
+                </a:solidFill>
+                <a:latin typeface="+mn-lt"/>
+                <a:ea typeface="+mn-ea"/>
+                <a:cs typeface="+mn-cs"/>
+              </a:defRPr>
+            </a:lvl1pPr>
+            <a:lvl2pPr marL="457200" algn="l" defTabSz="914400" rtl="0" eaLnBrk="1" latinLnBrk="0" hangingPunct="1">
+              <a:defRPr sz="1800" kern="1200">
+                <a:solidFill>
+                  <a:schemeClr val="tx1"/>
+                </a:solidFill>
+                <a:latin typeface="+mn-lt"/>
+                <a:ea typeface="+mn-ea"/>
+                <a:cs typeface="+mn-cs"/>
+              </a:defRPr>
+            </a:lvl2pPr>
+            <a:lvl3pPr marL="914400" algn="l" defTabSz="914400" rtl="0" eaLnBrk="1" latinLnBrk="0" hangingPunct="1">
+              <a:defRPr sz="1800" kern="1200">
+                <a:solidFill>
+                  <a:schemeClr val="tx1"/>
+                </a:solidFill>
+                <a:latin typeface="+mn-lt"/>
+                <a:ea typeface="+mn-ea"/>
+                <a:cs typeface="+mn-cs"/>
+              </a:defRPr>
+            </a:lvl3pPr>
+            <a:lvl4pPr marL="1371600" algn="l" defTabSz="914400" rtl="0" eaLnBrk="1" latinLnBrk="0" hangingPunct="1">
+              <a:defRPr sz="1800" kern="1200">
+                <a:solidFill>
+                  <a:schemeClr val="tx1"/>
+                </a:solidFill>
+                <a:latin typeface="+mn-lt"/>
+                <a:ea typeface="+mn-ea"/>
+                <a:cs typeface="+mn-cs"/>
+              </a:defRPr>
+            </a:lvl4pPr>
+            <a:lvl5pPr marL="1828800" algn="l" defTabSz="914400" rtl="0" eaLnBrk="1" latinLnBrk="0" hangingPunct="1">
+              <a:defRPr sz="1800" kern="1200">
+                <a:solidFill>
+                  <a:schemeClr val="tx1"/>
+                </a:solidFill>
+                <a:latin typeface="+mn-lt"/>
+                <a:ea typeface="+mn-ea"/>
+                <a:cs typeface="+mn-cs"/>
+              </a:defRPr>
+            </a:lvl5pPr>
+            <a:lvl6pPr marL="2286000" algn="l" defTabSz="914400" rtl="0" eaLnBrk="1" latinLnBrk="0" hangingPunct="1">
+              <a:defRPr sz="1800" kern="1200">
+                <a:solidFill>
+                  <a:schemeClr val="tx1"/>
+                </a:solidFill>
+                <a:latin typeface="+mn-lt"/>
+                <a:ea typeface="+mn-ea"/>
+                <a:cs typeface="+mn-cs"/>
+              </a:defRPr>
+            </a:lvl6pPr>
+            <a:lvl7pPr marL="2743200" algn="l" defTabSz="914400" rtl="0" eaLnBrk="1" latinLnBrk="0" hangingPunct="1">
+              <a:defRPr sz="1800" kern="1200">
+                <a:solidFill>
+                  <a:schemeClr val="tx1"/>
+                </a:solidFill>
+                <a:latin typeface="+mn-lt"/>
+                <a:ea typeface="+mn-ea"/>
+                <a:cs typeface="+mn-cs"/>
+              </a:defRPr>
+            </a:lvl7pPr>
+            <a:lvl8pPr marL="3200400" algn="l" defTabSz="914400" rtl="0" eaLnBrk="1" latinLnBrk="0" hangingPunct="1">
+              <a:defRPr sz="1800" kern="1200">
+                <a:solidFill>
+                  <a:schemeClr val="tx1"/>
+                </a:solidFill>
+                <a:latin typeface="+mn-lt"/>
+                <a:ea typeface="+mn-ea"/>
+                <a:cs typeface="+mn-cs"/>
+              </a:defRPr>
+            </a:lvl8pPr>
+            <a:lvl9pPr marL="3657600" algn="l" defTabSz="914400" rtl="0" eaLnBrk="1" latinLnBrk="0" hangingPunct="1">
+              <a:defRPr sz="1800" kern="1200">
+                <a:solidFill>
+                  <a:schemeClr val="tx1"/>
+                </a:solidFill>
+                <a:latin typeface="+mn-lt"/>
+                <a:ea typeface="+mn-ea"/>
+                <a:cs typeface="+mn-cs"/>
+              </a:defRPr>
+            </a:lvl9pPr>
+          </a:lstStyle>
+          <a:p>
+            <a:r>
+              <a:rPr lang="en-US" altLang="zh-CN" sz="2400" b="1" dirty="0" smtClean="0">
+                <a:solidFill>
+                  <a:srgbClr val="FF0000"/>
+                </a:solidFill>
+              </a:rPr>
+              <a:t>Note:</a:t>
+            </a:r>
+            <a:r>
+              <a:rPr lang="zh-CN" altLang="en-US" sz="2400" b="1" dirty="0" smtClean="0">
+                <a:solidFill>
+                  <a:srgbClr val="FF0000"/>
+                </a:solidFill>
+              </a:rPr>
+              <a:t>此时</a:t>
+            </a:r>
+            <a:r>
+              <a:rPr lang="en-US" altLang="zh-CN" sz="2400" b="1" dirty="0" err="1" smtClean="0">
+                <a:solidFill>
+                  <a:srgbClr val="FF0000"/>
+                </a:solidFill>
+              </a:rPr>
+              <a:t>e</a:t>
+            </a:r>
+            <a:r>
+              <a:rPr lang="en-US" altLang="zh-CN" sz="2400" b="1" dirty="0" err="1" smtClean="0">
+                <a:solidFill>
+                  <a:srgbClr val="FF0000"/>
+                </a:solidFill>
+              </a:rPr>
+              <a:t>bp</a:t>
+            </a:r>
+            <a:r>
+              <a:rPr lang="en-US" altLang="zh-CN" sz="2400" b="1" dirty="0" smtClean="0">
+                <a:solidFill>
+                  <a:srgbClr val="FF0000"/>
+                </a:solidFill>
+              </a:rPr>
+              <a:t>=0</a:t>
+            </a:r>
+            <a:endParaRPr lang="zh-CN" altLang="en-US" sz="2400" b="1" dirty="0">
+              <a:solidFill>
+                <a:srgbClr val="FF0000"/>
+              </a:solidFill>
+            </a:endParaRPr>
+          </a:p>
+        </p:txBody>
+      </p:sp>
+    </p:spTree>
+    <p:extLst>
+      <p:ext uri="{BB962C8B-B14F-4D97-AF65-F5344CB8AC3E}">
+        <p14:creationId xmlns:p14="http://schemas.microsoft.com/office/powerpoint/2010/main" val="3393557112"/>
+      </p:ext>
+    </p:extLst>
+  </p:cSld>
+  <p:clrMapOvr>
+    <a:masterClrMapping/>
+  </p:clrMapOvr>
+  <p:timing>
+    <p:tnLst>
+      <p:par>
+        <p:cTn id="1" dur="indefinite" restart="never" nodeType="tmRoot"/>
+      </p:par>
+    </p:tnLst>
+  </p:timing>
+</p:sld>
+</file>
+
+<file path=ppt/slides/slide3.xml><?xml version="1.0" encoding="utf-8"?>
+<p:sld xmlns:a="http://schemas.openxmlformats.org/drawingml/2006/main" xmlns:r="http://schemas.openxmlformats.org/officeDocument/2006/relationships" xmlns:p="http://schemas.openxmlformats.org/presentationml/2006/main">
+  <p:cSld>
+    <p:spTree>
+      <p:nvGrpSpPr>
+        <p:cNvPr id="1" name=""/>
+        <p:cNvGrpSpPr/>
+        <p:nvPr/>
+      </p:nvGrpSpPr>
+      <p:grpSpPr>
+        <a:xfrm>
+          <a:off x="0" y="0"/>
+          <a:ext cx="0" cy="0"/>
+          <a:chOff x="0" y="0"/>
+          <a:chExt cx="0" cy="0"/>
+        </a:xfrm>
+      </p:grpSpPr>
+      <p:sp>
+        <p:nvSpPr>
+          <p:cNvPr id="85" name="文本框 84"/>
+          <p:cNvSpPr txBox="1"/>
+          <p:nvPr/>
+        </p:nvSpPr>
+        <p:spPr>
+          <a:xfrm>
+            <a:off x="1674485" y="422040"/>
+            <a:ext cx="792205" cy="338554"/>
+          </a:xfrm>
+          <a:prstGeom prst="rect">
+            <a:avLst/>
+          </a:prstGeom>
+          <a:noFill/>
+        </p:spPr>
+        <p:txBody>
+          <a:bodyPr wrap="none" rtlCol="0">
+            <a:spAutoFit/>
+          </a:bodyPr>
+          <a:lstStyle/>
+          <a:p>
+            <a:pPr algn="ctr"/>
+            <a:r>
+              <a:rPr lang="en-US" altLang="zh-CN" sz="1600" b="1" dirty="0" err="1" smtClean="0"/>
+              <a:t>e</a:t>
+            </a:r>
+            <a:r>
+              <a:rPr lang="en-US" altLang="zh-CN" sz="1600" b="1" dirty="0" err="1"/>
+              <a:t>b</a:t>
+            </a:r>
+            <a:r>
+              <a:rPr lang="en-US" altLang="zh-CN" sz="1600" b="1" dirty="0" err="1" smtClean="0"/>
+              <a:t>p</a:t>
+            </a:r>
+            <a:r>
+              <a:rPr lang="en-US" altLang="zh-CN" sz="1600" b="1" dirty="0" smtClean="0"/>
+              <a:t>(0)</a:t>
+            </a:r>
+            <a:endParaRPr lang="zh-CN" altLang="en-US" sz="1600" b="1" dirty="0"/>
+          </a:p>
+        </p:txBody>
+      </p:sp>
+      <p:sp>
+        <p:nvSpPr>
+          <p:cNvPr id="2" name="矩形 1"/>
+          <p:cNvSpPr/>
+          <p:nvPr/>
+        </p:nvSpPr>
+        <p:spPr>
+          <a:xfrm>
+            <a:off x="870438" y="369277"/>
+            <a:ext cx="2400300" cy="5662246"/>
+          </a:xfrm>
+          <a:prstGeom prst="rect">
+            <a:avLst/>
+          </a:prstGeom>
+          <a:noFill/>
+          <a:ln w="38100">
+            <a:solidFill>
+              <a:schemeClr val="tx1"/>
+            </a:solidFill>
+          </a:ln>
+        </p:spPr>
+        <p:style>
+          <a:lnRef idx="2">
+            <a:schemeClr val="accent1">
+              <a:shade val="50000"/>
+            </a:schemeClr>
+          </a:lnRef>
+          <a:fillRef idx="1">
+            <a:schemeClr val="accent1"/>
+          </a:fillRef>
+          <a:effectRef idx="0">
+            <a:schemeClr val="accent1"/>
+          </a:effectRef>
+          <a:fontRef idx="minor">
+            <a:schemeClr val="lt1"/>
+          </a:fontRef>
+        </p:style>
+        <p:txBody>
+          <a:bodyPr rtlCol="0" anchor="ctr"/>
+          <a:lstStyle/>
+          <a:p>
+            <a:pPr algn="ctr"/>
+            <a:endParaRPr lang="zh-CN" altLang="en-US"/>
+          </a:p>
+        </p:txBody>
+      </p:sp>
+      <p:cxnSp>
+        <p:nvCxnSpPr>
+          <p:cNvPr id="4" name="直接连接符 3"/>
+          <p:cNvCxnSpPr/>
+          <p:nvPr/>
+        </p:nvCxnSpPr>
+        <p:spPr>
+          <a:xfrm>
+            <a:off x="870438" y="861650"/>
+            <a:ext cx="2400300" cy="0"/>
+          </a:xfrm>
+          <a:prstGeom prst="line">
+            <a:avLst/>
+          </a:prstGeom>
+          <a:ln w="38100">
+            <a:solidFill>
+              <a:schemeClr val="tx1"/>
+            </a:solidFill>
+          </a:ln>
+        </p:spPr>
+        <p:style>
+          <a:lnRef idx="1">
+            <a:schemeClr val="accent1"/>
+          </a:lnRef>
+          <a:fillRef idx="0">
+            <a:schemeClr val="accent1"/>
+          </a:fillRef>
+          <a:effectRef idx="0">
+            <a:schemeClr val="accent1"/>
+          </a:effectRef>
+          <a:fontRef idx="minor">
+            <a:schemeClr val="tx1"/>
+          </a:fontRef>
+        </p:style>
+      </p:cxnSp>
+      <p:cxnSp>
+        <p:nvCxnSpPr>
+          <p:cNvPr id="92" name="直接箭头连接符 91"/>
+          <p:cNvCxnSpPr/>
+          <p:nvPr/>
+        </p:nvCxnSpPr>
+        <p:spPr>
+          <a:xfrm flipH="1">
+            <a:off x="3411415" y="822150"/>
+            <a:ext cx="712177" cy="0"/>
+          </a:xfrm>
+          <a:prstGeom prst="straightConnector1">
+            <a:avLst/>
+          </a:prstGeom>
+          <a:ln w="50800" cap="flat" cmpd="sng" algn="ctr">
+            <a:solidFill>
+              <a:schemeClr val="dk1"/>
+            </a:solidFill>
+            <a:prstDash val="solid"/>
+            <a:round/>
+            <a:headEnd type="none" w="med" len="med"/>
+            <a:tailEnd type="arrow" w="med" len="med"/>
+          </a:ln>
+        </p:spPr>
+        <p:style>
+          <a:lnRef idx="0">
+            <a:scrgbClr r="0" g="0" b="0"/>
+          </a:lnRef>
+          <a:fillRef idx="0">
+            <a:scrgbClr r="0" g="0" b="0"/>
+          </a:fillRef>
+          <a:effectRef idx="0">
+            <a:scrgbClr r="0" g="0" b="0"/>
+          </a:effectRef>
+          <a:fontRef idx="minor">
+            <a:schemeClr val="tx1"/>
+          </a:fontRef>
+        </p:style>
+      </p:cxnSp>
+      <p:sp>
+        <p:nvSpPr>
+          <p:cNvPr id="96" name="文本框 95"/>
+          <p:cNvSpPr txBox="1"/>
+          <p:nvPr/>
+        </p:nvSpPr>
+        <p:spPr>
+          <a:xfrm>
+            <a:off x="4264269" y="591317"/>
+            <a:ext cx="667170" cy="461665"/>
+          </a:xfrm>
+          <a:prstGeom prst="rect">
+            <a:avLst/>
+          </a:prstGeom>
+          <a:noFill/>
+        </p:spPr>
+        <p:txBody>
+          <a:bodyPr wrap="none" rtlCol="0">
+            <a:spAutoFit/>
+          </a:bodyPr>
+          <a:lstStyle/>
+          <a:p>
+            <a:r>
+              <a:rPr lang="en-US" altLang="zh-CN" sz="2400" b="1" dirty="0" err="1" smtClean="0"/>
+              <a:t>esp</a:t>
+            </a:r>
+            <a:endParaRPr lang="zh-CN" altLang="en-US" sz="2400" b="1" dirty="0"/>
+          </a:p>
+        </p:txBody>
+      </p:sp>
+      <p:sp>
+        <p:nvSpPr>
+          <p:cNvPr id="19" name="文本框 84"/>
+          <p:cNvSpPr txBox="1"/>
+          <p:nvPr/>
+        </p:nvSpPr>
+        <p:spPr>
+          <a:xfrm>
+            <a:off x="5719627" y="637483"/>
+            <a:ext cx="3175869" cy="830997"/>
+          </a:xfrm>
+          <a:prstGeom prst="rect">
+            <a:avLst/>
+          </a:prstGeom>
+          <a:noFill/>
+        </p:spPr>
+        <p:txBody>
+          <a:bodyPr wrap="none" rtlCol="0">
+            <a:spAutoFit/>
+          </a:bodyPr>
+          <a:lstStyle>
+            <a:defPPr>
+              <a:defRPr lang="zh-CN"/>
+            </a:defPPr>
+            <a:lvl1pPr marL="0" algn="l" defTabSz="914400" rtl="0" eaLnBrk="1" latinLnBrk="0" hangingPunct="1">
+              <a:defRPr sz="1800" kern="1200">
+                <a:solidFill>
+                  <a:schemeClr val="tx1"/>
+                </a:solidFill>
+                <a:latin typeface="+mn-lt"/>
+                <a:ea typeface="+mn-ea"/>
+                <a:cs typeface="+mn-cs"/>
+              </a:defRPr>
+            </a:lvl1pPr>
+            <a:lvl2pPr marL="457200" algn="l" defTabSz="914400" rtl="0" eaLnBrk="1" latinLnBrk="0" hangingPunct="1">
+              <a:defRPr sz="1800" kern="1200">
+                <a:solidFill>
+                  <a:schemeClr val="tx1"/>
+                </a:solidFill>
+                <a:latin typeface="+mn-lt"/>
+                <a:ea typeface="+mn-ea"/>
+                <a:cs typeface="+mn-cs"/>
+              </a:defRPr>
+            </a:lvl2pPr>
+            <a:lvl3pPr marL="914400" algn="l" defTabSz="914400" rtl="0" eaLnBrk="1" latinLnBrk="0" hangingPunct="1">
+              <a:defRPr sz="1800" kern="1200">
+                <a:solidFill>
+                  <a:schemeClr val="tx1"/>
+                </a:solidFill>
+                <a:latin typeface="+mn-lt"/>
+                <a:ea typeface="+mn-ea"/>
+                <a:cs typeface="+mn-cs"/>
+              </a:defRPr>
+            </a:lvl3pPr>
+            <a:lvl4pPr marL="1371600" algn="l" defTabSz="914400" rtl="0" eaLnBrk="1" latinLnBrk="0" hangingPunct="1">
+              <a:defRPr sz="1800" kern="1200">
+                <a:solidFill>
+                  <a:schemeClr val="tx1"/>
+                </a:solidFill>
+                <a:latin typeface="+mn-lt"/>
+                <a:ea typeface="+mn-ea"/>
+                <a:cs typeface="+mn-cs"/>
+              </a:defRPr>
+            </a:lvl4pPr>
+            <a:lvl5pPr marL="1828800" algn="l" defTabSz="914400" rtl="0" eaLnBrk="1" latinLnBrk="0" hangingPunct="1">
+              <a:defRPr sz="1800" kern="1200">
+                <a:solidFill>
+                  <a:schemeClr val="tx1"/>
+                </a:solidFill>
+                <a:latin typeface="+mn-lt"/>
+                <a:ea typeface="+mn-ea"/>
+                <a:cs typeface="+mn-cs"/>
+              </a:defRPr>
+            </a:lvl5pPr>
+            <a:lvl6pPr marL="2286000" algn="l" defTabSz="914400" rtl="0" eaLnBrk="1" latinLnBrk="0" hangingPunct="1">
+              <a:defRPr sz="1800" kern="1200">
+                <a:solidFill>
+                  <a:schemeClr val="tx1"/>
+                </a:solidFill>
+                <a:latin typeface="+mn-lt"/>
+                <a:ea typeface="+mn-ea"/>
+                <a:cs typeface="+mn-cs"/>
+              </a:defRPr>
+            </a:lvl6pPr>
+            <a:lvl7pPr marL="2743200" algn="l" defTabSz="914400" rtl="0" eaLnBrk="1" latinLnBrk="0" hangingPunct="1">
+              <a:defRPr sz="1800" kern="1200">
+                <a:solidFill>
+                  <a:schemeClr val="tx1"/>
+                </a:solidFill>
+                <a:latin typeface="+mn-lt"/>
+                <a:ea typeface="+mn-ea"/>
+                <a:cs typeface="+mn-cs"/>
+              </a:defRPr>
+            </a:lvl7pPr>
+            <a:lvl8pPr marL="3200400" algn="l" defTabSz="914400" rtl="0" eaLnBrk="1" latinLnBrk="0" hangingPunct="1">
+              <a:defRPr sz="1800" kern="1200">
+                <a:solidFill>
+                  <a:schemeClr val="tx1"/>
+                </a:solidFill>
+                <a:latin typeface="+mn-lt"/>
+                <a:ea typeface="+mn-ea"/>
+                <a:cs typeface="+mn-cs"/>
+              </a:defRPr>
+            </a:lvl8pPr>
+            <a:lvl9pPr marL="3657600" algn="l" defTabSz="914400" rtl="0" eaLnBrk="1" latinLnBrk="0" hangingPunct="1">
+              <a:defRPr sz="1800" kern="1200">
+                <a:solidFill>
+                  <a:schemeClr val="tx1"/>
+                </a:solidFill>
+                <a:latin typeface="+mn-lt"/>
+                <a:ea typeface="+mn-ea"/>
+                <a:cs typeface="+mn-cs"/>
+              </a:defRPr>
+            </a:lvl9pPr>
+          </a:lstStyle>
+          <a:p>
+            <a:r>
+              <a:rPr lang="zh-CN" altLang="en-US" sz="2400" b="1" dirty="0" smtClean="0">
+                <a:solidFill>
+                  <a:srgbClr val="FF0000"/>
+                </a:solidFill>
+              </a:rPr>
+              <a:t>执行指令：</a:t>
+            </a:r>
+            <a:r>
+              <a:rPr lang="en-US" altLang="zh-CN" sz="2400" b="1" dirty="0" smtClean="0">
+                <a:solidFill>
+                  <a:srgbClr val="FF0000"/>
+                </a:solidFill>
+              </a:rPr>
+              <a:t>push %</a:t>
+            </a:r>
+            <a:r>
+              <a:rPr lang="en-US" altLang="zh-CN" sz="2400" b="1" dirty="0" err="1" smtClean="0">
+                <a:solidFill>
+                  <a:srgbClr val="FF0000"/>
+                </a:solidFill>
+              </a:rPr>
+              <a:t>ebp</a:t>
+            </a:r>
+            <a:endParaRPr lang="en-US" altLang="zh-CN" sz="2400" b="1" dirty="0" smtClean="0">
+              <a:solidFill>
+                <a:srgbClr val="FF0000"/>
+              </a:solidFill>
+            </a:endParaRPr>
+          </a:p>
+          <a:p>
+            <a:r>
+              <a:rPr lang="en-US" altLang="zh-CN" sz="2400" b="1" dirty="0" smtClean="0">
+                <a:solidFill>
+                  <a:srgbClr val="FF0000"/>
+                </a:solidFill>
+              </a:rPr>
+              <a:t>Note:</a:t>
+            </a:r>
+            <a:r>
+              <a:rPr lang="zh-CN" altLang="en-US" sz="2400" b="1" dirty="0" smtClean="0">
+                <a:solidFill>
+                  <a:srgbClr val="FF0000"/>
+                </a:solidFill>
+              </a:rPr>
+              <a:t>此时</a:t>
+            </a:r>
+            <a:r>
+              <a:rPr lang="en-US" altLang="zh-CN" sz="2400" b="1" dirty="0" err="1" smtClean="0">
+                <a:solidFill>
+                  <a:srgbClr val="FF0000"/>
+                </a:solidFill>
+              </a:rPr>
+              <a:t>e</a:t>
+            </a:r>
+            <a:r>
+              <a:rPr lang="en-US" altLang="zh-CN" sz="2400" b="1" dirty="0" err="1" smtClean="0">
+                <a:solidFill>
+                  <a:srgbClr val="FF0000"/>
+                </a:solidFill>
+              </a:rPr>
+              <a:t>bp</a:t>
+            </a:r>
+            <a:r>
+              <a:rPr lang="en-US" altLang="zh-CN" sz="2400" b="1" dirty="0" smtClean="0">
+                <a:solidFill>
+                  <a:srgbClr val="FF0000"/>
+                </a:solidFill>
+              </a:rPr>
+              <a:t>=0</a:t>
+            </a:r>
+            <a:endParaRPr lang="zh-CN" altLang="en-US" sz="2400" b="1" dirty="0">
+              <a:solidFill>
+                <a:srgbClr val="FF0000"/>
+              </a:solidFill>
+            </a:endParaRPr>
+          </a:p>
+        </p:txBody>
+      </p:sp>
+    </p:spTree>
+    <p:extLst>
+      <p:ext uri="{BB962C8B-B14F-4D97-AF65-F5344CB8AC3E}">
+        <p14:creationId xmlns:p14="http://schemas.microsoft.com/office/powerpoint/2010/main" val="1099511293"/>
+      </p:ext>
+    </p:extLst>
+  </p:cSld>
+  <p:clrMapOvr>
+    <a:masterClrMapping/>
+  </p:clrMapOvr>
+  <p:timing>
+    <p:tnLst>
+      <p:par>
+        <p:cTn id="1" dur="indefinite" restart="never" nodeType="tmRoot"/>
+      </p:par>
+    </p:tnLst>
+  </p:timing>
+</p:sld>
+</file>
+
+<file path=ppt/slides/slide4.xml><?xml version="1.0" encoding="utf-8"?>
+<p:sld xmlns:a="http://schemas.openxmlformats.org/drawingml/2006/main" xmlns:r="http://schemas.openxmlformats.org/officeDocument/2006/relationships" xmlns:p="http://schemas.openxmlformats.org/presentationml/2006/main">
+  <p:cSld>
+    <p:spTree>
+      <p:nvGrpSpPr>
+        <p:cNvPr id="1" name=""/>
+        <p:cNvGrpSpPr/>
+        <p:nvPr/>
+      </p:nvGrpSpPr>
+      <p:grpSpPr>
+        <a:xfrm>
+          <a:off x="0" y="0"/>
+          <a:ext cx="0" cy="0"/>
+          <a:chOff x="0" y="0"/>
+          <a:chExt cx="0" cy="0"/>
+        </a:xfrm>
+      </p:grpSpPr>
+      <p:sp>
+        <p:nvSpPr>
+          <p:cNvPr id="85" name="文本框 84"/>
+          <p:cNvSpPr txBox="1"/>
+          <p:nvPr/>
+        </p:nvSpPr>
+        <p:spPr>
+          <a:xfrm>
+            <a:off x="1674485" y="428602"/>
+            <a:ext cx="792205" cy="338554"/>
+          </a:xfrm>
+          <a:prstGeom prst="rect">
+            <a:avLst/>
+          </a:prstGeom>
+          <a:noFill/>
+        </p:spPr>
+        <p:txBody>
+          <a:bodyPr wrap="none" rtlCol="0">
+            <a:spAutoFit/>
+          </a:bodyPr>
+          <a:lstStyle/>
+          <a:p>
+            <a:pPr algn="ctr"/>
+            <a:r>
+              <a:rPr lang="en-US" altLang="zh-CN" sz="1600" b="1" dirty="0" err="1" smtClean="0"/>
+              <a:t>e</a:t>
+            </a:r>
+            <a:r>
+              <a:rPr lang="en-US" altLang="zh-CN" sz="1600" b="1" dirty="0" err="1"/>
+              <a:t>b</a:t>
+            </a:r>
+            <a:r>
+              <a:rPr lang="en-US" altLang="zh-CN" sz="1600" b="1" dirty="0" err="1" smtClean="0"/>
+              <a:t>p</a:t>
+            </a:r>
+            <a:r>
+              <a:rPr lang="en-US" altLang="zh-CN" sz="1600" b="1" dirty="0" smtClean="0"/>
+              <a:t>(0)</a:t>
+            </a:r>
+            <a:endParaRPr lang="zh-CN" altLang="en-US" sz="1600" b="1" dirty="0"/>
+          </a:p>
+        </p:txBody>
+      </p:sp>
+      <p:sp>
+        <p:nvSpPr>
+          <p:cNvPr id="2" name="矩形 1"/>
+          <p:cNvSpPr/>
+          <p:nvPr/>
+        </p:nvSpPr>
+        <p:spPr>
+          <a:xfrm>
+            <a:off x="870438" y="369277"/>
+            <a:ext cx="2400300" cy="5662246"/>
+          </a:xfrm>
+          <a:prstGeom prst="rect">
+            <a:avLst/>
+          </a:prstGeom>
+          <a:noFill/>
+          <a:ln w="38100">
+            <a:solidFill>
+              <a:schemeClr val="tx1"/>
+            </a:solidFill>
+          </a:ln>
+        </p:spPr>
+        <p:style>
+          <a:lnRef idx="2">
+            <a:schemeClr val="accent1">
+              <a:shade val="50000"/>
+            </a:schemeClr>
+          </a:lnRef>
+          <a:fillRef idx="1">
+            <a:schemeClr val="accent1"/>
+          </a:fillRef>
+          <a:effectRef idx="0">
+            <a:schemeClr val="accent1"/>
+          </a:effectRef>
+          <a:fontRef idx="minor">
+            <a:schemeClr val="lt1"/>
+          </a:fontRef>
+        </p:style>
+        <p:txBody>
+          <a:bodyPr rtlCol="0" anchor="ctr"/>
+          <a:lstStyle/>
+          <a:p>
+            <a:pPr algn="ctr"/>
+            <a:endParaRPr lang="zh-CN" altLang="en-US"/>
+          </a:p>
+        </p:txBody>
+      </p:sp>
+      <p:cxnSp>
+        <p:nvCxnSpPr>
+          <p:cNvPr id="4" name="直接连接符 3"/>
+          <p:cNvCxnSpPr/>
+          <p:nvPr/>
+        </p:nvCxnSpPr>
+        <p:spPr>
+          <a:xfrm>
+            <a:off x="870438" y="861650"/>
+            <a:ext cx="2400300" cy="0"/>
+          </a:xfrm>
+          <a:prstGeom prst="line">
+            <a:avLst/>
+          </a:prstGeom>
+          <a:ln w="38100">
+            <a:solidFill>
+              <a:schemeClr val="tx1"/>
+            </a:solidFill>
+          </a:ln>
+        </p:spPr>
+        <p:style>
+          <a:lnRef idx="1">
+            <a:schemeClr val="accent1"/>
+          </a:lnRef>
+          <a:fillRef idx="0">
+            <a:schemeClr val="accent1"/>
+          </a:fillRef>
+          <a:effectRef idx="0">
+            <a:schemeClr val="accent1"/>
+          </a:effectRef>
+          <a:fontRef idx="minor">
+            <a:schemeClr val="tx1"/>
+          </a:fontRef>
+        </p:style>
+      </p:cxnSp>
+      <p:sp>
+        <p:nvSpPr>
+          <p:cNvPr id="89" name="文本框 84"/>
+          <p:cNvSpPr txBox="1"/>
+          <p:nvPr/>
+        </p:nvSpPr>
+        <p:spPr>
+          <a:xfrm>
+            <a:off x="4808346" y="591316"/>
+            <a:ext cx="1999265" cy="461665"/>
+          </a:xfrm>
+          <a:prstGeom prst="rect">
+            <a:avLst/>
+          </a:prstGeom>
+          <a:noFill/>
+        </p:spPr>
+        <p:txBody>
+          <a:bodyPr wrap="none" rtlCol="0">
+            <a:spAutoFit/>
+          </a:bodyPr>
+          <a:lstStyle>
+            <a:defPPr>
+              <a:defRPr lang="zh-CN"/>
+            </a:defPPr>
+            <a:lvl1pPr marL="0" algn="l" defTabSz="914400" rtl="0" eaLnBrk="1" latinLnBrk="0" hangingPunct="1">
+              <a:defRPr sz="1800" kern="1200">
+                <a:solidFill>
+                  <a:schemeClr val="tx1"/>
+                </a:solidFill>
+                <a:latin typeface="+mn-lt"/>
+                <a:ea typeface="+mn-ea"/>
+                <a:cs typeface="+mn-cs"/>
+              </a:defRPr>
+            </a:lvl1pPr>
+            <a:lvl2pPr marL="457200" algn="l" defTabSz="914400" rtl="0" eaLnBrk="1" latinLnBrk="0" hangingPunct="1">
+              <a:defRPr sz="1800" kern="1200">
+                <a:solidFill>
+                  <a:schemeClr val="tx1"/>
+                </a:solidFill>
+                <a:latin typeface="+mn-lt"/>
+                <a:ea typeface="+mn-ea"/>
+                <a:cs typeface="+mn-cs"/>
+              </a:defRPr>
+            </a:lvl2pPr>
+            <a:lvl3pPr marL="914400" algn="l" defTabSz="914400" rtl="0" eaLnBrk="1" latinLnBrk="0" hangingPunct="1">
+              <a:defRPr sz="1800" kern="1200">
+                <a:solidFill>
+                  <a:schemeClr val="tx1"/>
+                </a:solidFill>
+                <a:latin typeface="+mn-lt"/>
+                <a:ea typeface="+mn-ea"/>
+                <a:cs typeface="+mn-cs"/>
+              </a:defRPr>
+            </a:lvl3pPr>
+            <a:lvl4pPr marL="1371600" algn="l" defTabSz="914400" rtl="0" eaLnBrk="1" latinLnBrk="0" hangingPunct="1">
+              <a:defRPr sz="1800" kern="1200">
+                <a:solidFill>
+                  <a:schemeClr val="tx1"/>
+                </a:solidFill>
+                <a:latin typeface="+mn-lt"/>
+                <a:ea typeface="+mn-ea"/>
+                <a:cs typeface="+mn-cs"/>
+              </a:defRPr>
+            </a:lvl4pPr>
+            <a:lvl5pPr marL="1828800" algn="l" defTabSz="914400" rtl="0" eaLnBrk="1" latinLnBrk="0" hangingPunct="1">
+              <a:defRPr sz="1800" kern="1200">
+                <a:solidFill>
+                  <a:schemeClr val="tx1"/>
+                </a:solidFill>
+                <a:latin typeface="+mn-lt"/>
+                <a:ea typeface="+mn-ea"/>
+                <a:cs typeface="+mn-cs"/>
+              </a:defRPr>
+            </a:lvl5pPr>
+            <a:lvl6pPr marL="2286000" algn="l" defTabSz="914400" rtl="0" eaLnBrk="1" latinLnBrk="0" hangingPunct="1">
+              <a:defRPr sz="1800" kern="1200">
+                <a:solidFill>
+                  <a:schemeClr val="tx1"/>
+                </a:solidFill>
+                <a:latin typeface="+mn-lt"/>
+                <a:ea typeface="+mn-ea"/>
+                <a:cs typeface="+mn-cs"/>
+              </a:defRPr>
+            </a:lvl6pPr>
+            <a:lvl7pPr marL="2743200" algn="l" defTabSz="914400" rtl="0" eaLnBrk="1" latinLnBrk="0" hangingPunct="1">
+              <a:defRPr sz="1800" kern="1200">
+                <a:solidFill>
+                  <a:schemeClr val="tx1"/>
+                </a:solidFill>
+                <a:latin typeface="+mn-lt"/>
+                <a:ea typeface="+mn-ea"/>
+                <a:cs typeface="+mn-cs"/>
+              </a:defRPr>
+            </a:lvl7pPr>
+            <a:lvl8pPr marL="3200400" algn="l" defTabSz="914400" rtl="0" eaLnBrk="1" latinLnBrk="0" hangingPunct="1">
+              <a:defRPr sz="1800" kern="1200">
+                <a:solidFill>
+                  <a:schemeClr val="tx1"/>
+                </a:solidFill>
+                <a:latin typeface="+mn-lt"/>
+                <a:ea typeface="+mn-ea"/>
+                <a:cs typeface="+mn-cs"/>
+              </a:defRPr>
+            </a:lvl8pPr>
+            <a:lvl9pPr marL="3657600" algn="l" defTabSz="914400" rtl="0" eaLnBrk="1" latinLnBrk="0" hangingPunct="1">
+              <a:defRPr sz="1800" kern="1200">
+                <a:solidFill>
+                  <a:schemeClr val="tx1"/>
+                </a:solidFill>
+                <a:latin typeface="+mn-lt"/>
+                <a:ea typeface="+mn-ea"/>
+                <a:cs typeface="+mn-cs"/>
+              </a:defRPr>
+            </a:lvl9pPr>
+          </a:lstStyle>
+          <a:p>
+            <a:r>
+              <a:rPr lang="zh-CN" altLang="en-US" sz="2400" b="1" dirty="0"/>
+              <a:t>、</a:t>
+            </a:r>
+            <a:r>
+              <a:rPr lang="en-US" altLang="zh-CN" sz="2400" b="1" dirty="0" err="1" smtClean="0"/>
+              <a:t>ebp</a:t>
+            </a:r>
+            <a:r>
+              <a:rPr lang="en-US" altLang="zh-CN" sz="2400" b="1" dirty="0" smtClean="0"/>
+              <a:t>(main</a:t>
+            </a:r>
+            <a:r>
+              <a:rPr lang="en-US" altLang="zh-CN" sz="2400" b="1" dirty="0" smtClean="0"/>
+              <a:t>)</a:t>
+            </a:r>
+            <a:endParaRPr lang="zh-CN" altLang="en-US" sz="2400" b="1" dirty="0"/>
+          </a:p>
+        </p:txBody>
+      </p:sp>
+      <p:cxnSp>
+        <p:nvCxnSpPr>
+          <p:cNvPr id="92" name="直接箭头连接符 91"/>
+          <p:cNvCxnSpPr/>
+          <p:nvPr/>
+        </p:nvCxnSpPr>
+        <p:spPr>
+          <a:xfrm flipH="1">
+            <a:off x="3411415" y="822150"/>
+            <a:ext cx="712177" cy="0"/>
+          </a:xfrm>
+          <a:prstGeom prst="straightConnector1">
+            <a:avLst/>
+          </a:prstGeom>
+          <a:ln w="50800" cap="flat" cmpd="sng" algn="ctr">
+            <a:solidFill>
+              <a:schemeClr val="dk1"/>
+            </a:solidFill>
+            <a:prstDash val="solid"/>
+            <a:round/>
+            <a:headEnd type="none" w="med" len="med"/>
+            <a:tailEnd type="arrow" w="med" len="med"/>
+          </a:ln>
+        </p:spPr>
+        <p:style>
+          <a:lnRef idx="0">
+            <a:scrgbClr r="0" g="0" b="0"/>
+          </a:lnRef>
+          <a:fillRef idx="0">
+            <a:scrgbClr r="0" g="0" b="0"/>
+          </a:fillRef>
+          <a:effectRef idx="0">
+            <a:scrgbClr r="0" g="0" b="0"/>
+          </a:effectRef>
+          <a:fontRef idx="minor">
+            <a:schemeClr val="tx1"/>
+          </a:fontRef>
+        </p:style>
+      </p:cxnSp>
+      <p:sp>
+        <p:nvSpPr>
+          <p:cNvPr id="96" name="文本框 95"/>
+          <p:cNvSpPr txBox="1"/>
+          <p:nvPr/>
+        </p:nvSpPr>
+        <p:spPr>
+          <a:xfrm>
+            <a:off x="4264269" y="591317"/>
+            <a:ext cx="667170" cy="461665"/>
+          </a:xfrm>
+          <a:prstGeom prst="rect">
+            <a:avLst/>
+          </a:prstGeom>
+          <a:noFill/>
+        </p:spPr>
+        <p:txBody>
+          <a:bodyPr wrap="none" rtlCol="0">
+            <a:spAutoFit/>
+          </a:bodyPr>
+          <a:lstStyle/>
+          <a:p>
+            <a:r>
+              <a:rPr lang="en-US" altLang="zh-CN" sz="2400" b="1" dirty="0" err="1" smtClean="0"/>
+              <a:t>esp</a:t>
+            </a:r>
+            <a:endParaRPr lang="zh-CN" altLang="en-US" sz="2400" b="1" dirty="0"/>
+          </a:p>
+        </p:txBody>
+      </p:sp>
+      <p:sp>
+        <p:nvSpPr>
+          <p:cNvPr id="9" name="文本框 84"/>
+          <p:cNvSpPr txBox="1"/>
+          <p:nvPr/>
+        </p:nvSpPr>
+        <p:spPr>
+          <a:xfrm>
+            <a:off x="5807978" y="1156229"/>
+            <a:ext cx="3985386" cy="461665"/>
+          </a:xfrm>
+          <a:prstGeom prst="rect">
+            <a:avLst/>
+          </a:prstGeom>
+          <a:noFill/>
+        </p:spPr>
+        <p:txBody>
+          <a:bodyPr wrap="none" rtlCol="0">
+            <a:spAutoFit/>
+          </a:bodyPr>
+          <a:lstStyle>
+            <a:defPPr>
+              <a:defRPr lang="zh-CN"/>
+            </a:defPPr>
+            <a:lvl1pPr marL="0" algn="l" defTabSz="914400" rtl="0" eaLnBrk="1" latinLnBrk="0" hangingPunct="1">
+              <a:defRPr sz="1800" kern="1200">
+                <a:solidFill>
+                  <a:schemeClr val="tx1"/>
+                </a:solidFill>
+                <a:latin typeface="+mn-lt"/>
+                <a:ea typeface="+mn-ea"/>
+                <a:cs typeface="+mn-cs"/>
+              </a:defRPr>
+            </a:lvl1pPr>
+            <a:lvl2pPr marL="457200" algn="l" defTabSz="914400" rtl="0" eaLnBrk="1" latinLnBrk="0" hangingPunct="1">
+              <a:defRPr sz="1800" kern="1200">
+                <a:solidFill>
+                  <a:schemeClr val="tx1"/>
+                </a:solidFill>
+                <a:latin typeface="+mn-lt"/>
+                <a:ea typeface="+mn-ea"/>
+                <a:cs typeface="+mn-cs"/>
+              </a:defRPr>
+            </a:lvl2pPr>
+            <a:lvl3pPr marL="914400" algn="l" defTabSz="914400" rtl="0" eaLnBrk="1" latinLnBrk="0" hangingPunct="1">
+              <a:defRPr sz="1800" kern="1200">
+                <a:solidFill>
+                  <a:schemeClr val="tx1"/>
+                </a:solidFill>
+                <a:latin typeface="+mn-lt"/>
+                <a:ea typeface="+mn-ea"/>
+                <a:cs typeface="+mn-cs"/>
+              </a:defRPr>
+            </a:lvl3pPr>
+            <a:lvl4pPr marL="1371600" algn="l" defTabSz="914400" rtl="0" eaLnBrk="1" latinLnBrk="0" hangingPunct="1">
+              <a:defRPr sz="1800" kern="1200">
+                <a:solidFill>
+                  <a:schemeClr val="tx1"/>
+                </a:solidFill>
+                <a:latin typeface="+mn-lt"/>
+                <a:ea typeface="+mn-ea"/>
+                <a:cs typeface="+mn-cs"/>
+              </a:defRPr>
+            </a:lvl4pPr>
+            <a:lvl5pPr marL="1828800" algn="l" defTabSz="914400" rtl="0" eaLnBrk="1" latinLnBrk="0" hangingPunct="1">
+              <a:defRPr sz="1800" kern="1200">
+                <a:solidFill>
+                  <a:schemeClr val="tx1"/>
+                </a:solidFill>
+                <a:latin typeface="+mn-lt"/>
+                <a:ea typeface="+mn-ea"/>
+                <a:cs typeface="+mn-cs"/>
+              </a:defRPr>
+            </a:lvl5pPr>
+            <a:lvl6pPr marL="2286000" algn="l" defTabSz="914400" rtl="0" eaLnBrk="1" latinLnBrk="0" hangingPunct="1">
+              <a:defRPr sz="1800" kern="1200">
+                <a:solidFill>
+                  <a:schemeClr val="tx1"/>
+                </a:solidFill>
+                <a:latin typeface="+mn-lt"/>
+                <a:ea typeface="+mn-ea"/>
+                <a:cs typeface="+mn-cs"/>
+              </a:defRPr>
+            </a:lvl6pPr>
+            <a:lvl7pPr marL="2743200" algn="l" defTabSz="914400" rtl="0" eaLnBrk="1" latinLnBrk="0" hangingPunct="1">
+              <a:defRPr sz="1800" kern="1200">
+                <a:solidFill>
+                  <a:schemeClr val="tx1"/>
+                </a:solidFill>
+                <a:latin typeface="+mn-lt"/>
+                <a:ea typeface="+mn-ea"/>
+                <a:cs typeface="+mn-cs"/>
+              </a:defRPr>
+            </a:lvl7pPr>
+            <a:lvl8pPr marL="3200400" algn="l" defTabSz="914400" rtl="0" eaLnBrk="1" latinLnBrk="0" hangingPunct="1">
+              <a:defRPr sz="1800" kern="1200">
+                <a:solidFill>
+                  <a:schemeClr val="tx1"/>
+                </a:solidFill>
+                <a:latin typeface="+mn-lt"/>
+                <a:ea typeface="+mn-ea"/>
+                <a:cs typeface="+mn-cs"/>
+              </a:defRPr>
+            </a:lvl8pPr>
+            <a:lvl9pPr marL="3657600" algn="l" defTabSz="914400" rtl="0" eaLnBrk="1" latinLnBrk="0" hangingPunct="1">
+              <a:defRPr sz="1800" kern="1200">
+                <a:solidFill>
+                  <a:schemeClr val="tx1"/>
+                </a:solidFill>
+                <a:latin typeface="+mn-lt"/>
+                <a:ea typeface="+mn-ea"/>
+                <a:cs typeface="+mn-cs"/>
+              </a:defRPr>
+            </a:lvl9pPr>
+          </a:lstStyle>
+          <a:p>
+            <a:r>
+              <a:rPr lang="zh-CN" altLang="en-US" sz="2400" b="1" dirty="0" smtClean="0">
+                <a:solidFill>
+                  <a:srgbClr val="FF0000"/>
+                </a:solidFill>
+              </a:rPr>
+              <a:t>执行指令：</a:t>
+            </a:r>
+            <a:r>
+              <a:rPr lang="en-US" altLang="zh-CN" sz="2400" b="1" dirty="0" err="1" smtClean="0">
+                <a:solidFill>
+                  <a:srgbClr val="FF0000"/>
+                </a:solidFill>
+              </a:rPr>
+              <a:t>movl</a:t>
+            </a:r>
+            <a:r>
+              <a:rPr lang="en-US" altLang="zh-CN" sz="2400" b="1" dirty="0" smtClean="0">
+                <a:solidFill>
+                  <a:srgbClr val="FF0000"/>
+                </a:solidFill>
+              </a:rPr>
+              <a:t> %</a:t>
+            </a:r>
+            <a:r>
+              <a:rPr lang="en-US" altLang="zh-CN" sz="2400" b="1" dirty="0" err="1" smtClean="0">
+                <a:solidFill>
+                  <a:srgbClr val="FF0000"/>
+                </a:solidFill>
+              </a:rPr>
+              <a:t>esp</a:t>
+            </a:r>
+            <a:r>
+              <a:rPr lang="en-US" altLang="zh-CN" sz="2400" b="1" dirty="0" smtClean="0">
+                <a:solidFill>
+                  <a:srgbClr val="FF0000"/>
+                </a:solidFill>
+              </a:rPr>
+              <a:t>, %</a:t>
+            </a:r>
+            <a:r>
+              <a:rPr lang="en-US" altLang="zh-CN" sz="2400" b="1" dirty="0" err="1" smtClean="0">
+                <a:solidFill>
+                  <a:srgbClr val="FF0000"/>
+                </a:solidFill>
+              </a:rPr>
+              <a:t>eb</a:t>
+            </a:r>
+            <a:r>
+              <a:rPr lang="en-US" altLang="zh-CN" sz="2400" b="1" dirty="0" err="1">
+                <a:solidFill>
+                  <a:srgbClr val="FF0000"/>
+                </a:solidFill>
+              </a:rPr>
+              <a:t>p</a:t>
+            </a:r>
+            <a:endParaRPr lang="zh-CN" altLang="en-US" sz="2400" b="1" dirty="0">
+              <a:solidFill>
+                <a:srgbClr val="FF0000"/>
+              </a:solidFill>
+            </a:endParaRPr>
+          </a:p>
+        </p:txBody>
+      </p:sp>
+    </p:spTree>
+    <p:extLst>
+      <p:ext uri="{BB962C8B-B14F-4D97-AF65-F5344CB8AC3E}">
+        <p14:creationId xmlns:p14="http://schemas.microsoft.com/office/powerpoint/2010/main" val="3310540757"/>
+      </p:ext>
+    </p:extLst>
+  </p:cSld>
+  <p:clrMapOvr>
+    <a:masterClrMapping/>
+  </p:clrMapOvr>
+  <p:timing>
+    <p:tnLst>
+      <p:par>
+        <p:cTn id="1" dur="indefinite" restart="never" nodeType="tmRoot"/>
+      </p:par>
+    </p:tnLst>
+  </p:timing>
+</p:sld>
+</file>
+
+<file path=ppt/slides/slide5.xml><?xml version="1.0" encoding="utf-8"?>
+<p:sld xmlns:a="http://schemas.openxmlformats.org/drawingml/2006/main" xmlns:r="http://schemas.openxmlformats.org/officeDocument/2006/relationships" xmlns:p="http://schemas.openxmlformats.org/presentationml/2006/main">
+  <p:cSld>
+    <p:spTree>
+      <p:nvGrpSpPr>
+        <p:cNvPr id="1" name=""/>
+        <p:cNvGrpSpPr/>
+        <p:nvPr/>
+      </p:nvGrpSpPr>
+      <p:grpSpPr>
+        <a:xfrm>
+          <a:off x="0" y="0"/>
+          <a:ext cx="0" cy="0"/>
+          <a:chOff x="0" y="0"/>
+          <a:chExt cx="0" cy="0"/>
+        </a:xfrm>
+      </p:grpSpPr>
+      <p:sp>
+        <p:nvSpPr>
+          <p:cNvPr id="85" name="文本框 84"/>
+          <p:cNvSpPr txBox="1"/>
+          <p:nvPr/>
+        </p:nvSpPr>
+        <p:spPr>
+          <a:xfrm>
+            <a:off x="1669516" y="444724"/>
+            <a:ext cx="792205" cy="338554"/>
+          </a:xfrm>
+          <a:prstGeom prst="rect">
+            <a:avLst/>
+          </a:prstGeom>
+          <a:noFill/>
+        </p:spPr>
+        <p:txBody>
+          <a:bodyPr wrap="none" rtlCol="0">
+            <a:spAutoFit/>
+          </a:bodyPr>
+          <a:lstStyle/>
+          <a:p>
+            <a:pPr algn="ctr"/>
+            <a:r>
+              <a:rPr lang="en-US" altLang="zh-CN" sz="1600" b="1" dirty="0" err="1" smtClean="0"/>
+              <a:t>e</a:t>
+            </a:r>
+            <a:r>
+              <a:rPr lang="en-US" altLang="zh-CN" sz="1600" b="1" dirty="0" err="1"/>
+              <a:t>b</a:t>
+            </a:r>
+            <a:r>
+              <a:rPr lang="en-US" altLang="zh-CN" sz="1600" b="1" dirty="0" err="1" smtClean="0"/>
+              <a:t>p</a:t>
+            </a:r>
+            <a:r>
+              <a:rPr lang="en-US" altLang="zh-CN" sz="1600" b="1" dirty="0" smtClean="0"/>
+              <a:t>(0)</a:t>
+            </a:r>
+            <a:endParaRPr lang="zh-CN" altLang="en-US" sz="1600" b="1" dirty="0"/>
+          </a:p>
+        </p:txBody>
+      </p:sp>
+      <p:sp>
+        <p:nvSpPr>
+          <p:cNvPr id="2" name="矩形 1"/>
+          <p:cNvSpPr/>
+          <p:nvPr/>
+        </p:nvSpPr>
+        <p:spPr>
+          <a:xfrm>
+            <a:off x="870438" y="369277"/>
+            <a:ext cx="2400300" cy="5662246"/>
+          </a:xfrm>
+          <a:prstGeom prst="rect">
+            <a:avLst/>
+          </a:prstGeom>
+          <a:noFill/>
+          <a:ln w="38100">
+            <a:solidFill>
+              <a:schemeClr val="tx1"/>
+            </a:solidFill>
+          </a:ln>
+        </p:spPr>
+        <p:style>
+          <a:lnRef idx="2">
+            <a:schemeClr val="accent1">
+              <a:shade val="50000"/>
+            </a:schemeClr>
+          </a:lnRef>
+          <a:fillRef idx="1">
+            <a:schemeClr val="accent1"/>
+          </a:fillRef>
+          <a:effectRef idx="0">
+            <a:schemeClr val="accent1"/>
+          </a:effectRef>
+          <a:fontRef idx="minor">
+            <a:schemeClr val="lt1"/>
+          </a:fontRef>
+        </p:style>
+        <p:txBody>
+          <a:bodyPr rtlCol="0" anchor="ctr"/>
+          <a:lstStyle/>
+          <a:p>
+            <a:pPr algn="ctr"/>
+            <a:endParaRPr lang="zh-CN" altLang="en-US"/>
+          </a:p>
+        </p:txBody>
+      </p:sp>
+      <p:cxnSp>
+        <p:nvCxnSpPr>
+          <p:cNvPr id="4" name="直接连接符 3"/>
+          <p:cNvCxnSpPr/>
+          <p:nvPr/>
+        </p:nvCxnSpPr>
+        <p:spPr>
+          <a:xfrm>
+            <a:off x="870438" y="861650"/>
+            <a:ext cx="2400300" cy="0"/>
+          </a:xfrm>
+          <a:prstGeom prst="line">
+            <a:avLst/>
+          </a:prstGeom>
+          <a:ln w="38100">
+            <a:solidFill>
+              <a:schemeClr val="tx1"/>
+            </a:solidFill>
+          </a:ln>
+        </p:spPr>
+        <p:style>
+          <a:lnRef idx="1">
+            <a:schemeClr val="accent1"/>
+          </a:lnRef>
+          <a:fillRef idx="0">
+            <a:schemeClr val="accent1"/>
+          </a:fillRef>
+          <a:effectRef idx="0">
+            <a:schemeClr val="accent1"/>
+          </a:effectRef>
+          <a:fontRef idx="minor">
+            <a:schemeClr val="tx1"/>
+          </a:fontRef>
+        </p:style>
+      </p:cxnSp>
+      <p:cxnSp>
+        <p:nvCxnSpPr>
+          <p:cNvPr id="92" name="直接箭头连接符 91"/>
+          <p:cNvCxnSpPr/>
+          <p:nvPr/>
+        </p:nvCxnSpPr>
+        <p:spPr>
+          <a:xfrm flipH="1">
+            <a:off x="3411415" y="822150"/>
+            <a:ext cx="712177" cy="0"/>
+          </a:xfrm>
+          <a:prstGeom prst="straightConnector1">
+            <a:avLst/>
+          </a:prstGeom>
+          <a:ln w="50800" cap="flat" cmpd="sng" algn="ctr">
+            <a:solidFill>
+              <a:schemeClr val="dk1"/>
+            </a:solidFill>
+            <a:prstDash val="solid"/>
+            <a:round/>
+            <a:headEnd type="none" w="med" len="med"/>
+            <a:tailEnd type="arrow" w="med" len="med"/>
+          </a:ln>
+        </p:spPr>
+        <p:style>
+          <a:lnRef idx="0">
+            <a:scrgbClr r="0" g="0" b="0"/>
+          </a:lnRef>
+          <a:fillRef idx="0">
+            <a:scrgbClr r="0" g="0" b="0"/>
+          </a:fillRef>
+          <a:effectRef idx="0">
+            <a:scrgbClr r="0" g="0" b="0"/>
+          </a:effectRef>
+          <a:fontRef idx="minor">
+            <a:schemeClr val="tx1"/>
+          </a:fontRef>
+        </p:style>
+      </p:cxnSp>
+      <p:cxnSp>
+        <p:nvCxnSpPr>
+          <p:cNvPr id="97" name="直接连接符 96"/>
+          <p:cNvCxnSpPr/>
+          <p:nvPr/>
+        </p:nvCxnSpPr>
+        <p:spPr>
+          <a:xfrm>
+            <a:off x="870438" y="1356950"/>
+            <a:ext cx="2400300" cy="0"/>
+          </a:xfrm>
+          <a:prstGeom prst="line">
+            <a:avLst/>
+          </a:prstGeom>
+          <a:ln w="38100">
+            <a:solidFill>
+              <a:schemeClr val="tx1"/>
+            </a:solidFill>
+          </a:ln>
+        </p:spPr>
+        <p:style>
+          <a:lnRef idx="1">
+            <a:schemeClr val="accent1"/>
+          </a:lnRef>
+          <a:fillRef idx="0">
+            <a:schemeClr val="accent1"/>
+          </a:fillRef>
+          <a:effectRef idx="0">
+            <a:schemeClr val="accent1"/>
+          </a:effectRef>
+          <a:fontRef idx="minor">
+            <a:schemeClr val="tx1"/>
+          </a:fontRef>
+        </p:style>
+      </p:cxnSp>
+      <p:sp>
+        <p:nvSpPr>
+          <p:cNvPr id="98" name="文本框 97"/>
+          <p:cNvSpPr txBox="1"/>
+          <p:nvPr/>
+        </p:nvSpPr>
+        <p:spPr>
+          <a:xfrm>
+            <a:off x="1916378" y="969352"/>
+            <a:ext cx="298479" cy="338554"/>
+          </a:xfrm>
+          <a:prstGeom prst="rect">
+            <a:avLst/>
+          </a:prstGeom>
+          <a:noFill/>
+        </p:spPr>
+        <p:txBody>
+          <a:bodyPr wrap="none" rtlCol="0">
+            <a:spAutoFit/>
+          </a:bodyPr>
+          <a:lstStyle/>
+          <a:p>
+            <a:pPr algn="ctr"/>
+            <a:r>
+              <a:rPr lang="en-US" altLang="zh-CN" sz="1600" b="1" dirty="0" smtClean="0"/>
+              <a:t>2</a:t>
+            </a:r>
+            <a:endParaRPr lang="zh-CN" altLang="en-US" sz="1600" b="1" dirty="0"/>
+          </a:p>
+        </p:txBody>
+      </p:sp>
+      <p:cxnSp>
+        <p:nvCxnSpPr>
+          <p:cNvPr id="103" name="直接箭头连接符 102"/>
+          <p:cNvCxnSpPr/>
+          <p:nvPr/>
+        </p:nvCxnSpPr>
+        <p:spPr>
+          <a:xfrm flipH="1">
+            <a:off x="3392785" y="1328413"/>
+            <a:ext cx="712177" cy="0"/>
+          </a:xfrm>
+          <a:prstGeom prst="straightConnector1">
+            <a:avLst/>
+          </a:prstGeom>
+          <a:ln w="50800" cap="flat" cmpd="sng" algn="ctr">
+            <a:solidFill>
+              <a:schemeClr val="dk1"/>
+            </a:solidFill>
+            <a:prstDash val="solid"/>
+            <a:round/>
+            <a:headEnd type="none" w="med" len="med"/>
+            <a:tailEnd type="arrow" w="med" len="med"/>
+          </a:ln>
+        </p:spPr>
+        <p:style>
+          <a:lnRef idx="0">
+            <a:scrgbClr r="0" g="0" b="0"/>
+          </a:lnRef>
+          <a:fillRef idx="0">
+            <a:scrgbClr r="0" g="0" b="0"/>
+          </a:fillRef>
+          <a:effectRef idx="0">
+            <a:scrgbClr r="0" g="0" b="0"/>
+          </a:effectRef>
+          <a:fontRef idx="minor">
+            <a:schemeClr val="tx1"/>
+          </a:fontRef>
+        </p:style>
+      </p:cxnSp>
+      <p:sp>
+        <p:nvSpPr>
+          <p:cNvPr id="121" name="文本框 120"/>
+          <p:cNvSpPr txBox="1"/>
+          <p:nvPr/>
+        </p:nvSpPr>
+        <p:spPr>
+          <a:xfrm>
+            <a:off x="4245639" y="1097580"/>
+            <a:ext cx="667170" cy="461665"/>
+          </a:xfrm>
+          <a:prstGeom prst="rect">
+            <a:avLst/>
+          </a:prstGeom>
+          <a:noFill/>
+        </p:spPr>
+        <p:txBody>
+          <a:bodyPr wrap="none" rtlCol="0">
+            <a:spAutoFit/>
+          </a:bodyPr>
+          <a:lstStyle/>
+          <a:p>
+            <a:r>
+              <a:rPr lang="en-US" altLang="zh-CN" sz="2400" b="1" dirty="0" err="1" smtClean="0"/>
+              <a:t>esp</a:t>
+            </a:r>
+            <a:endParaRPr lang="zh-CN" altLang="en-US" sz="2400" b="1" dirty="0"/>
+          </a:p>
+        </p:txBody>
+      </p:sp>
+      <p:sp>
+        <p:nvSpPr>
+          <p:cNvPr id="133" name="文本框 132"/>
+          <p:cNvSpPr txBox="1"/>
+          <p:nvPr/>
+        </p:nvSpPr>
+        <p:spPr>
+          <a:xfrm>
+            <a:off x="4219189" y="591317"/>
+            <a:ext cx="1617751" cy="461665"/>
+          </a:xfrm>
+          <a:prstGeom prst="rect">
+            <a:avLst/>
+          </a:prstGeom>
+          <a:noFill/>
+        </p:spPr>
+        <p:txBody>
+          <a:bodyPr wrap="none" rtlCol="0">
+            <a:spAutoFit/>
+          </a:bodyPr>
+          <a:lstStyle/>
+          <a:p>
+            <a:r>
+              <a:rPr lang="en-US" altLang="zh-CN" sz="2400" b="1" dirty="0" err="1" smtClean="0"/>
+              <a:t>ebp</a:t>
+            </a:r>
+            <a:r>
+              <a:rPr lang="en-US" altLang="zh-CN" sz="2400" b="1" dirty="0" smtClean="0"/>
+              <a:t>(main)</a:t>
+            </a:r>
+            <a:endParaRPr lang="zh-CN" altLang="en-US" sz="2400" b="1" dirty="0"/>
+          </a:p>
+        </p:txBody>
+      </p:sp>
+      <p:sp>
+        <p:nvSpPr>
+          <p:cNvPr id="17" name="文本框 84"/>
+          <p:cNvSpPr txBox="1"/>
+          <p:nvPr/>
+        </p:nvSpPr>
+        <p:spPr>
+          <a:xfrm>
+            <a:off x="5807978" y="1156229"/>
+            <a:ext cx="2909771" cy="461665"/>
+          </a:xfrm>
+          <a:prstGeom prst="rect">
+            <a:avLst/>
+          </a:prstGeom>
+          <a:noFill/>
+        </p:spPr>
+        <p:txBody>
+          <a:bodyPr wrap="none" rtlCol="0">
+            <a:spAutoFit/>
+          </a:bodyPr>
+          <a:lstStyle>
+            <a:defPPr>
+              <a:defRPr lang="zh-CN"/>
+            </a:defPPr>
+            <a:lvl1pPr marL="0" algn="l" defTabSz="914400" rtl="0" eaLnBrk="1" latinLnBrk="0" hangingPunct="1">
+              <a:defRPr sz="1800" kern="1200">
+                <a:solidFill>
+                  <a:schemeClr val="tx1"/>
+                </a:solidFill>
+                <a:latin typeface="+mn-lt"/>
+                <a:ea typeface="+mn-ea"/>
+                <a:cs typeface="+mn-cs"/>
+              </a:defRPr>
+            </a:lvl1pPr>
+            <a:lvl2pPr marL="457200" algn="l" defTabSz="914400" rtl="0" eaLnBrk="1" latinLnBrk="0" hangingPunct="1">
+              <a:defRPr sz="1800" kern="1200">
+                <a:solidFill>
+                  <a:schemeClr val="tx1"/>
+                </a:solidFill>
+                <a:latin typeface="+mn-lt"/>
+                <a:ea typeface="+mn-ea"/>
+                <a:cs typeface="+mn-cs"/>
+              </a:defRPr>
+            </a:lvl2pPr>
+            <a:lvl3pPr marL="914400" algn="l" defTabSz="914400" rtl="0" eaLnBrk="1" latinLnBrk="0" hangingPunct="1">
+              <a:defRPr sz="1800" kern="1200">
+                <a:solidFill>
+                  <a:schemeClr val="tx1"/>
+                </a:solidFill>
+                <a:latin typeface="+mn-lt"/>
+                <a:ea typeface="+mn-ea"/>
+                <a:cs typeface="+mn-cs"/>
+              </a:defRPr>
+            </a:lvl3pPr>
+            <a:lvl4pPr marL="1371600" algn="l" defTabSz="914400" rtl="0" eaLnBrk="1" latinLnBrk="0" hangingPunct="1">
+              <a:defRPr sz="1800" kern="1200">
+                <a:solidFill>
+                  <a:schemeClr val="tx1"/>
+                </a:solidFill>
+                <a:latin typeface="+mn-lt"/>
+                <a:ea typeface="+mn-ea"/>
+                <a:cs typeface="+mn-cs"/>
+              </a:defRPr>
+            </a:lvl4pPr>
+            <a:lvl5pPr marL="1828800" algn="l" defTabSz="914400" rtl="0" eaLnBrk="1" latinLnBrk="0" hangingPunct="1">
+              <a:defRPr sz="1800" kern="1200">
+                <a:solidFill>
+                  <a:schemeClr val="tx1"/>
+                </a:solidFill>
+                <a:latin typeface="+mn-lt"/>
+                <a:ea typeface="+mn-ea"/>
+                <a:cs typeface="+mn-cs"/>
+              </a:defRPr>
+            </a:lvl5pPr>
+            <a:lvl6pPr marL="2286000" algn="l" defTabSz="914400" rtl="0" eaLnBrk="1" latinLnBrk="0" hangingPunct="1">
+              <a:defRPr sz="1800" kern="1200">
+                <a:solidFill>
+                  <a:schemeClr val="tx1"/>
+                </a:solidFill>
+                <a:latin typeface="+mn-lt"/>
+                <a:ea typeface="+mn-ea"/>
+                <a:cs typeface="+mn-cs"/>
+              </a:defRPr>
+            </a:lvl6pPr>
+            <a:lvl7pPr marL="2743200" algn="l" defTabSz="914400" rtl="0" eaLnBrk="1" latinLnBrk="0" hangingPunct="1">
+              <a:defRPr sz="1800" kern="1200">
+                <a:solidFill>
+                  <a:schemeClr val="tx1"/>
+                </a:solidFill>
+                <a:latin typeface="+mn-lt"/>
+                <a:ea typeface="+mn-ea"/>
+                <a:cs typeface="+mn-cs"/>
+              </a:defRPr>
+            </a:lvl7pPr>
+            <a:lvl8pPr marL="3200400" algn="l" defTabSz="914400" rtl="0" eaLnBrk="1" latinLnBrk="0" hangingPunct="1">
+              <a:defRPr sz="1800" kern="1200">
+                <a:solidFill>
+                  <a:schemeClr val="tx1"/>
+                </a:solidFill>
+                <a:latin typeface="+mn-lt"/>
+                <a:ea typeface="+mn-ea"/>
+                <a:cs typeface="+mn-cs"/>
+              </a:defRPr>
+            </a:lvl8pPr>
+            <a:lvl9pPr marL="3657600" algn="l" defTabSz="914400" rtl="0" eaLnBrk="1" latinLnBrk="0" hangingPunct="1">
+              <a:defRPr sz="1800" kern="1200">
+                <a:solidFill>
+                  <a:schemeClr val="tx1"/>
+                </a:solidFill>
+                <a:latin typeface="+mn-lt"/>
+                <a:ea typeface="+mn-ea"/>
+                <a:cs typeface="+mn-cs"/>
+              </a:defRPr>
+            </a:lvl9pPr>
+          </a:lstStyle>
+          <a:p>
+            <a:r>
+              <a:rPr lang="zh-CN" altLang="en-US" sz="2400" b="1" dirty="0" smtClean="0">
+                <a:solidFill>
+                  <a:srgbClr val="FF0000"/>
+                </a:solidFill>
+              </a:rPr>
+              <a:t>执行指令：</a:t>
+            </a:r>
+            <a:r>
+              <a:rPr lang="en-US" altLang="zh-CN" sz="2400" b="1" dirty="0" err="1" smtClean="0">
+                <a:solidFill>
+                  <a:srgbClr val="FF0000"/>
+                </a:solidFill>
+              </a:rPr>
+              <a:t>pushl</a:t>
+            </a:r>
+            <a:r>
+              <a:rPr lang="en-US" altLang="zh-CN" sz="2400" b="1" dirty="0" smtClean="0">
+                <a:solidFill>
+                  <a:srgbClr val="FF0000"/>
+                </a:solidFill>
+              </a:rPr>
+              <a:t> $2</a:t>
+            </a:r>
+            <a:endParaRPr lang="zh-CN" altLang="en-US" sz="2400" b="1" dirty="0">
+              <a:solidFill>
+                <a:srgbClr val="FF0000"/>
+              </a:solidFill>
+            </a:endParaRPr>
+          </a:p>
+        </p:txBody>
+      </p:sp>
+    </p:spTree>
+    <p:extLst>
+      <p:ext uri="{BB962C8B-B14F-4D97-AF65-F5344CB8AC3E}">
+        <p14:creationId xmlns:p14="http://schemas.microsoft.com/office/powerpoint/2010/main" val="4110062602"/>
+      </p:ext>
+    </p:extLst>
+  </p:cSld>
+  <p:clrMapOvr>
+    <a:masterClrMapping/>
+  </p:clrMapOvr>
+  <p:timing>
+    <p:tnLst>
+      <p:par>
+        <p:cTn id="1" dur="indefinite" restart="never" nodeType="tmRoot"/>
+      </p:par>
+    </p:tnLst>
+  </p:timing>
+</p:sld>
+</file>
+
+<file path=ppt/slides/slide6.xml><?xml version="1.0" encoding="utf-8"?>
+<p:sld xmlns:a="http://schemas.openxmlformats.org/drawingml/2006/main" xmlns:r="http://schemas.openxmlformats.org/officeDocument/2006/relationships" xmlns:p="http://schemas.openxmlformats.org/presentationml/2006/main">
+  <p:cSld>
+    <p:spTree>
+      <p:nvGrpSpPr>
+        <p:cNvPr id="1" name=""/>
+        <p:cNvGrpSpPr/>
+        <p:nvPr/>
+      </p:nvGrpSpPr>
+      <p:grpSpPr>
+        <a:xfrm>
+          <a:off x="0" y="0"/>
+          <a:ext cx="0" cy="0"/>
+          <a:chOff x="0" y="0"/>
+          <a:chExt cx="0" cy="0"/>
+        </a:xfrm>
+      </p:grpSpPr>
+      <p:sp>
+        <p:nvSpPr>
+          <p:cNvPr id="85" name="文本框 84"/>
+          <p:cNvSpPr txBox="1"/>
+          <p:nvPr/>
+        </p:nvSpPr>
+        <p:spPr>
+          <a:xfrm>
+            <a:off x="1669516" y="444724"/>
+            <a:ext cx="792205" cy="338554"/>
+          </a:xfrm>
+          <a:prstGeom prst="rect">
+            <a:avLst/>
+          </a:prstGeom>
+          <a:noFill/>
+        </p:spPr>
+        <p:txBody>
+          <a:bodyPr wrap="none" rtlCol="0">
+            <a:spAutoFit/>
+          </a:bodyPr>
+          <a:lstStyle/>
+          <a:p>
+            <a:pPr algn="ctr"/>
+            <a:r>
+              <a:rPr lang="en-US" altLang="zh-CN" sz="1600" b="1" dirty="0" err="1" smtClean="0"/>
+              <a:t>e</a:t>
+            </a:r>
+            <a:r>
+              <a:rPr lang="en-US" altLang="zh-CN" sz="1600" b="1" dirty="0" err="1"/>
+              <a:t>b</a:t>
+            </a:r>
+            <a:r>
+              <a:rPr lang="en-US" altLang="zh-CN" sz="1600" b="1" dirty="0" err="1" smtClean="0"/>
+              <a:t>p</a:t>
+            </a:r>
+            <a:r>
+              <a:rPr lang="en-US" altLang="zh-CN" sz="1600" b="1" dirty="0" smtClean="0"/>
+              <a:t>(0)</a:t>
+            </a:r>
+            <a:endParaRPr lang="zh-CN" altLang="en-US" sz="1600" b="1" dirty="0"/>
+          </a:p>
+        </p:txBody>
+      </p:sp>
+      <p:sp>
+        <p:nvSpPr>
+          <p:cNvPr id="2" name="矩形 1"/>
+          <p:cNvSpPr/>
+          <p:nvPr/>
+        </p:nvSpPr>
+        <p:spPr>
+          <a:xfrm>
+            <a:off x="870438" y="369277"/>
+            <a:ext cx="2400300" cy="5662246"/>
+          </a:xfrm>
+          <a:prstGeom prst="rect">
+            <a:avLst/>
+          </a:prstGeom>
+          <a:noFill/>
+          <a:ln w="38100">
+            <a:solidFill>
+              <a:schemeClr val="tx1"/>
+            </a:solidFill>
+          </a:ln>
+        </p:spPr>
+        <p:style>
+          <a:lnRef idx="2">
+            <a:schemeClr val="accent1">
+              <a:shade val="50000"/>
+            </a:schemeClr>
+          </a:lnRef>
+          <a:fillRef idx="1">
+            <a:schemeClr val="accent1"/>
+          </a:fillRef>
+          <a:effectRef idx="0">
+            <a:schemeClr val="accent1"/>
+          </a:effectRef>
+          <a:fontRef idx="minor">
+            <a:schemeClr val="lt1"/>
+          </a:fontRef>
+        </p:style>
+        <p:txBody>
+          <a:bodyPr rtlCol="0" anchor="ctr"/>
+          <a:lstStyle/>
+          <a:p>
+            <a:pPr algn="ctr"/>
+            <a:endParaRPr lang="zh-CN" altLang="en-US"/>
+          </a:p>
+        </p:txBody>
+      </p:sp>
+      <p:cxnSp>
+        <p:nvCxnSpPr>
+          <p:cNvPr id="4" name="直接连接符 3"/>
+          <p:cNvCxnSpPr/>
+          <p:nvPr/>
+        </p:nvCxnSpPr>
+        <p:spPr>
+          <a:xfrm>
+            <a:off x="870438" y="861650"/>
+            <a:ext cx="2400300" cy="0"/>
+          </a:xfrm>
+          <a:prstGeom prst="line">
+            <a:avLst/>
+          </a:prstGeom>
+          <a:ln w="38100">
+            <a:solidFill>
+              <a:schemeClr val="tx1"/>
+            </a:solidFill>
+          </a:ln>
+        </p:spPr>
+        <p:style>
+          <a:lnRef idx="1">
+            <a:schemeClr val="accent1"/>
+          </a:lnRef>
+          <a:fillRef idx="0">
+            <a:schemeClr val="accent1"/>
+          </a:fillRef>
+          <a:effectRef idx="0">
+            <a:schemeClr val="accent1"/>
+          </a:effectRef>
+          <a:fontRef idx="minor">
+            <a:schemeClr val="tx1"/>
+          </a:fontRef>
+        </p:style>
+      </p:cxnSp>
+      <p:cxnSp>
+        <p:nvCxnSpPr>
+          <p:cNvPr id="92" name="直接箭头连接符 91"/>
+          <p:cNvCxnSpPr/>
+          <p:nvPr/>
+        </p:nvCxnSpPr>
+        <p:spPr>
+          <a:xfrm flipH="1">
+            <a:off x="3411415" y="822150"/>
+            <a:ext cx="712177" cy="0"/>
+          </a:xfrm>
+          <a:prstGeom prst="straightConnector1">
+            <a:avLst/>
+          </a:prstGeom>
+          <a:ln w="50800" cap="flat" cmpd="sng" algn="ctr">
+            <a:solidFill>
+              <a:schemeClr val="dk1"/>
+            </a:solidFill>
+            <a:prstDash val="solid"/>
+            <a:round/>
+            <a:headEnd type="none" w="med" len="med"/>
+            <a:tailEnd type="arrow" w="med" len="med"/>
+          </a:ln>
+        </p:spPr>
+        <p:style>
+          <a:lnRef idx="0">
+            <a:scrgbClr r="0" g="0" b="0"/>
+          </a:lnRef>
+          <a:fillRef idx="0">
+            <a:scrgbClr r="0" g="0" b="0"/>
+          </a:fillRef>
+          <a:effectRef idx="0">
+            <a:scrgbClr r="0" g="0" b="0"/>
+          </a:effectRef>
+          <a:fontRef idx="minor">
+            <a:schemeClr val="tx1"/>
+          </a:fontRef>
+        </p:style>
+      </p:cxnSp>
+      <p:cxnSp>
+        <p:nvCxnSpPr>
+          <p:cNvPr id="97" name="直接连接符 96"/>
+          <p:cNvCxnSpPr/>
+          <p:nvPr/>
+        </p:nvCxnSpPr>
+        <p:spPr>
+          <a:xfrm>
+            <a:off x="870438" y="1356950"/>
+            <a:ext cx="2400300" cy="0"/>
+          </a:xfrm>
+          <a:prstGeom prst="line">
+            <a:avLst/>
+          </a:prstGeom>
+          <a:ln w="38100">
+            <a:solidFill>
+              <a:schemeClr val="tx1"/>
+            </a:solidFill>
+          </a:ln>
+        </p:spPr>
+        <p:style>
+          <a:lnRef idx="1">
+            <a:schemeClr val="accent1"/>
+          </a:lnRef>
+          <a:fillRef idx="0">
+            <a:schemeClr val="accent1"/>
+          </a:fillRef>
+          <a:effectRef idx="0">
+            <a:schemeClr val="accent1"/>
+          </a:effectRef>
+          <a:fontRef idx="minor">
+            <a:schemeClr val="tx1"/>
+          </a:fontRef>
+        </p:style>
+      </p:cxnSp>
+      <p:sp>
+        <p:nvSpPr>
+          <p:cNvPr id="98" name="文本框 97"/>
+          <p:cNvSpPr txBox="1"/>
+          <p:nvPr/>
+        </p:nvSpPr>
+        <p:spPr>
+          <a:xfrm>
+            <a:off x="1916378" y="931377"/>
+            <a:ext cx="298479" cy="338554"/>
+          </a:xfrm>
+          <a:prstGeom prst="rect">
+            <a:avLst/>
+          </a:prstGeom>
+          <a:noFill/>
+        </p:spPr>
+        <p:txBody>
+          <a:bodyPr wrap="none" rtlCol="0">
+            <a:spAutoFit/>
+          </a:bodyPr>
+          <a:lstStyle/>
+          <a:p>
+            <a:pPr algn="ctr"/>
+            <a:r>
+              <a:rPr lang="en-US" altLang="zh-CN" sz="1600" b="1" dirty="0" smtClean="0"/>
+              <a:t>2</a:t>
+            </a:r>
+            <a:endParaRPr lang="zh-CN" altLang="en-US" sz="1600" b="1" dirty="0"/>
+          </a:p>
+        </p:txBody>
+      </p:sp>
+      <p:cxnSp>
+        <p:nvCxnSpPr>
+          <p:cNvPr id="100" name="直接连接符 99"/>
+          <p:cNvCxnSpPr/>
+          <p:nvPr/>
+        </p:nvCxnSpPr>
+        <p:spPr>
+          <a:xfrm>
+            <a:off x="870438" y="1790704"/>
+            <a:ext cx="2400300" cy="0"/>
+          </a:xfrm>
+          <a:prstGeom prst="line">
+            <a:avLst/>
+          </a:prstGeom>
+          <a:ln w="38100">
+            <a:solidFill>
+              <a:schemeClr val="tx1"/>
+            </a:solidFill>
+          </a:ln>
+        </p:spPr>
+        <p:style>
+          <a:lnRef idx="1">
+            <a:schemeClr val="accent1"/>
+          </a:lnRef>
+          <a:fillRef idx="0">
+            <a:schemeClr val="accent1"/>
+          </a:fillRef>
+          <a:effectRef idx="0">
+            <a:schemeClr val="accent1"/>
+          </a:effectRef>
+          <a:fontRef idx="minor">
+            <a:schemeClr val="tx1"/>
+          </a:fontRef>
+        </p:style>
+      </p:cxnSp>
+      <p:sp>
+        <p:nvSpPr>
+          <p:cNvPr id="102" name="文本框 101"/>
+          <p:cNvSpPr txBox="1"/>
+          <p:nvPr/>
+        </p:nvSpPr>
+        <p:spPr>
+          <a:xfrm>
+            <a:off x="1916378" y="1438695"/>
+            <a:ext cx="298479" cy="338554"/>
+          </a:xfrm>
+          <a:prstGeom prst="rect">
+            <a:avLst/>
+          </a:prstGeom>
+          <a:noFill/>
+        </p:spPr>
+        <p:txBody>
+          <a:bodyPr wrap="none" rtlCol="0">
+            <a:spAutoFit/>
+          </a:bodyPr>
+          <a:lstStyle/>
+          <a:p>
+            <a:pPr algn="ctr"/>
+            <a:r>
+              <a:rPr lang="en-US" altLang="zh-CN" sz="1600" b="1" dirty="0"/>
+              <a:t>1</a:t>
+            </a:r>
+            <a:endParaRPr lang="zh-CN" altLang="en-US" sz="1600" b="1" dirty="0"/>
+          </a:p>
+        </p:txBody>
+      </p:sp>
+      <p:cxnSp>
+        <p:nvCxnSpPr>
+          <p:cNvPr id="103" name="直接箭头连接符 102"/>
+          <p:cNvCxnSpPr/>
+          <p:nvPr/>
+        </p:nvCxnSpPr>
+        <p:spPr>
+          <a:xfrm flipH="1">
+            <a:off x="3419234" y="1790704"/>
+            <a:ext cx="712177" cy="0"/>
+          </a:xfrm>
+          <a:prstGeom prst="straightConnector1">
+            <a:avLst/>
+          </a:prstGeom>
+          <a:ln w="50800" cap="flat" cmpd="sng" algn="ctr">
+            <a:solidFill>
+              <a:schemeClr val="dk1"/>
+            </a:solidFill>
+            <a:prstDash val="solid"/>
+            <a:round/>
+            <a:headEnd type="none" w="med" len="med"/>
+            <a:tailEnd type="arrow" w="med" len="med"/>
+          </a:ln>
+        </p:spPr>
+        <p:style>
+          <a:lnRef idx="0">
+            <a:scrgbClr r="0" g="0" b="0"/>
+          </a:lnRef>
+          <a:fillRef idx="0">
+            <a:scrgbClr r="0" g="0" b="0"/>
+          </a:fillRef>
+          <a:effectRef idx="0">
+            <a:scrgbClr r="0" g="0" b="0"/>
+          </a:effectRef>
+          <a:fontRef idx="minor">
+            <a:schemeClr val="tx1"/>
+          </a:fontRef>
+        </p:style>
+      </p:cxnSp>
+      <p:sp>
+        <p:nvSpPr>
+          <p:cNvPr id="121" name="文本框 120"/>
+          <p:cNvSpPr txBox="1"/>
+          <p:nvPr/>
+        </p:nvSpPr>
+        <p:spPr>
+          <a:xfrm>
+            <a:off x="4272088" y="1559871"/>
+            <a:ext cx="667170" cy="461665"/>
+          </a:xfrm>
+          <a:prstGeom prst="rect">
+            <a:avLst/>
+          </a:prstGeom>
+          <a:noFill/>
+        </p:spPr>
+        <p:txBody>
+          <a:bodyPr wrap="none" rtlCol="0">
+            <a:spAutoFit/>
+          </a:bodyPr>
+          <a:lstStyle/>
+          <a:p>
+            <a:r>
+              <a:rPr lang="en-US" altLang="zh-CN" sz="2400" b="1" dirty="0" err="1" smtClean="0"/>
+              <a:t>esp</a:t>
+            </a:r>
+            <a:endParaRPr lang="zh-CN" altLang="en-US" sz="2400" b="1" dirty="0"/>
+          </a:p>
+        </p:txBody>
+      </p:sp>
+      <p:sp>
+        <p:nvSpPr>
+          <p:cNvPr id="133" name="文本框 132"/>
+          <p:cNvSpPr txBox="1"/>
+          <p:nvPr/>
+        </p:nvSpPr>
+        <p:spPr>
+          <a:xfrm>
+            <a:off x="4219189" y="591317"/>
+            <a:ext cx="1617751" cy="461665"/>
+          </a:xfrm>
+          <a:prstGeom prst="rect">
+            <a:avLst/>
+          </a:prstGeom>
+          <a:noFill/>
+        </p:spPr>
+        <p:txBody>
+          <a:bodyPr wrap="none" rtlCol="0">
+            <a:spAutoFit/>
+          </a:bodyPr>
+          <a:lstStyle/>
+          <a:p>
+            <a:r>
+              <a:rPr lang="en-US" altLang="zh-CN" sz="2400" b="1" dirty="0" err="1" smtClean="0"/>
+              <a:t>ebp</a:t>
+            </a:r>
+            <a:r>
+              <a:rPr lang="en-US" altLang="zh-CN" sz="2400" b="1" dirty="0" smtClean="0"/>
+              <a:t>(main)</a:t>
+            </a:r>
+            <a:endParaRPr lang="zh-CN" altLang="en-US" sz="2400" b="1" dirty="0"/>
+          </a:p>
+        </p:txBody>
+      </p:sp>
+      <p:sp>
+        <p:nvSpPr>
+          <p:cNvPr id="135" name="文本框 84"/>
+          <p:cNvSpPr txBox="1"/>
+          <p:nvPr/>
+        </p:nvSpPr>
+        <p:spPr>
+          <a:xfrm>
+            <a:off x="5807978" y="1156229"/>
+            <a:ext cx="2909771" cy="461665"/>
+          </a:xfrm>
+          <a:prstGeom prst="rect">
+            <a:avLst/>
+          </a:prstGeom>
+          <a:noFill/>
+        </p:spPr>
+        <p:txBody>
+          <a:bodyPr wrap="none" rtlCol="0">
+            <a:spAutoFit/>
+          </a:bodyPr>
+          <a:lstStyle>
+            <a:defPPr>
+              <a:defRPr lang="zh-CN"/>
+            </a:defPPr>
+            <a:lvl1pPr marL="0" algn="l" defTabSz="914400" rtl="0" eaLnBrk="1" latinLnBrk="0" hangingPunct="1">
+              <a:defRPr sz="1800" kern="1200">
+                <a:solidFill>
+                  <a:schemeClr val="tx1"/>
+                </a:solidFill>
+                <a:latin typeface="+mn-lt"/>
+                <a:ea typeface="+mn-ea"/>
+                <a:cs typeface="+mn-cs"/>
+              </a:defRPr>
+            </a:lvl1pPr>
+            <a:lvl2pPr marL="457200" algn="l" defTabSz="914400" rtl="0" eaLnBrk="1" latinLnBrk="0" hangingPunct="1">
+              <a:defRPr sz="1800" kern="1200">
+                <a:solidFill>
+                  <a:schemeClr val="tx1"/>
+                </a:solidFill>
+                <a:latin typeface="+mn-lt"/>
+                <a:ea typeface="+mn-ea"/>
+                <a:cs typeface="+mn-cs"/>
+              </a:defRPr>
+            </a:lvl2pPr>
+            <a:lvl3pPr marL="914400" algn="l" defTabSz="914400" rtl="0" eaLnBrk="1" latinLnBrk="0" hangingPunct="1">
+              <a:defRPr sz="1800" kern="1200">
+                <a:solidFill>
+                  <a:schemeClr val="tx1"/>
+                </a:solidFill>
+                <a:latin typeface="+mn-lt"/>
+                <a:ea typeface="+mn-ea"/>
+                <a:cs typeface="+mn-cs"/>
+              </a:defRPr>
+            </a:lvl3pPr>
+            <a:lvl4pPr marL="1371600" algn="l" defTabSz="914400" rtl="0" eaLnBrk="1" latinLnBrk="0" hangingPunct="1">
+              <a:defRPr sz="1800" kern="1200">
+                <a:solidFill>
+                  <a:schemeClr val="tx1"/>
+                </a:solidFill>
+                <a:latin typeface="+mn-lt"/>
+                <a:ea typeface="+mn-ea"/>
+                <a:cs typeface="+mn-cs"/>
+              </a:defRPr>
+            </a:lvl4pPr>
+            <a:lvl5pPr marL="1828800" algn="l" defTabSz="914400" rtl="0" eaLnBrk="1" latinLnBrk="0" hangingPunct="1">
+              <a:defRPr sz="1800" kern="1200">
+                <a:solidFill>
+                  <a:schemeClr val="tx1"/>
+                </a:solidFill>
+                <a:latin typeface="+mn-lt"/>
+                <a:ea typeface="+mn-ea"/>
+                <a:cs typeface="+mn-cs"/>
+              </a:defRPr>
+            </a:lvl5pPr>
+            <a:lvl6pPr marL="2286000" algn="l" defTabSz="914400" rtl="0" eaLnBrk="1" latinLnBrk="0" hangingPunct="1">
+              <a:defRPr sz="1800" kern="1200">
+                <a:solidFill>
+                  <a:schemeClr val="tx1"/>
+                </a:solidFill>
+                <a:latin typeface="+mn-lt"/>
+                <a:ea typeface="+mn-ea"/>
+                <a:cs typeface="+mn-cs"/>
+              </a:defRPr>
+            </a:lvl6pPr>
+            <a:lvl7pPr marL="2743200" algn="l" defTabSz="914400" rtl="0" eaLnBrk="1" latinLnBrk="0" hangingPunct="1">
+              <a:defRPr sz="1800" kern="1200">
+                <a:solidFill>
+                  <a:schemeClr val="tx1"/>
+                </a:solidFill>
+                <a:latin typeface="+mn-lt"/>
+                <a:ea typeface="+mn-ea"/>
+                <a:cs typeface="+mn-cs"/>
+              </a:defRPr>
+            </a:lvl7pPr>
+            <a:lvl8pPr marL="3200400" algn="l" defTabSz="914400" rtl="0" eaLnBrk="1" latinLnBrk="0" hangingPunct="1">
+              <a:defRPr sz="1800" kern="1200">
+                <a:solidFill>
+                  <a:schemeClr val="tx1"/>
+                </a:solidFill>
+                <a:latin typeface="+mn-lt"/>
+                <a:ea typeface="+mn-ea"/>
+                <a:cs typeface="+mn-cs"/>
+              </a:defRPr>
+            </a:lvl8pPr>
+            <a:lvl9pPr marL="3657600" algn="l" defTabSz="914400" rtl="0" eaLnBrk="1" latinLnBrk="0" hangingPunct="1">
+              <a:defRPr sz="1800" kern="1200">
+                <a:solidFill>
+                  <a:schemeClr val="tx1"/>
+                </a:solidFill>
+                <a:latin typeface="+mn-lt"/>
+                <a:ea typeface="+mn-ea"/>
+                <a:cs typeface="+mn-cs"/>
+              </a:defRPr>
+            </a:lvl9pPr>
+          </a:lstStyle>
+          <a:p>
+            <a:r>
+              <a:rPr lang="zh-CN" altLang="en-US" sz="2400" b="1" dirty="0" smtClean="0">
+                <a:solidFill>
+                  <a:srgbClr val="FF0000"/>
+                </a:solidFill>
+              </a:rPr>
+              <a:t>执行指令：</a:t>
+            </a:r>
+            <a:r>
+              <a:rPr lang="en-US" altLang="zh-CN" sz="2400" b="1" dirty="0" err="1" smtClean="0">
+                <a:solidFill>
+                  <a:srgbClr val="FF0000"/>
+                </a:solidFill>
+              </a:rPr>
+              <a:t>pushl</a:t>
+            </a:r>
+            <a:r>
+              <a:rPr lang="en-US" altLang="zh-CN" sz="2400" b="1" dirty="0" smtClean="0">
+                <a:solidFill>
+                  <a:srgbClr val="FF0000"/>
+                </a:solidFill>
+              </a:rPr>
+              <a:t> $1</a:t>
+            </a:r>
+            <a:endParaRPr lang="zh-CN" altLang="en-US" sz="2400" b="1" dirty="0">
+              <a:solidFill>
+                <a:srgbClr val="FF0000"/>
+              </a:solidFill>
+            </a:endParaRPr>
+          </a:p>
+        </p:txBody>
+      </p:sp>
+    </p:spTree>
+    <p:extLst>
+      <p:ext uri="{BB962C8B-B14F-4D97-AF65-F5344CB8AC3E}">
+        <p14:creationId xmlns:p14="http://schemas.microsoft.com/office/powerpoint/2010/main" val="3603613120"/>
+      </p:ext>
+    </p:extLst>
+  </p:cSld>
+  <p:clrMapOvr>
+    <a:masterClrMapping/>
+  </p:clrMapOvr>
+  <p:timing>
+    <p:tnLst>
+      <p:par>
+        <p:cTn id="1" dur="indefinite" restart="never" nodeType="tmRoot"/>
+      </p:par>
+    </p:tnLst>
+  </p:timing>
+</p:sld>
+</file>
+
+<file path=ppt/slides/slide7.xml><?xml version="1.0" encoding="utf-8"?>
+<p:sld xmlns:a="http://schemas.openxmlformats.org/drawingml/2006/main" xmlns:r="http://schemas.openxmlformats.org/officeDocument/2006/relationships" xmlns:p="http://schemas.openxmlformats.org/presentationml/2006/main">
+  <p:cSld>
+    <p:spTree>
+      <p:nvGrpSpPr>
+        <p:cNvPr id="1" name=""/>
+        <p:cNvGrpSpPr/>
+        <p:nvPr/>
+      </p:nvGrpSpPr>
+      <p:grpSpPr>
+        <a:xfrm>
+          <a:off x="0" y="0"/>
+          <a:ext cx="0" cy="0"/>
+          <a:chOff x="0" y="0"/>
+          <a:chExt cx="0" cy="0"/>
+        </a:xfrm>
+      </p:grpSpPr>
+      <p:sp>
+        <p:nvSpPr>
+          <p:cNvPr id="85" name="文本框 84"/>
+          <p:cNvSpPr txBox="1"/>
+          <p:nvPr/>
+        </p:nvSpPr>
+        <p:spPr>
+          <a:xfrm>
+            <a:off x="1669515" y="445960"/>
+            <a:ext cx="792205" cy="338554"/>
+          </a:xfrm>
+          <a:prstGeom prst="rect">
+            <a:avLst/>
+          </a:prstGeom>
+          <a:noFill/>
+        </p:spPr>
+        <p:txBody>
+          <a:bodyPr wrap="none" rtlCol="0">
+            <a:spAutoFit/>
+          </a:bodyPr>
+          <a:lstStyle/>
+          <a:p>
+            <a:pPr algn="ctr"/>
+            <a:r>
+              <a:rPr lang="en-US" altLang="zh-CN" sz="1600" b="1" dirty="0" err="1" smtClean="0"/>
+              <a:t>e</a:t>
+            </a:r>
+            <a:r>
+              <a:rPr lang="en-US" altLang="zh-CN" sz="1600" b="1" dirty="0" err="1"/>
+              <a:t>b</a:t>
+            </a:r>
+            <a:r>
+              <a:rPr lang="en-US" altLang="zh-CN" sz="1600" b="1" dirty="0" err="1" smtClean="0"/>
+              <a:t>p</a:t>
+            </a:r>
+            <a:r>
+              <a:rPr lang="en-US" altLang="zh-CN" sz="1600" b="1" dirty="0" smtClean="0"/>
+              <a:t>(0)</a:t>
+            </a:r>
+            <a:endParaRPr lang="zh-CN" altLang="en-US" sz="1600" b="1" dirty="0"/>
+          </a:p>
+        </p:txBody>
+      </p:sp>
+      <p:sp>
+        <p:nvSpPr>
+          <p:cNvPr id="2" name="矩形 1"/>
+          <p:cNvSpPr/>
+          <p:nvPr/>
+        </p:nvSpPr>
+        <p:spPr>
+          <a:xfrm>
+            <a:off x="870438" y="369277"/>
+            <a:ext cx="2400300" cy="5662246"/>
+          </a:xfrm>
+          <a:prstGeom prst="rect">
+            <a:avLst/>
+          </a:prstGeom>
+          <a:noFill/>
+          <a:ln w="38100">
+            <a:solidFill>
+              <a:schemeClr val="tx1"/>
+            </a:solidFill>
+          </a:ln>
+        </p:spPr>
+        <p:style>
+          <a:lnRef idx="2">
+            <a:schemeClr val="accent1">
+              <a:shade val="50000"/>
+            </a:schemeClr>
+          </a:lnRef>
+          <a:fillRef idx="1">
+            <a:schemeClr val="accent1"/>
+          </a:fillRef>
+          <a:effectRef idx="0">
+            <a:schemeClr val="accent1"/>
+          </a:effectRef>
+          <a:fontRef idx="minor">
+            <a:schemeClr val="lt1"/>
+          </a:fontRef>
+        </p:style>
+        <p:txBody>
+          <a:bodyPr rtlCol="0" anchor="ctr"/>
+          <a:lstStyle/>
+          <a:p>
+            <a:pPr algn="ctr"/>
+            <a:endParaRPr lang="zh-CN" altLang="en-US"/>
+          </a:p>
+        </p:txBody>
+      </p:sp>
+      <p:cxnSp>
+        <p:nvCxnSpPr>
+          <p:cNvPr id="4" name="直接连接符 3"/>
+          <p:cNvCxnSpPr/>
+          <p:nvPr/>
+        </p:nvCxnSpPr>
+        <p:spPr>
+          <a:xfrm>
+            <a:off x="870438" y="861650"/>
+            <a:ext cx="2400300" cy="0"/>
+          </a:xfrm>
+          <a:prstGeom prst="line">
+            <a:avLst/>
+          </a:prstGeom>
+          <a:ln w="38100">
+            <a:solidFill>
+              <a:schemeClr val="tx1"/>
+            </a:solidFill>
+          </a:ln>
+        </p:spPr>
+        <p:style>
+          <a:lnRef idx="1">
+            <a:schemeClr val="accent1"/>
+          </a:lnRef>
+          <a:fillRef idx="0">
+            <a:schemeClr val="accent1"/>
+          </a:fillRef>
+          <a:effectRef idx="0">
+            <a:schemeClr val="accent1"/>
+          </a:effectRef>
+          <a:fontRef idx="minor">
+            <a:schemeClr val="tx1"/>
+          </a:fontRef>
+        </p:style>
+      </p:cxnSp>
+      <p:cxnSp>
+        <p:nvCxnSpPr>
+          <p:cNvPr id="92" name="直接箭头连接符 91"/>
+          <p:cNvCxnSpPr/>
+          <p:nvPr/>
+        </p:nvCxnSpPr>
+        <p:spPr>
+          <a:xfrm flipH="1">
+            <a:off x="3411415" y="822150"/>
+            <a:ext cx="712177" cy="0"/>
+          </a:xfrm>
+          <a:prstGeom prst="straightConnector1">
+            <a:avLst/>
+          </a:prstGeom>
+          <a:ln w="50800" cap="flat" cmpd="sng" algn="ctr">
+            <a:solidFill>
+              <a:schemeClr val="dk1"/>
+            </a:solidFill>
+            <a:prstDash val="solid"/>
+            <a:round/>
+            <a:headEnd type="none" w="med" len="med"/>
+            <a:tailEnd type="arrow" w="med" len="med"/>
+          </a:ln>
+        </p:spPr>
+        <p:style>
+          <a:lnRef idx="0">
+            <a:scrgbClr r="0" g="0" b="0"/>
+          </a:lnRef>
+          <a:fillRef idx="0">
+            <a:scrgbClr r="0" g="0" b="0"/>
+          </a:fillRef>
+          <a:effectRef idx="0">
+            <a:scrgbClr r="0" g="0" b="0"/>
+          </a:effectRef>
+          <a:fontRef idx="minor">
+            <a:schemeClr val="tx1"/>
+          </a:fontRef>
+        </p:style>
+      </p:cxnSp>
+      <p:cxnSp>
+        <p:nvCxnSpPr>
+          <p:cNvPr id="97" name="直接连接符 96"/>
+          <p:cNvCxnSpPr/>
+          <p:nvPr/>
+        </p:nvCxnSpPr>
+        <p:spPr>
+          <a:xfrm>
+            <a:off x="870438" y="1356950"/>
+            <a:ext cx="2400300" cy="0"/>
+          </a:xfrm>
+          <a:prstGeom prst="line">
+            <a:avLst/>
+          </a:prstGeom>
+          <a:ln w="38100">
+            <a:solidFill>
+              <a:schemeClr val="tx1"/>
+            </a:solidFill>
+          </a:ln>
+        </p:spPr>
+        <p:style>
+          <a:lnRef idx="1">
+            <a:schemeClr val="accent1"/>
+          </a:lnRef>
+          <a:fillRef idx="0">
+            <a:schemeClr val="accent1"/>
+          </a:fillRef>
+          <a:effectRef idx="0">
+            <a:schemeClr val="accent1"/>
+          </a:effectRef>
+          <a:fontRef idx="minor">
+            <a:schemeClr val="tx1"/>
+          </a:fontRef>
+        </p:style>
+      </p:cxnSp>
+      <p:sp>
+        <p:nvSpPr>
+          <p:cNvPr id="98" name="文本框 97"/>
+          <p:cNvSpPr txBox="1"/>
+          <p:nvPr/>
+        </p:nvSpPr>
+        <p:spPr>
+          <a:xfrm>
+            <a:off x="1916377" y="930712"/>
+            <a:ext cx="298479" cy="338554"/>
+          </a:xfrm>
+          <a:prstGeom prst="rect">
+            <a:avLst/>
+          </a:prstGeom>
+          <a:noFill/>
+        </p:spPr>
+        <p:txBody>
+          <a:bodyPr wrap="none" rtlCol="0">
+            <a:spAutoFit/>
+          </a:bodyPr>
+          <a:lstStyle/>
+          <a:p>
+            <a:pPr algn="ctr"/>
+            <a:r>
+              <a:rPr lang="en-US" altLang="zh-CN" sz="1600" b="1" dirty="0" smtClean="0"/>
+              <a:t>2</a:t>
+            </a:r>
+            <a:endParaRPr lang="zh-CN" altLang="en-US" sz="1600" b="1" dirty="0"/>
+          </a:p>
+        </p:txBody>
+      </p:sp>
+      <p:cxnSp>
+        <p:nvCxnSpPr>
+          <p:cNvPr id="100" name="直接连接符 99"/>
+          <p:cNvCxnSpPr/>
+          <p:nvPr/>
+        </p:nvCxnSpPr>
+        <p:spPr>
+          <a:xfrm>
+            <a:off x="870438" y="1790704"/>
+            <a:ext cx="2400300" cy="0"/>
+          </a:xfrm>
+          <a:prstGeom prst="line">
+            <a:avLst/>
+          </a:prstGeom>
+          <a:ln w="38100">
+            <a:solidFill>
+              <a:schemeClr val="tx1"/>
+            </a:solidFill>
+          </a:ln>
+        </p:spPr>
+        <p:style>
+          <a:lnRef idx="1">
+            <a:schemeClr val="accent1"/>
+          </a:lnRef>
+          <a:fillRef idx="0">
+            <a:schemeClr val="accent1"/>
+          </a:fillRef>
+          <a:effectRef idx="0">
+            <a:schemeClr val="accent1"/>
+          </a:effectRef>
+          <a:fontRef idx="minor">
+            <a:schemeClr val="tx1"/>
+          </a:fontRef>
+        </p:style>
+      </p:cxnSp>
+      <p:sp>
+        <p:nvSpPr>
+          <p:cNvPr id="102" name="文本框 101"/>
+          <p:cNvSpPr txBox="1"/>
+          <p:nvPr/>
+        </p:nvSpPr>
+        <p:spPr>
+          <a:xfrm>
+            <a:off x="1913096" y="1433735"/>
+            <a:ext cx="301760" cy="338554"/>
+          </a:xfrm>
+          <a:prstGeom prst="rect">
+            <a:avLst/>
+          </a:prstGeom>
+          <a:noFill/>
+        </p:spPr>
+        <p:txBody>
+          <a:bodyPr wrap="square" rtlCol="0">
+            <a:spAutoFit/>
+          </a:bodyPr>
+          <a:lstStyle/>
+          <a:p>
+            <a:pPr algn="ctr"/>
+            <a:r>
+              <a:rPr lang="en-US" altLang="zh-CN" sz="1600" b="1" dirty="0"/>
+              <a:t>1</a:t>
+            </a:r>
+            <a:endParaRPr lang="zh-CN" altLang="en-US" sz="1600" b="1" dirty="0"/>
+          </a:p>
+        </p:txBody>
+      </p:sp>
+      <p:sp>
+        <p:nvSpPr>
+          <p:cNvPr id="133" name="文本框 132"/>
+          <p:cNvSpPr txBox="1"/>
+          <p:nvPr/>
+        </p:nvSpPr>
+        <p:spPr>
+          <a:xfrm>
+            <a:off x="4219189" y="591317"/>
+            <a:ext cx="1617751" cy="461665"/>
+          </a:xfrm>
+          <a:prstGeom prst="rect">
+            <a:avLst/>
+          </a:prstGeom>
+          <a:noFill/>
+        </p:spPr>
+        <p:txBody>
+          <a:bodyPr wrap="none" rtlCol="0">
+            <a:spAutoFit/>
+          </a:bodyPr>
+          <a:lstStyle/>
+          <a:p>
+            <a:r>
+              <a:rPr lang="en-US" altLang="zh-CN" sz="2400" b="1" dirty="0" err="1" smtClean="0"/>
+              <a:t>ebp</a:t>
+            </a:r>
+            <a:r>
+              <a:rPr lang="en-US" altLang="zh-CN" sz="2400" b="1" dirty="0" smtClean="0"/>
+              <a:t>(main)</a:t>
+            </a:r>
+            <a:endParaRPr lang="zh-CN" altLang="en-US" sz="2400" b="1" dirty="0"/>
+          </a:p>
+        </p:txBody>
+      </p:sp>
+      <p:cxnSp>
+        <p:nvCxnSpPr>
+          <p:cNvPr id="13" name="直接连接符 12"/>
+          <p:cNvCxnSpPr/>
+          <p:nvPr/>
+        </p:nvCxnSpPr>
+        <p:spPr>
+          <a:xfrm>
+            <a:off x="870438" y="2267797"/>
+            <a:ext cx="2400300" cy="0"/>
+          </a:xfrm>
+          <a:prstGeom prst="line">
+            <a:avLst/>
+          </a:prstGeom>
+          <a:ln w="38100">
+            <a:solidFill>
+              <a:schemeClr val="tx1"/>
+            </a:solidFill>
+          </a:ln>
+        </p:spPr>
+        <p:style>
+          <a:lnRef idx="1">
+            <a:schemeClr val="accent1"/>
+          </a:lnRef>
+          <a:fillRef idx="0">
+            <a:schemeClr val="accent1"/>
+          </a:fillRef>
+          <a:effectRef idx="0">
+            <a:schemeClr val="accent1"/>
+          </a:effectRef>
+          <a:fontRef idx="minor">
+            <a:schemeClr val="tx1"/>
+          </a:fontRef>
+        </p:style>
+      </p:cxnSp>
+      <p:sp>
+        <p:nvSpPr>
+          <p:cNvPr id="14" name="文本框 13"/>
+          <p:cNvSpPr txBox="1"/>
+          <p:nvPr/>
+        </p:nvSpPr>
+        <p:spPr>
+          <a:xfrm>
+            <a:off x="517362" y="1859974"/>
+            <a:ext cx="3096513" cy="338554"/>
+          </a:xfrm>
+          <a:prstGeom prst="rect">
+            <a:avLst/>
+          </a:prstGeom>
+          <a:noFill/>
+        </p:spPr>
+        <p:txBody>
+          <a:bodyPr wrap="square" rtlCol="0">
+            <a:spAutoFit/>
+          </a:bodyPr>
+          <a:lstStyle/>
+          <a:p>
+            <a:pPr algn="ctr"/>
+            <a:r>
+              <a:rPr lang="en-US" altLang="zh-CN" sz="1600" b="1" dirty="0" err="1" smtClean="0"/>
+              <a:t>eip</a:t>
+            </a:r>
+            <a:r>
+              <a:rPr lang="en-US" altLang="zh-CN" sz="1600" b="1" dirty="0" smtClean="0"/>
+              <a:t>(</a:t>
+            </a:r>
+            <a:r>
+              <a:rPr lang="en-US" altLang="zh-CN" sz="1600" b="1" dirty="0" err="1" smtClean="0"/>
+              <a:t>addl</a:t>
+            </a:r>
+            <a:r>
+              <a:rPr lang="en-US" altLang="zh-CN" sz="1600" b="1" dirty="0" smtClean="0"/>
+              <a:t> $8, %</a:t>
+            </a:r>
+            <a:r>
+              <a:rPr lang="en-US" altLang="zh-CN" sz="1600" b="1" dirty="0" err="1" smtClean="0"/>
+              <a:t>esp</a:t>
+            </a:r>
+            <a:r>
+              <a:rPr lang="zh-CN" altLang="en-US" sz="1600" b="1" dirty="0" smtClean="0"/>
+              <a:t>的地址</a:t>
+            </a:r>
+            <a:r>
+              <a:rPr lang="en-US" altLang="zh-CN" sz="1600" b="1" dirty="0" smtClean="0"/>
+              <a:t>)</a:t>
+            </a:r>
+            <a:endParaRPr lang="zh-CN" altLang="en-US" sz="1600" b="1" dirty="0"/>
+          </a:p>
+        </p:txBody>
+      </p:sp>
+      <p:cxnSp>
+        <p:nvCxnSpPr>
+          <p:cNvPr id="15" name="直接箭头连接符 14"/>
+          <p:cNvCxnSpPr/>
+          <p:nvPr/>
+        </p:nvCxnSpPr>
+        <p:spPr>
+          <a:xfrm flipH="1">
+            <a:off x="3419234" y="2267797"/>
+            <a:ext cx="712177" cy="0"/>
+          </a:xfrm>
+          <a:prstGeom prst="straightConnector1">
+            <a:avLst/>
+          </a:prstGeom>
+          <a:ln w="50800" cap="flat" cmpd="sng" algn="ctr">
+            <a:solidFill>
+              <a:schemeClr val="dk1"/>
+            </a:solidFill>
+            <a:prstDash val="solid"/>
+            <a:round/>
+            <a:headEnd type="none" w="med" len="med"/>
+            <a:tailEnd type="arrow" w="med" len="med"/>
+          </a:ln>
+        </p:spPr>
+        <p:style>
+          <a:lnRef idx="0">
+            <a:scrgbClr r="0" g="0" b="0"/>
+          </a:lnRef>
+          <a:fillRef idx="0">
+            <a:scrgbClr r="0" g="0" b="0"/>
+          </a:fillRef>
+          <a:effectRef idx="0">
+            <a:scrgbClr r="0" g="0" b="0"/>
+          </a:effectRef>
+          <a:fontRef idx="minor">
+            <a:schemeClr val="tx1"/>
+          </a:fontRef>
+        </p:style>
+      </p:cxnSp>
+      <p:sp>
+        <p:nvSpPr>
+          <p:cNvPr id="16" name="文本框 15"/>
+          <p:cNvSpPr txBox="1"/>
+          <p:nvPr/>
+        </p:nvSpPr>
+        <p:spPr>
+          <a:xfrm>
+            <a:off x="4272088" y="2036964"/>
+            <a:ext cx="667170" cy="461665"/>
+          </a:xfrm>
+          <a:prstGeom prst="rect">
+            <a:avLst/>
+          </a:prstGeom>
+          <a:noFill/>
+        </p:spPr>
+        <p:txBody>
+          <a:bodyPr wrap="none" rtlCol="0">
+            <a:spAutoFit/>
+          </a:bodyPr>
+          <a:lstStyle/>
+          <a:p>
+            <a:r>
+              <a:rPr lang="en-US" altLang="zh-CN" sz="2400" b="1" dirty="0" err="1" smtClean="0"/>
+              <a:t>esp</a:t>
+            </a:r>
+            <a:endParaRPr lang="zh-CN" altLang="en-US" sz="2400" b="1" dirty="0"/>
+          </a:p>
+        </p:txBody>
+      </p:sp>
+      <p:sp>
+        <p:nvSpPr>
+          <p:cNvPr id="17" name="文本框 16"/>
+          <p:cNvSpPr txBox="1"/>
+          <p:nvPr/>
+        </p:nvSpPr>
+        <p:spPr>
+          <a:xfrm>
+            <a:off x="5836940" y="2498629"/>
+            <a:ext cx="5435665" cy="830997"/>
+          </a:xfrm>
+          <a:prstGeom prst="rect">
+            <a:avLst/>
+          </a:prstGeom>
+          <a:noFill/>
+        </p:spPr>
+        <p:txBody>
+          <a:bodyPr wrap="square" rtlCol="0">
+            <a:spAutoFit/>
+          </a:bodyPr>
+          <a:lstStyle/>
+          <a:p>
+            <a:r>
+              <a:rPr lang="en-US" altLang="zh-CN" sz="2400" b="1" dirty="0" smtClean="0">
+                <a:solidFill>
+                  <a:srgbClr val="FF0000"/>
+                </a:solidFill>
+              </a:rPr>
+              <a:t>- </a:t>
+            </a:r>
+            <a:r>
+              <a:rPr lang="zh-CN" altLang="en-US" sz="2400" b="1" dirty="0" smtClean="0">
+                <a:solidFill>
+                  <a:srgbClr val="FF0000"/>
+                </a:solidFill>
+              </a:rPr>
+              <a:t>之后将</a:t>
+            </a:r>
+            <a:r>
+              <a:rPr lang="en-US" altLang="zh-CN" sz="2400" b="1" dirty="0" smtClean="0">
+                <a:solidFill>
+                  <a:srgbClr val="FF0000"/>
+                </a:solidFill>
+              </a:rPr>
+              <a:t>fun1</a:t>
+            </a:r>
+            <a:r>
+              <a:rPr lang="zh-CN" altLang="en-US" sz="2400" b="1" dirty="0" smtClean="0">
+                <a:solidFill>
+                  <a:srgbClr val="FF0000"/>
+                </a:solidFill>
+              </a:rPr>
+              <a:t>函数起始的地址值赋给</a:t>
+            </a:r>
+            <a:r>
+              <a:rPr lang="en-US" altLang="zh-CN" sz="2400" b="1" dirty="0" err="1" smtClean="0">
+                <a:solidFill>
+                  <a:srgbClr val="FF0000"/>
+                </a:solidFill>
+              </a:rPr>
+              <a:t>eip</a:t>
+            </a:r>
+            <a:r>
+              <a:rPr lang="zh-CN" altLang="en-US" sz="2400" b="1" dirty="0" smtClean="0">
+                <a:solidFill>
+                  <a:srgbClr val="FF0000"/>
+                </a:solidFill>
+              </a:rPr>
+              <a:t>寄存器</a:t>
+            </a:r>
+            <a:endParaRPr lang="zh-CN" altLang="en-US" sz="2400" b="1" dirty="0">
+              <a:solidFill>
+                <a:srgbClr val="FF0000"/>
+              </a:solidFill>
+            </a:endParaRPr>
+          </a:p>
+        </p:txBody>
+      </p:sp>
+      <p:sp>
+        <p:nvSpPr>
+          <p:cNvPr id="18" name="文本框 84"/>
+          <p:cNvSpPr txBox="1"/>
+          <p:nvPr/>
+        </p:nvSpPr>
+        <p:spPr>
+          <a:xfrm>
+            <a:off x="5836940" y="1670567"/>
+            <a:ext cx="4644357" cy="830997"/>
+          </a:xfrm>
+          <a:prstGeom prst="rect">
+            <a:avLst/>
+          </a:prstGeom>
+          <a:noFill/>
+        </p:spPr>
+        <p:txBody>
+          <a:bodyPr wrap="square" rtlCol="0">
+            <a:spAutoFit/>
+          </a:bodyPr>
+          <a:lstStyle>
+            <a:defPPr>
+              <a:defRPr lang="zh-CN"/>
+            </a:defPPr>
+            <a:lvl1pPr marL="0" algn="l" defTabSz="914400" rtl="0" eaLnBrk="1" latinLnBrk="0" hangingPunct="1">
+              <a:defRPr sz="1800" kern="1200">
+                <a:solidFill>
+                  <a:schemeClr val="tx1"/>
+                </a:solidFill>
+                <a:latin typeface="+mn-lt"/>
+                <a:ea typeface="+mn-ea"/>
+                <a:cs typeface="+mn-cs"/>
+              </a:defRPr>
+            </a:lvl1pPr>
+            <a:lvl2pPr marL="457200" algn="l" defTabSz="914400" rtl="0" eaLnBrk="1" latinLnBrk="0" hangingPunct="1">
+              <a:defRPr sz="1800" kern="1200">
+                <a:solidFill>
+                  <a:schemeClr val="tx1"/>
+                </a:solidFill>
+                <a:latin typeface="+mn-lt"/>
+                <a:ea typeface="+mn-ea"/>
+                <a:cs typeface="+mn-cs"/>
+              </a:defRPr>
+            </a:lvl2pPr>
+            <a:lvl3pPr marL="914400" algn="l" defTabSz="914400" rtl="0" eaLnBrk="1" latinLnBrk="0" hangingPunct="1">
+              <a:defRPr sz="1800" kern="1200">
+                <a:solidFill>
+                  <a:schemeClr val="tx1"/>
+                </a:solidFill>
+                <a:latin typeface="+mn-lt"/>
+                <a:ea typeface="+mn-ea"/>
+                <a:cs typeface="+mn-cs"/>
+              </a:defRPr>
+            </a:lvl3pPr>
+            <a:lvl4pPr marL="1371600" algn="l" defTabSz="914400" rtl="0" eaLnBrk="1" latinLnBrk="0" hangingPunct="1">
+              <a:defRPr sz="1800" kern="1200">
+                <a:solidFill>
+                  <a:schemeClr val="tx1"/>
+                </a:solidFill>
+                <a:latin typeface="+mn-lt"/>
+                <a:ea typeface="+mn-ea"/>
+                <a:cs typeface="+mn-cs"/>
+              </a:defRPr>
+            </a:lvl4pPr>
+            <a:lvl5pPr marL="1828800" algn="l" defTabSz="914400" rtl="0" eaLnBrk="1" latinLnBrk="0" hangingPunct="1">
+              <a:defRPr sz="1800" kern="1200">
+                <a:solidFill>
+                  <a:schemeClr val="tx1"/>
+                </a:solidFill>
+                <a:latin typeface="+mn-lt"/>
+                <a:ea typeface="+mn-ea"/>
+                <a:cs typeface="+mn-cs"/>
+              </a:defRPr>
+            </a:lvl5pPr>
+            <a:lvl6pPr marL="2286000" algn="l" defTabSz="914400" rtl="0" eaLnBrk="1" latinLnBrk="0" hangingPunct="1">
+              <a:defRPr sz="1800" kern="1200">
+                <a:solidFill>
+                  <a:schemeClr val="tx1"/>
+                </a:solidFill>
+                <a:latin typeface="+mn-lt"/>
+                <a:ea typeface="+mn-ea"/>
+                <a:cs typeface="+mn-cs"/>
+              </a:defRPr>
+            </a:lvl6pPr>
+            <a:lvl7pPr marL="2743200" algn="l" defTabSz="914400" rtl="0" eaLnBrk="1" latinLnBrk="0" hangingPunct="1">
+              <a:defRPr sz="1800" kern="1200">
+                <a:solidFill>
+                  <a:schemeClr val="tx1"/>
+                </a:solidFill>
+                <a:latin typeface="+mn-lt"/>
+                <a:ea typeface="+mn-ea"/>
+                <a:cs typeface="+mn-cs"/>
+              </a:defRPr>
+            </a:lvl7pPr>
+            <a:lvl8pPr marL="3200400" algn="l" defTabSz="914400" rtl="0" eaLnBrk="1" latinLnBrk="0" hangingPunct="1">
+              <a:defRPr sz="1800" kern="1200">
+                <a:solidFill>
+                  <a:schemeClr val="tx1"/>
+                </a:solidFill>
+                <a:latin typeface="+mn-lt"/>
+                <a:ea typeface="+mn-ea"/>
+                <a:cs typeface="+mn-cs"/>
+              </a:defRPr>
+            </a:lvl8pPr>
+            <a:lvl9pPr marL="3657600" algn="l" defTabSz="914400" rtl="0" eaLnBrk="1" latinLnBrk="0" hangingPunct="1">
+              <a:defRPr sz="1800" kern="1200">
+                <a:solidFill>
+                  <a:schemeClr val="tx1"/>
+                </a:solidFill>
+                <a:latin typeface="+mn-lt"/>
+                <a:ea typeface="+mn-ea"/>
+                <a:cs typeface="+mn-cs"/>
+              </a:defRPr>
+            </a:lvl9pPr>
+          </a:lstStyle>
+          <a:p>
+            <a:r>
+              <a:rPr lang="zh-CN" altLang="en-US" sz="2400" b="1" dirty="0" smtClean="0">
+                <a:solidFill>
+                  <a:srgbClr val="FF0000"/>
+                </a:solidFill>
+              </a:rPr>
+              <a:t>执行指令：</a:t>
+            </a:r>
+            <a:r>
+              <a:rPr lang="en-US" altLang="zh-CN" sz="2400" b="1" dirty="0" smtClean="0">
+                <a:solidFill>
+                  <a:srgbClr val="FF0000"/>
+                </a:solidFill>
+              </a:rPr>
+              <a:t>call fun1</a:t>
+            </a:r>
+            <a:endParaRPr lang="en-US" altLang="zh-CN" sz="2400" b="1" dirty="0">
+              <a:solidFill>
+                <a:srgbClr val="FF0000"/>
+              </a:solidFill>
+            </a:endParaRPr>
+          </a:p>
+          <a:p>
+            <a:r>
+              <a:rPr lang="en-US" altLang="zh-CN" sz="2400" b="1" dirty="0" smtClean="0">
+                <a:solidFill>
+                  <a:srgbClr val="FF0000"/>
+                </a:solidFill>
+              </a:rPr>
+              <a:t>- </a:t>
+            </a:r>
+            <a:r>
+              <a:rPr lang="zh-CN" altLang="en-US" sz="2400" b="1" dirty="0" smtClean="0">
+                <a:solidFill>
+                  <a:srgbClr val="FF0000"/>
+                </a:solidFill>
+              </a:rPr>
+              <a:t>先将当前</a:t>
+            </a:r>
+            <a:r>
+              <a:rPr lang="en-US" altLang="zh-CN" sz="2400" b="1" dirty="0" err="1" smtClean="0">
+                <a:solidFill>
+                  <a:srgbClr val="FF0000"/>
+                </a:solidFill>
+              </a:rPr>
+              <a:t>eip</a:t>
+            </a:r>
+            <a:r>
+              <a:rPr lang="zh-CN" altLang="en-US" sz="2400" b="1" dirty="0" smtClean="0">
+                <a:solidFill>
+                  <a:srgbClr val="FF0000"/>
+                </a:solidFill>
+              </a:rPr>
+              <a:t>的值进行</a:t>
+            </a:r>
+            <a:r>
+              <a:rPr lang="en-US" altLang="zh-CN" sz="2400" b="1" dirty="0" smtClean="0">
+                <a:solidFill>
+                  <a:srgbClr val="FF0000"/>
+                </a:solidFill>
+              </a:rPr>
+              <a:t>push</a:t>
+            </a:r>
+          </a:p>
+        </p:txBody>
+      </p:sp>
+    </p:spTree>
+    <p:extLst>
+      <p:ext uri="{BB962C8B-B14F-4D97-AF65-F5344CB8AC3E}">
+        <p14:creationId xmlns:p14="http://schemas.microsoft.com/office/powerpoint/2010/main" val="528471770"/>
+      </p:ext>
+    </p:extLst>
+  </p:cSld>
+  <p:clrMapOvr>
+    <a:masterClrMapping/>
+  </p:clrMapOvr>
+  <p:timing>
+    <p:tnLst>
+      <p:par>
+        <p:cTn id="1" dur="indefinite" restart="never" nodeType="tmRoot">
+          <p:childTnLst>
+            <p:seq concurrent="1" nextAc="seek">
+              <p:cTn id="2" dur="indefinite" nodeType="mainSeq">
+                <p:childTnLst>
+                  <p:par>
+                    <p:cTn id="3" fill="hold">
+                      <p:stCondLst>
+                        <p:cond delay="indefinite"/>
+                      </p:stCondLst>
+                      <p:childTnLst>
+                        <p:par>
+                          <p:cTn id="4" fill="hold">
+                            <p:stCondLst>
+                              <p:cond delay="0"/>
+                            </p:stCondLst>
+                            <p:childTnLst>
+                              <p:par>
+                                <p:cTn id="5" presetID="10" presetClass="entr" presetSubtype="0" fill="hold" grpId="0" nodeType="clickEffect">
+                                  <p:stCondLst>
+                                    <p:cond delay="0"/>
+                                  </p:stCondLst>
+                                  <p:childTnLst>
+                                    <p:set>
+                                      <p:cBhvr>
+                                        <p:cTn id="6" dur="1" fill="hold">
+                                          <p:stCondLst>
+                                            <p:cond delay="0"/>
+                                          </p:stCondLst>
+                                        </p:cTn>
+                                        <p:tgtEl>
+                                          <p:spTgt spid="17"/>
+                                        </p:tgtEl>
+                                        <p:attrNameLst>
+                                          <p:attrName>style.visibility</p:attrName>
+                                        </p:attrNameLst>
+                                      </p:cBhvr>
+                                      <p:to>
+                                        <p:strVal val="visible"/>
+                                      </p:to>
+                                    </p:set>
+                                    <p:animEffect transition="in" filter="fade">
+                                      <p:cBhvr>
+                                        <p:cTn id="7" dur="500"/>
+                                        <p:tgtEl>
+                                          <p:spTgt spid="17"/>
+                                        </p:tgtEl>
+                                      </p:cBhvr>
+                                    </p:animEffect>
+                                  </p:childTnLst>
+                                </p:cTn>
+                              </p:par>
+                            </p:childTnLst>
+                          </p:cTn>
+                        </p:par>
+                      </p:childTnLst>
+                    </p:cTn>
+                  </p:par>
+                </p:childTnLst>
+              </p:cTn>
+              <p:prevCondLst>
+                <p:cond evt="onPrev" delay="0">
+                  <p:tgtEl>
+                    <p:sldTgt/>
+                  </p:tgtEl>
+                </p:cond>
+              </p:prevCondLst>
+              <p:nextCondLst>
+                <p:cond evt="onNext" delay="0">
+                  <p:tgtEl>
+                    <p:sldTgt/>
+                  </p:tgtEl>
+                </p:cond>
+              </p:nextCondLst>
+            </p:seq>
+          </p:childTnLst>
+        </p:cTn>
+      </p:par>
+    </p:tnLst>
+    <p:bldLst>
+      <p:bldP spid="17" grpId="0"/>
+    </p:bldLst>
+  </p:timing>
+</p:sld>
+</file>
+
+<file path=ppt/slides/slide8.xml><?xml version="1.0" encoding="utf-8"?>
+<p:sld xmlns:a="http://schemas.openxmlformats.org/drawingml/2006/main" xmlns:r="http://schemas.openxmlformats.org/officeDocument/2006/relationships" xmlns:p="http://schemas.openxmlformats.org/presentationml/2006/main">
+  <p:cSld>
+    <p:spTree>
+      <p:nvGrpSpPr>
+        <p:cNvPr id="1" name=""/>
+        <p:cNvGrpSpPr/>
+        <p:nvPr/>
+      </p:nvGrpSpPr>
+      <p:grpSpPr>
+        <a:xfrm>
+          <a:off x="0" y="0"/>
+          <a:ext cx="0" cy="0"/>
+          <a:chOff x="0" y="0"/>
+          <a:chExt cx="0" cy="0"/>
+        </a:xfrm>
+      </p:grpSpPr>
+      <p:sp>
+        <p:nvSpPr>
+          <p:cNvPr id="85" name="文本框 84"/>
+          <p:cNvSpPr txBox="1"/>
+          <p:nvPr/>
+        </p:nvSpPr>
+        <p:spPr>
+          <a:xfrm>
+            <a:off x="1669515" y="417949"/>
+            <a:ext cx="792204" cy="338554"/>
+          </a:xfrm>
+          <a:prstGeom prst="rect">
+            <a:avLst/>
+          </a:prstGeom>
+          <a:noFill/>
+        </p:spPr>
+        <p:txBody>
+          <a:bodyPr wrap="none" rtlCol="0">
+            <a:spAutoFit/>
+          </a:bodyPr>
+          <a:lstStyle/>
+          <a:p>
+            <a:pPr algn="ctr"/>
+            <a:r>
+              <a:rPr lang="en-US" altLang="zh-CN" sz="1600" b="1" dirty="0" err="1" smtClean="0"/>
+              <a:t>eb</a:t>
+            </a:r>
+            <a:r>
+              <a:rPr lang="en-US" altLang="zh-CN" sz="1600" b="1" dirty="0" err="1" smtClean="0"/>
+              <a:t>p</a:t>
+            </a:r>
+            <a:r>
+              <a:rPr lang="en-US" altLang="zh-CN" sz="1600" b="1" dirty="0" smtClean="0"/>
+              <a:t>(0)</a:t>
+            </a:r>
+            <a:endParaRPr lang="zh-CN" altLang="en-US" sz="1600" b="1" dirty="0"/>
+          </a:p>
+        </p:txBody>
+      </p:sp>
+      <p:sp>
+        <p:nvSpPr>
+          <p:cNvPr id="2" name="矩形 1"/>
+          <p:cNvSpPr/>
+          <p:nvPr/>
+        </p:nvSpPr>
+        <p:spPr>
+          <a:xfrm>
+            <a:off x="870438" y="369277"/>
+            <a:ext cx="2400300" cy="5662246"/>
+          </a:xfrm>
+          <a:prstGeom prst="rect">
+            <a:avLst/>
+          </a:prstGeom>
+          <a:noFill/>
+          <a:ln w="38100">
+            <a:solidFill>
+              <a:schemeClr val="tx1"/>
+            </a:solidFill>
+          </a:ln>
+        </p:spPr>
+        <p:style>
+          <a:lnRef idx="2">
+            <a:schemeClr val="accent1">
+              <a:shade val="50000"/>
+            </a:schemeClr>
+          </a:lnRef>
+          <a:fillRef idx="1">
+            <a:schemeClr val="accent1"/>
+          </a:fillRef>
+          <a:effectRef idx="0">
+            <a:schemeClr val="accent1"/>
+          </a:effectRef>
+          <a:fontRef idx="minor">
+            <a:schemeClr val="lt1"/>
+          </a:fontRef>
+        </p:style>
+        <p:txBody>
+          <a:bodyPr rtlCol="0" anchor="ctr"/>
+          <a:lstStyle/>
+          <a:p>
+            <a:pPr algn="ctr"/>
+            <a:endParaRPr lang="zh-CN" altLang="en-US"/>
+          </a:p>
+        </p:txBody>
+      </p:sp>
+      <p:cxnSp>
+        <p:nvCxnSpPr>
+          <p:cNvPr id="4" name="直接连接符 3"/>
+          <p:cNvCxnSpPr/>
+          <p:nvPr/>
+        </p:nvCxnSpPr>
+        <p:spPr>
+          <a:xfrm>
+            <a:off x="870438" y="861650"/>
+            <a:ext cx="2400300" cy="0"/>
+          </a:xfrm>
+          <a:prstGeom prst="line">
+            <a:avLst/>
+          </a:prstGeom>
+          <a:ln w="38100">
+            <a:solidFill>
+              <a:schemeClr val="tx1"/>
+            </a:solidFill>
+          </a:ln>
+        </p:spPr>
+        <p:style>
+          <a:lnRef idx="1">
+            <a:schemeClr val="accent1"/>
+          </a:lnRef>
+          <a:fillRef idx="0">
+            <a:schemeClr val="accent1"/>
+          </a:fillRef>
+          <a:effectRef idx="0">
+            <a:schemeClr val="accent1"/>
+          </a:effectRef>
+          <a:fontRef idx="minor">
+            <a:schemeClr val="tx1"/>
+          </a:fontRef>
+        </p:style>
+      </p:cxnSp>
+      <p:cxnSp>
+        <p:nvCxnSpPr>
+          <p:cNvPr id="97" name="直接连接符 96"/>
+          <p:cNvCxnSpPr/>
+          <p:nvPr/>
+        </p:nvCxnSpPr>
+        <p:spPr>
+          <a:xfrm>
+            <a:off x="870438" y="1356950"/>
+            <a:ext cx="2400300" cy="0"/>
+          </a:xfrm>
+          <a:prstGeom prst="line">
+            <a:avLst/>
+          </a:prstGeom>
+          <a:ln w="38100">
+            <a:solidFill>
+              <a:schemeClr val="tx1"/>
+            </a:solidFill>
+          </a:ln>
+        </p:spPr>
+        <p:style>
+          <a:lnRef idx="1">
+            <a:schemeClr val="accent1"/>
+          </a:lnRef>
+          <a:fillRef idx="0">
+            <a:schemeClr val="accent1"/>
+          </a:fillRef>
+          <a:effectRef idx="0">
+            <a:schemeClr val="accent1"/>
+          </a:effectRef>
+          <a:fontRef idx="minor">
+            <a:schemeClr val="tx1"/>
+          </a:fontRef>
+        </p:style>
+      </p:cxnSp>
+      <p:sp>
+        <p:nvSpPr>
+          <p:cNvPr id="98" name="文本框 97"/>
+          <p:cNvSpPr txBox="1"/>
+          <p:nvPr/>
+        </p:nvSpPr>
+        <p:spPr>
+          <a:xfrm>
+            <a:off x="1890806" y="938556"/>
+            <a:ext cx="298479" cy="338554"/>
+          </a:xfrm>
+          <a:prstGeom prst="rect">
+            <a:avLst/>
+          </a:prstGeom>
+          <a:noFill/>
+        </p:spPr>
+        <p:txBody>
+          <a:bodyPr wrap="none" rtlCol="0">
+            <a:spAutoFit/>
+          </a:bodyPr>
+          <a:lstStyle/>
+          <a:p>
+            <a:pPr algn="ctr"/>
+            <a:r>
+              <a:rPr lang="en-US" altLang="zh-CN" sz="1600" b="1" dirty="0" smtClean="0"/>
+              <a:t>2</a:t>
+            </a:r>
+            <a:endParaRPr lang="zh-CN" altLang="en-US" sz="1600" b="1" dirty="0"/>
+          </a:p>
+        </p:txBody>
+      </p:sp>
+      <p:cxnSp>
+        <p:nvCxnSpPr>
+          <p:cNvPr id="100" name="直接连接符 99"/>
+          <p:cNvCxnSpPr/>
+          <p:nvPr/>
+        </p:nvCxnSpPr>
+        <p:spPr>
+          <a:xfrm>
+            <a:off x="870438" y="1790704"/>
+            <a:ext cx="2400300" cy="0"/>
+          </a:xfrm>
+          <a:prstGeom prst="line">
+            <a:avLst/>
+          </a:prstGeom>
+          <a:ln w="38100">
+            <a:solidFill>
+              <a:schemeClr val="tx1"/>
+            </a:solidFill>
+          </a:ln>
+        </p:spPr>
+        <p:style>
+          <a:lnRef idx="1">
+            <a:schemeClr val="accent1"/>
+          </a:lnRef>
+          <a:fillRef idx="0">
+            <a:schemeClr val="accent1"/>
+          </a:fillRef>
+          <a:effectRef idx="0">
+            <a:schemeClr val="accent1"/>
+          </a:effectRef>
+          <a:fontRef idx="minor">
+            <a:schemeClr val="tx1"/>
+          </a:fontRef>
+        </p:style>
+      </p:cxnSp>
+      <p:sp>
+        <p:nvSpPr>
+          <p:cNvPr id="102" name="文本框 101"/>
+          <p:cNvSpPr txBox="1"/>
+          <p:nvPr/>
+        </p:nvSpPr>
+        <p:spPr>
+          <a:xfrm>
+            <a:off x="1887525" y="1354015"/>
+            <a:ext cx="301760" cy="338554"/>
+          </a:xfrm>
+          <a:prstGeom prst="rect">
+            <a:avLst/>
+          </a:prstGeom>
+          <a:noFill/>
+        </p:spPr>
+        <p:txBody>
+          <a:bodyPr wrap="square" rtlCol="0">
+            <a:spAutoFit/>
+          </a:bodyPr>
+          <a:lstStyle/>
+          <a:p>
+            <a:pPr algn="ctr"/>
+            <a:r>
+              <a:rPr lang="en-US" altLang="zh-CN" sz="1600" b="1" dirty="0"/>
+              <a:t>1</a:t>
+            </a:r>
+            <a:endParaRPr lang="zh-CN" altLang="en-US" sz="1600" b="1" dirty="0"/>
+          </a:p>
+        </p:txBody>
+      </p:sp>
+      <p:cxnSp>
+        <p:nvCxnSpPr>
+          <p:cNvPr id="13" name="直接连接符 12"/>
+          <p:cNvCxnSpPr/>
+          <p:nvPr/>
+        </p:nvCxnSpPr>
+        <p:spPr>
+          <a:xfrm>
+            <a:off x="870438" y="2267797"/>
+            <a:ext cx="2400300" cy="0"/>
+          </a:xfrm>
+          <a:prstGeom prst="line">
+            <a:avLst/>
+          </a:prstGeom>
+          <a:ln w="38100">
+            <a:solidFill>
+              <a:schemeClr val="tx1"/>
+            </a:solidFill>
+          </a:ln>
+        </p:spPr>
+        <p:style>
+          <a:lnRef idx="1">
+            <a:schemeClr val="accent1"/>
+          </a:lnRef>
+          <a:fillRef idx="0">
+            <a:schemeClr val="accent1"/>
+          </a:fillRef>
+          <a:effectRef idx="0">
+            <a:schemeClr val="accent1"/>
+          </a:effectRef>
+          <a:fontRef idx="minor">
+            <a:schemeClr val="tx1"/>
+          </a:fontRef>
+        </p:style>
+      </p:cxnSp>
+      <p:sp>
+        <p:nvSpPr>
+          <p:cNvPr id="14" name="文本框 13"/>
+          <p:cNvSpPr txBox="1"/>
+          <p:nvPr/>
+        </p:nvSpPr>
+        <p:spPr>
+          <a:xfrm>
+            <a:off x="517362" y="1859974"/>
+            <a:ext cx="3096513" cy="338554"/>
+          </a:xfrm>
+          <a:prstGeom prst="rect">
+            <a:avLst/>
+          </a:prstGeom>
+          <a:noFill/>
+        </p:spPr>
+        <p:txBody>
+          <a:bodyPr wrap="square" rtlCol="0">
+            <a:spAutoFit/>
+          </a:bodyPr>
+          <a:lstStyle/>
+          <a:p>
+            <a:pPr algn="ctr"/>
+            <a:r>
+              <a:rPr lang="en-US" altLang="zh-CN" sz="1600" b="1" dirty="0" err="1" smtClean="0"/>
+              <a:t>eip</a:t>
+            </a:r>
+            <a:r>
+              <a:rPr lang="en-US" altLang="zh-CN" sz="1600" b="1" dirty="0" smtClean="0"/>
+              <a:t>(</a:t>
+            </a:r>
+            <a:r>
+              <a:rPr lang="en-US" altLang="zh-CN" sz="1600" b="1" dirty="0" err="1" smtClean="0"/>
+              <a:t>addl</a:t>
+            </a:r>
+            <a:r>
+              <a:rPr lang="en-US" altLang="zh-CN" sz="1600" b="1" dirty="0" smtClean="0"/>
+              <a:t> $8, %</a:t>
+            </a:r>
+            <a:r>
+              <a:rPr lang="en-US" altLang="zh-CN" sz="1600" b="1" dirty="0" err="1" smtClean="0"/>
+              <a:t>esp</a:t>
+            </a:r>
+            <a:r>
+              <a:rPr lang="zh-CN" altLang="en-US" sz="1600" b="1" dirty="0" smtClean="0"/>
+              <a:t>的地址</a:t>
+            </a:r>
+            <a:r>
+              <a:rPr lang="en-US" altLang="zh-CN" sz="1600" b="1" dirty="0" smtClean="0"/>
+              <a:t>)</a:t>
+            </a:r>
+            <a:endParaRPr lang="zh-CN" altLang="en-US" sz="1600" b="1" dirty="0"/>
+          </a:p>
+        </p:txBody>
+      </p:sp>
+      <p:cxnSp>
+        <p:nvCxnSpPr>
+          <p:cNvPr id="15" name="直接箭头连接符 14"/>
+          <p:cNvCxnSpPr/>
+          <p:nvPr/>
+        </p:nvCxnSpPr>
+        <p:spPr>
+          <a:xfrm flipH="1">
+            <a:off x="3366335" y="2736720"/>
+            <a:ext cx="712177" cy="0"/>
+          </a:xfrm>
+          <a:prstGeom prst="straightConnector1">
+            <a:avLst/>
+          </a:prstGeom>
+          <a:ln w="50800" cap="flat" cmpd="sng" algn="ctr">
+            <a:solidFill>
+              <a:schemeClr val="dk1"/>
+            </a:solidFill>
+            <a:prstDash val="solid"/>
+            <a:round/>
+            <a:headEnd type="none" w="med" len="med"/>
+            <a:tailEnd type="arrow" w="med" len="med"/>
+          </a:ln>
+        </p:spPr>
+        <p:style>
+          <a:lnRef idx="0">
+            <a:scrgbClr r="0" g="0" b="0"/>
+          </a:lnRef>
+          <a:fillRef idx="0">
+            <a:scrgbClr r="0" g="0" b="0"/>
+          </a:fillRef>
+          <a:effectRef idx="0">
+            <a:scrgbClr r="0" g="0" b="0"/>
+          </a:effectRef>
+          <a:fontRef idx="minor">
+            <a:schemeClr val="tx1"/>
+          </a:fontRef>
+        </p:style>
+      </p:cxnSp>
+      <p:sp>
+        <p:nvSpPr>
+          <p:cNvPr id="16" name="文本框 15"/>
+          <p:cNvSpPr txBox="1"/>
+          <p:nvPr/>
+        </p:nvSpPr>
+        <p:spPr>
+          <a:xfrm>
+            <a:off x="4219189" y="2505887"/>
+            <a:ext cx="667170" cy="461665"/>
+          </a:xfrm>
+          <a:prstGeom prst="rect">
+            <a:avLst/>
+          </a:prstGeom>
+          <a:noFill/>
+        </p:spPr>
+        <p:txBody>
+          <a:bodyPr wrap="none" rtlCol="0">
+            <a:spAutoFit/>
+          </a:bodyPr>
+          <a:lstStyle/>
+          <a:p>
+            <a:r>
+              <a:rPr lang="en-US" altLang="zh-CN" sz="2400" b="1" dirty="0" err="1" smtClean="0"/>
+              <a:t>esp</a:t>
+            </a:r>
+            <a:endParaRPr lang="zh-CN" altLang="en-US" sz="2400" b="1" dirty="0"/>
+          </a:p>
+        </p:txBody>
+      </p:sp>
+      <p:cxnSp>
+        <p:nvCxnSpPr>
+          <p:cNvPr id="18" name="直接连接符 17"/>
+          <p:cNvCxnSpPr/>
+          <p:nvPr/>
+        </p:nvCxnSpPr>
+        <p:spPr>
+          <a:xfrm>
+            <a:off x="870438" y="2736720"/>
+            <a:ext cx="2400300" cy="0"/>
+          </a:xfrm>
+          <a:prstGeom prst="line">
+            <a:avLst/>
+          </a:prstGeom>
+          <a:ln w="38100">
+            <a:solidFill>
+              <a:schemeClr val="tx1"/>
+            </a:solidFill>
+          </a:ln>
+        </p:spPr>
+        <p:style>
+          <a:lnRef idx="1">
+            <a:schemeClr val="accent1"/>
+          </a:lnRef>
+          <a:fillRef idx="0">
+            <a:schemeClr val="accent1"/>
+          </a:fillRef>
+          <a:effectRef idx="0">
+            <a:schemeClr val="accent1"/>
+          </a:effectRef>
+          <a:fontRef idx="minor">
+            <a:schemeClr val="tx1"/>
+          </a:fontRef>
+        </p:style>
+      </p:cxnSp>
+      <p:sp>
+        <p:nvSpPr>
+          <p:cNvPr id="19" name="文本框 18"/>
+          <p:cNvSpPr txBox="1"/>
+          <p:nvPr/>
+        </p:nvSpPr>
+        <p:spPr>
+          <a:xfrm>
+            <a:off x="517361" y="2337067"/>
+            <a:ext cx="3096513" cy="338554"/>
+          </a:xfrm>
+          <a:prstGeom prst="rect">
+            <a:avLst/>
+          </a:prstGeom>
+          <a:noFill/>
+        </p:spPr>
+        <p:txBody>
+          <a:bodyPr wrap="square" rtlCol="0">
+            <a:spAutoFit/>
+          </a:bodyPr>
+          <a:lstStyle/>
+          <a:p>
+            <a:pPr algn="ctr"/>
+            <a:r>
+              <a:rPr lang="en-US" altLang="zh-CN" sz="1600" b="1" dirty="0" err="1" smtClean="0"/>
+              <a:t>e</a:t>
+            </a:r>
+            <a:r>
+              <a:rPr lang="en-US" altLang="zh-CN" sz="1600" b="1" dirty="0" err="1" smtClean="0"/>
+              <a:t>bp</a:t>
+            </a:r>
+            <a:r>
+              <a:rPr lang="en-US" altLang="zh-CN" sz="1600" b="1" dirty="0" smtClean="0"/>
+              <a:t>(main)</a:t>
+            </a:r>
+            <a:endParaRPr lang="zh-CN" altLang="en-US" sz="1600" b="1" dirty="0"/>
+          </a:p>
+        </p:txBody>
+      </p:sp>
+      <p:sp>
+        <p:nvSpPr>
+          <p:cNvPr id="23" name="文本框 84"/>
+          <p:cNvSpPr txBox="1"/>
+          <p:nvPr/>
+        </p:nvSpPr>
+        <p:spPr>
+          <a:xfrm>
+            <a:off x="5642644" y="2488382"/>
+            <a:ext cx="4644357" cy="461665"/>
+          </a:xfrm>
+          <a:prstGeom prst="rect">
+            <a:avLst/>
+          </a:prstGeom>
+          <a:noFill/>
+        </p:spPr>
+        <p:txBody>
+          <a:bodyPr wrap="square" rtlCol="0">
+            <a:spAutoFit/>
+          </a:bodyPr>
+          <a:lstStyle>
+            <a:defPPr>
+              <a:defRPr lang="zh-CN"/>
+            </a:defPPr>
+            <a:lvl1pPr marL="0" algn="l" defTabSz="914400" rtl="0" eaLnBrk="1" latinLnBrk="0" hangingPunct="1">
+              <a:defRPr sz="1800" kern="1200">
+                <a:solidFill>
+                  <a:schemeClr val="tx1"/>
+                </a:solidFill>
+                <a:latin typeface="+mn-lt"/>
+                <a:ea typeface="+mn-ea"/>
+                <a:cs typeface="+mn-cs"/>
+              </a:defRPr>
+            </a:lvl1pPr>
+            <a:lvl2pPr marL="457200" algn="l" defTabSz="914400" rtl="0" eaLnBrk="1" latinLnBrk="0" hangingPunct="1">
+              <a:defRPr sz="1800" kern="1200">
+                <a:solidFill>
+                  <a:schemeClr val="tx1"/>
+                </a:solidFill>
+                <a:latin typeface="+mn-lt"/>
+                <a:ea typeface="+mn-ea"/>
+                <a:cs typeface="+mn-cs"/>
+              </a:defRPr>
+            </a:lvl2pPr>
+            <a:lvl3pPr marL="914400" algn="l" defTabSz="914400" rtl="0" eaLnBrk="1" latinLnBrk="0" hangingPunct="1">
+              <a:defRPr sz="1800" kern="1200">
+                <a:solidFill>
+                  <a:schemeClr val="tx1"/>
+                </a:solidFill>
+                <a:latin typeface="+mn-lt"/>
+                <a:ea typeface="+mn-ea"/>
+                <a:cs typeface="+mn-cs"/>
+              </a:defRPr>
+            </a:lvl3pPr>
+            <a:lvl4pPr marL="1371600" algn="l" defTabSz="914400" rtl="0" eaLnBrk="1" latinLnBrk="0" hangingPunct="1">
+              <a:defRPr sz="1800" kern="1200">
+                <a:solidFill>
+                  <a:schemeClr val="tx1"/>
+                </a:solidFill>
+                <a:latin typeface="+mn-lt"/>
+                <a:ea typeface="+mn-ea"/>
+                <a:cs typeface="+mn-cs"/>
+              </a:defRPr>
+            </a:lvl4pPr>
+            <a:lvl5pPr marL="1828800" algn="l" defTabSz="914400" rtl="0" eaLnBrk="1" latinLnBrk="0" hangingPunct="1">
+              <a:defRPr sz="1800" kern="1200">
+                <a:solidFill>
+                  <a:schemeClr val="tx1"/>
+                </a:solidFill>
+                <a:latin typeface="+mn-lt"/>
+                <a:ea typeface="+mn-ea"/>
+                <a:cs typeface="+mn-cs"/>
+              </a:defRPr>
+            </a:lvl5pPr>
+            <a:lvl6pPr marL="2286000" algn="l" defTabSz="914400" rtl="0" eaLnBrk="1" latinLnBrk="0" hangingPunct="1">
+              <a:defRPr sz="1800" kern="1200">
+                <a:solidFill>
+                  <a:schemeClr val="tx1"/>
+                </a:solidFill>
+                <a:latin typeface="+mn-lt"/>
+                <a:ea typeface="+mn-ea"/>
+                <a:cs typeface="+mn-cs"/>
+              </a:defRPr>
+            </a:lvl6pPr>
+            <a:lvl7pPr marL="2743200" algn="l" defTabSz="914400" rtl="0" eaLnBrk="1" latinLnBrk="0" hangingPunct="1">
+              <a:defRPr sz="1800" kern="1200">
+                <a:solidFill>
+                  <a:schemeClr val="tx1"/>
+                </a:solidFill>
+                <a:latin typeface="+mn-lt"/>
+                <a:ea typeface="+mn-ea"/>
+                <a:cs typeface="+mn-cs"/>
+              </a:defRPr>
+            </a:lvl7pPr>
+            <a:lvl8pPr marL="3200400" algn="l" defTabSz="914400" rtl="0" eaLnBrk="1" latinLnBrk="0" hangingPunct="1">
+              <a:defRPr sz="1800" kern="1200">
+                <a:solidFill>
+                  <a:schemeClr val="tx1"/>
+                </a:solidFill>
+                <a:latin typeface="+mn-lt"/>
+                <a:ea typeface="+mn-ea"/>
+                <a:cs typeface="+mn-cs"/>
+              </a:defRPr>
+            </a:lvl8pPr>
+            <a:lvl9pPr marL="3657600" algn="l" defTabSz="914400" rtl="0" eaLnBrk="1" latinLnBrk="0" hangingPunct="1">
+              <a:defRPr sz="1800" kern="1200">
+                <a:solidFill>
+                  <a:schemeClr val="tx1"/>
+                </a:solidFill>
+                <a:latin typeface="+mn-lt"/>
+                <a:ea typeface="+mn-ea"/>
+                <a:cs typeface="+mn-cs"/>
+              </a:defRPr>
+            </a:lvl9pPr>
+          </a:lstStyle>
+          <a:p>
+            <a:r>
+              <a:rPr lang="zh-CN" altLang="en-US" sz="2400" b="1" dirty="0" smtClean="0">
+                <a:solidFill>
+                  <a:srgbClr val="FF0000"/>
+                </a:solidFill>
+              </a:rPr>
+              <a:t>执行指令：</a:t>
+            </a:r>
+            <a:r>
+              <a:rPr lang="en-US" altLang="zh-CN" sz="2400" b="1" dirty="0" err="1" smtClean="0">
+                <a:solidFill>
+                  <a:srgbClr val="FF0000"/>
+                </a:solidFill>
+              </a:rPr>
+              <a:t>pushl</a:t>
+            </a:r>
+            <a:r>
+              <a:rPr lang="en-US" altLang="zh-CN" sz="2400" b="1" dirty="0" smtClean="0">
+                <a:solidFill>
+                  <a:srgbClr val="FF0000"/>
+                </a:solidFill>
+              </a:rPr>
+              <a:t> %</a:t>
+            </a:r>
+            <a:r>
+              <a:rPr lang="en-US" altLang="zh-CN" sz="2400" b="1" dirty="0" err="1" smtClean="0">
+                <a:solidFill>
+                  <a:srgbClr val="FF0000"/>
+                </a:solidFill>
+              </a:rPr>
+              <a:t>ebp</a:t>
+            </a:r>
+            <a:endParaRPr lang="en-US" altLang="zh-CN" sz="2400" b="1" dirty="0">
+              <a:solidFill>
+                <a:srgbClr val="FF0000"/>
+              </a:solidFill>
+            </a:endParaRPr>
+          </a:p>
+        </p:txBody>
+      </p:sp>
+    </p:spTree>
+    <p:extLst>
+      <p:ext uri="{BB962C8B-B14F-4D97-AF65-F5344CB8AC3E}">
+        <p14:creationId xmlns:p14="http://schemas.microsoft.com/office/powerpoint/2010/main" val="4099904883"/>
+      </p:ext>
+    </p:extLst>
+  </p:cSld>
+  <p:clrMapOvr>
+    <a:masterClrMapping/>
+  </p:clrMapOvr>
+  <p:timing>
+    <p:tnLst>
+      <p:par>
+        <p:cTn id="1" dur="indefinite" restart="never" nodeType="tmRoot"/>
+      </p:par>
+    </p:tnLst>
+  </p:timing>
+</p:sld>
+</file>
+
+<file path=ppt/slides/slide9.xml><?xml version="1.0" encoding="utf-8"?>
+<p:sld xmlns:a="http://schemas.openxmlformats.org/drawingml/2006/main" xmlns:r="http://schemas.openxmlformats.org/officeDocument/2006/relationships" xmlns:p="http://schemas.openxmlformats.org/presentationml/2006/main">
+  <p:cSld>
+    <p:spTree>
+      <p:nvGrpSpPr>
+        <p:cNvPr id="1" name=""/>
+        <p:cNvGrpSpPr/>
+        <p:nvPr/>
+      </p:nvGrpSpPr>
+      <p:grpSpPr>
+        <a:xfrm>
+          <a:off x="0" y="0"/>
+          <a:ext cx="0" cy="0"/>
+          <a:chOff x="0" y="0"/>
+          <a:chExt cx="0" cy="0"/>
+        </a:xfrm>
+      </p:grpSpPr>
+      <p:sp>
+        <p:nvSpPr>
+          <p:cNvPr id="85" name="文本框 84"/>
+          <p:cNvSpPr txBox="1"/>
+          <p:nvPr/>
+        </p:nvSpPr>
+        <p:spPr>
+          <a:xfrm>
+            <a:off x="1669515" y="417949"/>
+            <a:ext cx="792204" cy="338554"/>
+          </a:xfrm>
+          <a:prstGeom prst="rect">
+            <a:avLst/>
+          </a:prstGeom>
+          <a:noFill/>
+        </p:spPr>
+        <p:txBody>
+          <a:bodyPr wrap="none" rtlCol="0">
+            <a:spAutoFit/>
+          </a:bodyPr>
+          <a:lstStyle/>
+          <a:p>
+            <a:pPr algn="ctr"/>
+            <a:r>
+              <a:rPr lang="en-US" altLang="zh-CN" sz="1600" b="1" dirty="0" err="1" smtClean="0"/>
+              <a:t>eb</a:t>
+            </a:r>
+            <a:r>
+              <a:rPr lang="en-US" altLang="zh-CN" sz="1600" b="1" dirty="0" err="1" smtClean="0"/>
+              <a:t>p</a:t>
+            </a:r>
+            <a:r>
+              <a:rPr lang="en-US" altLang="zh-CN" sz="1600" b="1" dirty="0" smtClean="0"/>
+              <a:t>(0)</a:t>
+            </a:r>
+            <a:endParaRPr lang="zh-CN" altLang="en-US" sz="1600" b="1" dirty="0"/>
+          </a:p>
+        </p:txBody>
+      </p:sp>
+      <p:sp>
+        <p:nvSpPr>
+          <p:cNvPr id="2" name="矩形 1"/>
+          <p:cNvSpPr/>
+          <p:nvPr/>
+        </p:nvSpPr>
+        <p:spPr>
+          <a:xfrm>
+            <a:off x="870438" y="369277"/>
+            <a:ext cx="2400300" cy="5662246"/>
+          </a:xfrm>
+          <a:prstGeom prst="rect">
+            <a:avLst/>
+          </a:prstGeom>
+          <a:noFill/>
+          <a:ln w="38100">
+            <a:solidFill>
+              <a:schemeClr val="tx1"/>
+            </a:solidFill>
+          </a:ln>
+        </p:spPr>
+        <p:style>
+          <a:lnRef idx="2">
+            <a:schemeClr val="accent1">
+              <a:shade val="50000"/>
+            </a:schemeClr>
+          </a:lnRef>
+          <a:fillRef idx="1">
+            <a:schemeClr val="accent1"/>
+          </a:fillRef>
+          <a:effectRef idx="0">
+            <a:schemeClr val="accent1"/>
+          </a:effectRef>
+          <a:fontRef idx="minor">
+            <a:schemeClr val="lt1"/>
+          </a:fontRef>
+        </p:style>
+        <p:txBody>
+          <a:bodyPr rtlCol="0" anchor="ctr"/>
+          <a:lstStyle/>
+          <a:p>
+            <a:pPr algn="ctr"/>
+            <a:endParaRPr lang="zh-CN" altLang="en-US"/>
+          </a:p>
+        </p:txBody>
+      </p:sp>
+      <p:cxnSp>
+        <p:nvCxnSpPr>
+          <p:cNvPr id="4" name="直接连接符 3"/>
+          <p:cNvCxnSpPr/>
+          <p:nvPr/>
+        </p:nvCxnSpPr>
+        <p:spPr>
+          <a:xfrm>
+            <a:off x="870438" y="861650"/>
+            <a:ext cx="2400300" cy="0"/>
+          </a:xfrm>
+          <a:prstGeom prst="line">
+            <a:avLst/>
+          </a:prstGeom>
+          <a:ln w="38100">
+            <a:solidFill>
+              <a:schemeClr val="tx1"/>
+            </a:solidFill>
+          </a:ln>
+        </p:spPr>
+        <p:style>
+          <a:lnRef idx="1">
+            <a:schemeClr val="accent1"/>
+          </a:lnRef>
+          <a:fillRef idx="0">
+            <a:schemeClr val="accent1"/>
+          </a:fillRef>
+          <a:effectRef idx="0">
+            <a:schemeClr val="accent1"/>
+          </a:effectRef>
+          <a:fontRef idx="minor">
+            <a:schemeClr val="tx1"/>
+          </a:fontRef>
+        </p:style>
+      </p:cxnSp>
+      <p:cxnSp>
+        <p:nvCxnSpPr>
+          <p:cNvPr id="97" name="直接连接符 96"/>
+          <p:cNvCxnSpPr/>
+          <p:nvPr/>
+        </p:nvCxnSpPr>
+        <p:spPr>
+          <a:xfrm>
+            <a:off x="870438" y="1356950"/>
+            <a:ext cx="2400300" cy="0"/>
+          </a:xfrm>
+          <a:prstGeom prst="line">
+            <a:avLst/>
+          </a:prstGeom>
+          <a:ln w="38100">
+            <a:solidFill>
+              <a:schemeClr val="tx1"/>
+            </a:solidFill>
+          </a:ln>
+        </p:spPr>
+        <p:style>
+          <a:lnRef idx="1">
+            <a:schemeClr val="accent1"/>
+          </a:lnRef>
+          <a:fillRef idx="0">
+            <a:schemeClr val="accent1"/>
+          </a:fillRef>
+          <a:effectRef idx="0">
+            <a:schemeClr val="accent1"/>
+          </a:effectRef>
+          <a:fontRef idx="minor">
+            <a:schemeClr val="tx1"/>
+          </a:fontRef>
+        </p:style>
+      </p:cxnSp>
+      <p:sp>
+        <p:nvSpPr>
+          <p:cNvPr id="98" name="文本框 97"/>
+          <p:cNvSpPr txBox="1"/>
+          <p:nvPr/>
+        </p:nvSpPr>
+        <p:spPr>
+          <a:xfrm>
+            <a:off x="1890806" y="938556"/>
+            <a:ext cx="298479" cy="338554"/>
+          </a:xfrm>
+          <a:prstGeom prst="rect">
+            <a:avLst/>
+          </a:prstGeom>
+          <a:noFill/>
+        </p:spPr>
+        <p:txBody>
+          <a:bodyPr wrap="none" rtlCol="0">
+            <a:spAutoFit/>
+          </a:bodyPr>
+          <a:lstStyle/>
+          <a:p>
+            <a:pPr algn="ctr"/>
+            <a:r>
+              <a:rPr lang="en-US" altLang="zh-CN" sz="1600" b="1" dirty="0" smtClean="0"/>
+              <a:t>2</a:t>
+            </a:r>
+            <a:endParaRPr lang="zh-CN" altLang="en-US" sz="1600" b="1" dirty="0"/>
+          </a:p>
+        </p:txBody>
+      </p:sp>
+      <p:cxnSp>
+        <p:nvCxnSpPr>
+          <p:cNvPr id="100" name="直接连接符 99"/>
+          <p:cNvCxnSpPr/>
+          <p:nvPr/>
+        </p:nvCxnSpPr>
+        <p:spPr>
+          <a:xfrm>
+            <a:off x="870438" y="1790704"/>
+            <a:ext cx="2400300" cy="0"/>
+          </a:xfrm>
+          <a:prstGeom prst="line">
+            <a:avLst/>
+          </a:prstGeom>
+          <a:ln w="38100">
+            <a:solidFill>
+              <a:schemeClr val="tx1"/>
+            </a:solidFill>
+          </a:ln>
+        </p:spPr>
+        <p:style>
+          <a:lnRef idx="1">
+            <a:schemeClr val="accent1"/>
+          </a:lnRef>
+          <a:fillRef idx="0">
+            <a:schemeClr val="accent1"/>
+          </a:fillRef>
+          <a:effectRef idx="0">
+            <a:schemeClr val="accent1"/>
+          </a:effectRef>
+          <a:fontRef idx="minor">
+            <a:schemeClr val="tx1"/>
+          </a:fontRef>
+        </p:style>
+      </p:cxnSp>
+      <p:sp>
+        <p:nvSpPr>
+          <p:cNvPr id="102" name="文本框 101"/>
+          <p:cNvSpPr txBox="1"/>
+          <p:nvPr/>
+        </p:nvSpPr>
+        <p:spPr>
+          <a:xfrm>
+            <a:off x="1887525" y="1354015"/>
+            <a:ext cx="301760" cy="338554"/>
+          </a:xfrm>
+          <a:prstGeom prst="rect">
+            <a:avLst/>
+          </a:prstGeom>
+          <a:noFill/>
+        </p:spPr>
+        <p:txBody>
+          <a:bodyPr wrap="square" rtlCol="0">
+            <a:spAutoFit/>
+          </a:bodyPr>
+          <a:lstStyle/>
+          <a:p>
+            <a:pPr algn="ctr"/>
+            <a:r>
+              <a:rPr lang="en-US" altLang="zh-CN" sz="1600" b="1" dirty="0"/>
+              <a:t>1</a:t>
+            </a:r>
+            <a:endParaRPr lang="zh-CN" altLang="en-US" sz="1600" b="1" dirty="0"/>
+          </a:p>
+        </p:txBody>
+      </p:sp>
+      <p:cxnSp>
+        <p:nvCxnSpPr>
+          <p:cNvPr id="13" name="直接连接符 12"/>
+          <p:cNvCxnSpPr/>
+          <p:nvPr/>
+        </p:nvCxnSpPr>
+        <p:spPr>
+          <a:xfrm>
+            <a:off x="870438" y="2267797"/>
+            <a:ext cx="2400300" cy="0"/>
+          </a:xfrm>
+          <a:prstGeom prst="line">
+            <a:avLst/>
+          </a:prstGeom>
+          <a:ln w="38100">
+            <a:solidFill>
+              <a:schemeClr val="tx1"/>
+            </a:solidFill>
+          </a:ln>
+        </p:spPr>
+        <p:style>
+          <a:lnRef idx="1">
+            <a:schemeClr val="accent1"/>
+          </a:lnRef>
+          <a:fillRef idx="0">
+            <a:schemeClr val="accent1"/>
+          </a:fillRef>
+          <a:effectRef idx="0">
+            <a:schemeClr val="accent1"/>
+          </a:effectRef>
+          <a:fontRef idx="minor">
+            <a:schemeClr val="tx1"/>
+          </a:fontRef>
+        </p:style>
+      </p:cxnSp>
+      <p:sp>
+        <p:nvSpPr>
+          <p:cNvPr id="14" name="文本框 13"/>
+          <p:cNvSpPr txBox="1"/>
+          <p:nvPr/>
+        </p:nvSpPr>
+        <p:spPr>
+          <a:xfrm>
+            <a:off x="517362" y="1859974"/>
+            <a:ext cx="3096513" cy="338554"/>
+          </a:xfrm>
+          <a:prstGeom prst="rect">
+            <a:avLst/>
+          </a:prstGeom>
+          <a:noFill/>
+        </p:spPr>
+        <p:txBody>
+          <a:bodyPr wrap="square" rtlCol="0">
+            <a:spAutoFit/>
+          </a:bodyPr>
+          <a:lstStyle/>
+          <a:p>
+            <a:pPr algn="ctr"/>
+            <a:r>
+              <a:rPr lang="en-US" altLang="zh-CN" sz="1600" b="1" dirty="0" err="1" smtClean="0"/>
+              <a:t>eip</a:t>
+            </a:r>
+            <a:r>
+              <a:rPr lang="en-US" altLang="zh-CN" sz="1600" b="1" dirty="0" smtClean="0"/>
+              <a:t>(</a:t>
+            </a:r>
+            <a:r>
+              <a:rPr lang="en-US" altLang="zh-CN" sz="1600" b="1" dirty="0" err="1" smtClean="0"/>
+              <a:t>addl</a:t>
+            </a:r>
+            <a:r>
+              <a:rPr lang="en-US" altLang="zh-CN" sz="1600" b="1" dirty="0" smtClean="0"/>
+              <a:t> $8, %</a:t>
+            </a:r>
+            <a:r>
+              <a:rPr lang="en-US" altLang="zh-CN" sz="1600" b="1" dirty="0" err="1" smtClean="0"/>
+              <a:t>esp</a:t>
+            </a:r>
+            <a:r>
+              <a:rPr lang="zh-CN" altLang="en-US" sz="1600" b="1" dirty="0" smtClean="0"/>
+              <a:t>的地址</a:t>
+            </a:r>
+            <a:r>
+              <a:rPr lang="en-US" altLang="zh-CN" sz="1600" b="1" dirty="0" smtClean="0"/>
+              <a:t>)</a:t>
+            </a:r>
+            <a:endParaRPr lang="zh-CN" altLang="en-US" sz="1600" b="1" dirty="0"/>
+          </a:p>
+        </p:txBody>
+      </p:sp>
+      <p:cxnSp>
+        <p:nvCxnSpPr>
+          <p:cNvPr id="15" name="直接箭头连接符 14"/>
+          <p:cNvCxnSpPr/>
+          <p:nvPr/>
+        </p:nvCxnSpPr>
+        <p:spPr>
+          <a:xfrm flipH="1">
+            <a:off x="3366335" y="2736720"/>
+            <a:ext cx="712177" cy="0"/>
+          </a:xfrm>
+          <a:prstGeom prst="straightConnector1">
+            <a:avLst/>
+          </a:prstGeom>
+          <a:ln w="50800" cap="flat" cmpd="sng" algn="ctr">
+            <a:solidFill>
+              <a:schemeClr val="dk1"/>
+            </a:solidFill>
+            <a:prstDash val="solid"/>
+            <a:round/>
+            <a:headEnd type="none" w="med" len="med"/>
+            <a:tailEnd type="arrow" w="med" len="med"/>
+          </a:ln>
+        </p:spPr>
+        <p:style>
+          <a:lnRef idx="0">
+            <a:scrgbClr r="0" g="0" b="0"/>
+          </a:lnRef>
+          <a:fillRef idx="0">
+            <a:scrgbClr r="0" g="0" b="0"/>
+          </a:fillRef>
+          <a:effectRef idx="0">
+            <a:scrgbClr r="0" g="0" b="0"/>
+          </a:effectRef>
+          <a:fontRef idx="minor">
+            <a:schemeClr val="tx1"/>
+          </a:fontRef>
+        </p:style>
+      </p:cxnSp>
+      <p:sp>
+        <p:nvSpPr>
+          <p:cNvPr id="16" name="文本框 15"/>
+          <p:cNvSpPr txBox="1"/>
+          <p:nvPr/>
+        </p:nvSpPr>
+        <p:spPr>
+          <a:xfrm>
+            <a:off x="4219189" y="2505887"/>
+            <a:ext cx="667170" cy="461665"/>
+          </a:xfrm>
+          <a:prstGeom prst="rect">
+            <a:avLst/>
+          </a:prstGeom>
+          <a:noFill/>
+        </p:spPr>
+        <p:txBody>
+          <a:bodyPr wrap="none" rtlCol="0">
+            <a:spAutoFit/>
+          </a:bodyPr>
+          <a:lstStyle/>
+          <a:p>
+            <a:r>
+              <a:rPr lang="en-US" altLang="zh-CN" sz="2400" b="1" dirty="0" err="1" smtClean="0"/>
+              <a:t>esp</a:t>
+            </a:r>
+            <a:endParaRPr lang="zh-CN" altLang="en-US" sz="2400" b="1" dirty="0"/>
+          </a:p>
+        </p:txBody>
+      </p:sp>
+      <p:cxnSp>
+        <p:nvCxnSpPr>
+          <p:cNvPr id="18" name="直接连接符 17"/>
+          <p:cNvCxnSpPr/>
+          <p:nvPr/>
+        </p:nvCxnSpPr>
+        <p:spPr>
+          <a:xfrm>
+            <a:off x="870438" y="2736720"/>
+            <a:ext cx="2400300" cy="0"/>
+          </a:xfrm>
+          <a:prstGeom prst="line">
+            <a:avLst/>
+          </a:prstGeom>
+          <a:ln w="38100">
+            <a:solidFill>
+              <a:schemeClr val="tx1"/>
+            </a:solidFill>
+          </a:ln>
+        </p:spPr>
+        <p:style>
+          <a:lnRef idx="1">
+            <a:schemeClr val="accent1"/>
+          </a:lnRef>
+          <a:fillRef idx="0">
+            <a:schemeClr val="accent1"/>
+          </a:fillRef>
+          <a:effectRef idx="0">
+            <a:schemeClr val="accent1"/>
+          </a:effectRef>
+          <a:fontRef idx="minor">
+            <a:schemeClr val="tx1"/>
+          </a:fontRef>
+        </p:style>
+      </p:cxnSp>
+      <p:sp>
+        <p:nvSpPr>
+          <p:cNvPr id="19" name="文本框 18"/>
+          <p:cNvSpPr txBox="1"/>
+          <p:nvPr/>
+        </p:nvSpPr>
+        <p:spPr>
+          <a:xfrm>
+            <a:off x="517361" y="2337067"/>
+            <a:ext cx="3096513" cy="338554"/>
+          </a:xfrm>
+          <a:prstGeom prst="rect">
+            <a:avLst/>
+          </a:prstGeom>
+          <a:noFill/>
+        </p:spPr>
+        <p:txBody>
+          <a:bodyPr wrap="square" rtlCol="0">
+            <a:spAutoFit/>
+          </a:bodyPr>
+          <a:lstStyle/>
+          <a:p>
+            <a:pPr algn="ctr"/>
+            <a:r>
+              <a:rPr lang="en-US" altLang="zh-CN" sz="1600" b="1" dirty="0" err="1" smtClean="0"/>
+              <a:t>e</a:t>
+            </a:r>
+            <a:r>
+              <a:rPr lang="en-US" altLang="zh-CN" sz="1600" b="1" dirty="0" err="1" smtClean="0"/>
+              <a:t>bp</a:t>
+            </a:r>
+            <a:r>
+              <a:rPr lang="en-US" altLang="zh-CN" sz="1600" b="1" dirty="0" smtClean="0"/>
+              <a:t>(main)</a:t>
+            </a:r>
+            <a:endParaRPr lang="zh-CN" altLang="en-US" sz="1600" b="1" dirty="0"/>
+          </a:p>
+        </p:txBody>
+      </p:sp>
+      <p:sp>
+        <p:nvSpPr>
+          <p:cNvPr id="22" name="文本框 21"/>
+          <p:cNvSpPr txBox="1"/>
+          <p:nvPr/>
+        </p:nvSpPr>
+        <p:spPr>
+          <a:xfrm>
+            <a:off x="4767243" y="2485842"/>
+            <a:ext cx="1869423" cy="461665"/>
+          </a:xfrm>
+          <a:prstGeom prst="rect">
+            <a:avLst/>
+          </a:prstGeom>
+          <a:noFill/>
+        </p:spPr>
+        <p:txBody>
+          <a:bodyPr wrap="none" rtlCol="0">
+            <a:spAutoFit/>
+          </a:bodyPr>
+          <a:lstStyle/>
+          <a:p>
+            <a:r>
+              <a:rPr lang="zh-CN" altLang="en-US" sz="2400" b="1" dirty="0" smtClean="0"/>
+              <a:t>、</a:t>
+            </a:r>
+            <a:r>
+              <a:rPr lang="en-US" altLang="zh-CN" sz="2400" b="1" dirty="0" err="1" smtClean="0"/>
+              <a:t>ebp</a:t>
+            </a:r>
+            <a:r>
+              <a:rPr lang="en-US" altLang="zh-CN" sz="2400" b="1" dirty="0" smtClean="0"/>
+              <a:t>(fun1)</a:t>
+            </a:r>
+            <a:endParaRPr lang="zh-CN" altLang="en-US" sz="2400" b="1" dirty="0"/>
+          </a:p>
+        </p:txBody>
+      </p:sp>
+      <p:sp>
+        <p:nvSpPr>
+          <p:cNvPr id="23" name="文本框 84"/>
+          <p:cNvSpPr txBox="1"/>
+          <p:nvPr/>
+        </p:nvSpPr>
+        <p:spPr>
+          <a:xfrm>
+            <a:off x="7066998" y="2505887"/>
+            <a:ext cx="4644357" cy="461665"/>
+          </a:xfrm>
+          <a:prstGeom prst="rect">
+            <a:avLst/>
+          </a:prstGeom>
+          <a:noFill/>
+        </p:spPr>
+        <p:txBody>
+          <a:bodyPr wrap="square" rtlCol="0">
+            <a:spAutoFit/>
+          </a:bodyPr>
+          <a:lstStyle>
+            <a:defPPr>
+              <a:defRPr lang="zh-CN"/>
+            </a:defPPr>
+            <a:lvl1pPr marL="0" algn="l" defTabSz="914400" rtl="0" eaLnBrk="1" latinLnBrk="0" hangingPunct="1">
+              <a:defRPr sz="1800" kern="1200">
+                <a:solidFill>
+                  <a:schemeClr val="tx1"/>
+                </a:solidFill>
+                <a:latin typeface="+mn-lt"/>
+                <a:ea typeface="+mn-ea"/>
+                <a:cs typeface="+mn-cs"/>
+              </a:defRPr>
+            </a:lvl1pPr>
+            <a:lvl2pPr marL="457200" algn="l" defTabSz="914400" rtl="0" eaLnBrk="1" latinLnBrk="0" hangingPunct="1">
+              <a:defRPr sz="1800" kern="1200">
+                <a:solidFill>
+                  <a:schemeClr val="tx1"/>
+                </a:solidFill>
+                <a:latin typeface="+mn-lt"/>
+                <a:ea typeface="+mn-ea"/>
+                <a:cs typeface="+mn-cs"/>
+              </a:defRPr>
+            </a:lvl2pPr>
+            <a:lvl3pPr marL="914400" algn="l" defTabSz="914400" rtl="0" eaLnBrk="1" latinLnBrk="0" hangingPunct="1">
+              <a:defRPr sz="1800" kern="1200">
+                <a:solidFill>
+                  <a:schemeClr val="tx1"/>
+                </a:solidFill>
+                <a:latin typeface="+mn-lt"/>
+                <a:ea typeface="+mn-ea"/>
+                <a:cs typeface="+mn-cs"/>
+              </a:defRPr>
+            </a:lvl3pPr>
+            <a:lvl4pPr marL="1371600" algn="l" defTabSz="914400" rtl="0" eaLnBrk="1" latinLnBrk="0" hangingPunct="1">
+              <a:defRPr sz="1800" kern="1200">
+                <a:solidFill>
+                  <a:schemeClr val="tx1"/>
+                </a:solidFill>
+                <a:latin typeface="+mn-lt"/>
+                <a:ea typeface="+mn-ea"/>
+                <a:cs typeface="+mn-cs"/>
+              </a:defRPr>
+            </a:lvl4pPr>
+            <a:lvl5pPr marL="1828800" algn="l" defTabSz="914400" rtl="0" eaLnBrk="1" latinLnBrk="0" hangingPunct="1">
+              <a:defRPr sz="1800" kern="1200">
+                <a:solidFill>
+                  <a:schemeClr val="tx1"/>
+                </a:solidFill>
+                <a:latin typeface="+mn-lt"/>
+                <a:ea typeface="+mn-ea"/>
+                <a:cs typeface="+mn-cs"/>
+              </a:defRPr>
+            </a:lvl5pPr>
+            <a:lvl6pPr marL="2286000" algn="l" defTabSz="914400" rtl="0" eaLnBrk="1" latinLnBrk="0" hangingPunct="1">
+              <a:defRPr sz="1800" kern="1200">
+                <a:solidFill>
+                  <a:schemeClr val="tx1"/>
+                </a:solidFill>
+                <a:latin typeface="+mn-lt"/>
+                <a:ea typeface="+mn-ea"/>
+                <a:cs typeface="+mn-cs"/>
+              </a:defRPr>
+            </a:lvl6pPr>
+            <a:lvl7pPr marL="2743200" algn="l" defTabSz="914400" rtl="0" eaLnBrk="1" latinLnBrk="0" hangingPunct="1">
+              <a:defRPr sz="1800" kern="1200">
+                <a:solidFill>
+                  <a:schemeClr val="tx1"/>
+                </a:solidFill>
+                <a:latin typeface="+mn-lt"/>
+                <a:ea typeface="+mn-ea"/>
+                <a:cs typeface="+mn-cs"/>
+              </a:defRPr>
+            </a:lvl7pPr>
+            <a:lvl8pPr marL="3200400" algn="l" defTabSz="914400" rtl="0" eaLnBrk="1" latinLnBrk="0" hangingPunct="1">
+              <a:defRPr sz="1800" kern="1200">
+                <a:solidFill>
+                  <a:schemeClr val="tx1"/>
+                </a:solidFill>
+                <a:latin typeface="+mn-lt"/>
+                <a:ea typeface="+mn-ea"/>
+                <a:cs typeface="+mn-cs"/>
+              </a:defRPr>
+            </a:lvl8pPr>
+            <a:lvl9pPr marL="3657600" algn="l" defTabSz="914400" rtl="0" eaLnBrk="1" latinLnBrk="0" hangingPunct="1">
+              <a:defRPr sz="1800" kern="1200">
+                <a:solidFill>
+                  <a:schemeClr val="tx1"/>
+                </a:solidFill>
+                <a:latin typeface="+mn-lt"/>
+                <a:ea typeface="+mn-ea"/>
+                <a:cs typeface="+mn-cs"/>
+              </a:defRPr>
+            </a:lvl9pPr>
+          </a:lstStyle>
+          <a:p>
+            <a:r>
+              <a:rPr lang="zh-CN" altLang="en-US" sz="2400" b="1" dirty="0" smtClean="0">
+                <a:solidFill>
+                  <a:srgbClr val="FF0000"/>
+                </a:solidFill>
+              </a:rPr>
+              <a:t>执行指令：</a:t>
+            </a:r>
+            <a:r>
+              <a:rPr lang="en-US" altLang="zh-CN" sz="2400" b="1" dirty="0" err="1" smtClean="0">
+                <a:solidFill>
+                  <a:srgbClr val="FF0000"/>
+                </a:solidFill>
+              </a:rPr>
+              <a:t>movl</a:t>
+            </a:r>
+            <a:r>
+              <a:rPr lang="en-US" altLang="zh-CN" sz="2400" b="1" dirty="0" smtClean="0">
+                <a:solidFill>
+                  <a:srgbClr val="FF0000"/>
+                </a:solidFill>
+              </a:rPr>
+              <a:t> %</a:t>
+            </a:r>
+            <a:r>
+              <a:rPr lang="en-US" altLang="zh-CN" sz="2400" b="1" dirty="0" err="1" smtClean="0">
+                <a:solidFill>
+                  <a:srgbClr val="FF0000"/>
+                </a:solidFill>
+              </a:rPr>
+              <a:t>esp</a:t>
+            </a:r>
+            <a:r>
+              <a:rPr lang="en-US" altLang="zh-CN" sz="2400" b="1" dirty="0" smtClean="0">
+                <a:solidFill>
+                  <a:srgbClr val="FF0000"/>
+                </a:solidFill>
+              </a:rPr>
+              <a:t>, %</a:t>
+            </a:r>
+            <a:r>
+              <a:rPr lang="en-US" altLang="zh-CN" sz="2400" b="1" dirty="0" err="1" smtClean="0">
+                <a:solidFill>
+                  <a:srgbClr val="FF0000"/>
+                </a:solidFill>
+              </a:rPr>
+              <a:t>ebp</a:t>
+            </a:r>
+            <a:endParaRPr lang="en-US" altLang="zh-CN" sz="2400" b="1" dirty="0">
+              <a:solidFill>
+                <a:srgbClr val="FF0000"/>
+              </a:solidFill>
+            </a:endParaRPr>
+          </a:p>
+        </p:txBody>
+      </p:sp>
+    </p:spTree>
+    <p:extLst>
+      <p:ext uri="{BB962C8B-B14F-4D97-AF65-F5344CB8AC3E}">
+        <p14:creationId xmlns:p14="http://schemas.microsoft.com/office/powerpoint/2010/main" val="15476754"/>
+      </p:ext>
+    </p:extLst>
+  </p:cSld>
+  <p:clrMapOvr>
+    <a:masterClrMapping/>
+  </p:clrMapOvr>
+  <p:timing>
+    <p:tnLst>
+      <p:par>
+        <p:cTn id="1" dur="indefinite" restart="never" nodeType="tmRoot">
+          <p:childTnLst>
+            <p:seq concurrent="1" nextAc="seek">
+              <p:cTn id="2" dur="indefinite" nodeType="mainSeq">
+                <p:childTnLst>
+                  <p:par>
+                    <p:cTn id="3" fill="hold">
+                      <p:stCondLst>
+                        <p:cond delay="indefinite"/>
+                      </p:stCondLst>
+                      <p:childTnLst>
+                        <p:par>
+                          <p:cTn id="4" fill="hold">
+                            <p:stCondLst>
+                              <p:cond delay="0"/>
+                            </p:stCondLst>
+                            <p:childTnLst>
+                              <p:par>
+                                <p:cTn id="5" presetID="10" presetClass="entr" presetSubtype="0" fill="hold" grpId="0" nodeType="clickEffect">
+                                  <p:stCondLst>
+                                    <p:cond delay="0"/>
+                                  </p:stCondLst>
+                                  <p:childTnLst>
+                                    <p:set>
+                                      <p:cBhvr>
+                                        <p:cTn id="6" dur="1" fill="hold">
+                                          <p:stCondLst>
+                                            <p:cond delay="0"/>
+                                          </p:stCondLst>
+                                        </p:cTn>
+                                        <p:tgtEl>
+                                          <p:spTgt spid="22"/>
+                                        </p:tgtEl>
+                                        <p:attrNameLst>
+                                          <p:attrName>style.visibility</p:attrName>
+                                        </p:attrNameLst>
+                                      </p:cBhvr>
+                                      <p:to>
+                                        <p:strVal val="visible"/>
+                                      </p:to>
+                                    </p:set>
+                                    <p:animEffect transition="in" filter="fade">
+                                      <p:cBhvr>
+                                        <p:cTn id="7" dur="500"/>
+                                        <p:tgtEl>
+                                          <p:spTgt spid="22"/>
+                                        </p:tgtEl>
+                                      </p:cBhvr>
+                                    </p:animEffect>
+                                  </p:childTnLst>
+                                </p:cTn>
+                              </p:par>
+                            </p:childTnLst>
+                          </p:cTn>
+                        </p:par>
+                      </p:childTnLst>
+                    </p:cTn>
+                  </p:par>
+                </p:childTnLst>
+              </p:cTn>
+              <p:prevCondLst>
+                <p:cond evt="onPrev" delay="0">
+                  <p:tgtEl>
+                    <p:sldTgt/>
+                  </p:tgtEl>
+                </p:cond>
+              </p:prevCondLst>
+              <p:nextCondLst>
+                <p:cond evt="onNext" delay="0">
+                  <p:tgtEl>
+                    <p:sldTgt/>
+                  </p:tgtEl>
+                </p:cond>
+              </p:nextCondLst>
+            </p:seq>
+          </p:childTnLst>
+        </p:cTn>
+      </p:par>
+    </p:tnLst>
+    <p:bldLst>
+      <p:bldP spid="22" grpId="0"/>
+    </p:bldLst>
+  </p:timing>
+</p:sld>
+</file>
+
 <file path=ppt/theme/theme1.xml><?xml version="1.0" encoding="utf-8"?>
 <a:theme xmlns:a="http://schemas.openxmlformats.org/drawingml/2006/main" name="Office 主题​​">
   <a:themeElements>
